--- a/muse/Thesis/MUSE_Defense_presentation.pptx
+++ b/muse/Thesis/MUSE_Defense_presentation.pptx
@@ -1,6 +1,6 @@
 
 <file path=ppt/presentation.xml><?xml version="1.0" encoding="utf-8"?>
-<p:presentation xmlns:a="http://schemas.openxmlformats.org/drawingml/2006/main" xmlns:r="http://schemas.openxmlformats.org/officeDocument/2006/relationships" xmlns:p="http://schemas.openxmlformats.org/presentationml/2006/main" saveSubsetFonts="1">
+<p:presentation xmlns:a="http://schemas.openxmlformats.org/drawingml/2006/main" xmlns:r="http://schemas.openxmlformats.org/officeDocument/2006/relationships" xmlns:p="http://schemas.openxmlformats.org/presentationml/2006/main" saveSubsetFonts="1" bookmarkIdSeed="3">
   <p:sldMasterIdLst>
     <p:sldMasterId id="2147483768" r:id="rId1"/>
   </p:sldMasterIdLst>
@@ -10,11 +10,13 @@
     <p:sldId id="258" r:id="rId4"/>
     <p:sldId id="259" r:id="rId5"/>
     <p:sldId id="260" r:id="rId6"/>
-    <p:sldId id="261" r:id="rId7"/>
-    <p:sldId id="262" r:id="rId8"/>
-    <p:sldId id="263" r:id="rId9"/>
-    <p:sldId id="264" r:id="rId10"/>
-    <p:sldId id="265" r:id="rId11"/>
+    <p:sldId id="266" r:id="rId7"/>
+    <p:sldId id="267" r:id="rId8"/>
+    <p:sldId id="264" r:id="rId9"/>
+    <p:sldId id="270" r:id="rId10"/>
+    <p:sldId id="263" r:id="rId11"/>
+    <p:sldId id="265" r:id="rId12"/>
+    <p:sldId id="268" r:id="rId13"/>
   </p:sldIdLst>
   <p:sldSz cx="9144000" cy="6858000" type="screen4x3"/>
   <p:notesSz cx="6858000" cy="9144000"/>
@@ -741,7 +743,8 @@
           <a:p>
             <a:fld id="{74E85FBA-655E-485D-8443-23493E4B9167}" type="datetimeFigureOut">
               <a:rPr lang="en-US" smtClean="0"/>
-              <a:t>5/17/2009</a:t>
+              <a:pPr/>
+              <a:t>5/19/2009</a:t>
             </a:fld>
             <a:endParaRPr lang="en-US"/>
           </a:p>
@@ -803,6 +806,7 @@
           <a:p>
             <a:fld id="{D6A100D4-B048-4293-BE73-AFD2505348F7}" type="slidenum">
               <a:rPr lang="en-US" smtClean="0"/>
+              <a:pPr/>
               <a:t>‹#›</a:t>
             </a:fld>
             <a:endParaRPr lang="en-US"/>
@@ -937,7 +941,8 @@
           <a:p>
             <a:fld id="{74E85FBA-655E-485D-8443-23493E4B9167}" type="datetimeFigureOut">
               <a:rPr lang="en-US" smtClean="0"/>
-              <a:t>5/17/2009</a:t>
+              <a:pPr/>
+              <a:t>5/19/2009</a:t>
             </a:fld>
             <a:endParaRPr lang="en-US"/>
           </a:p>
@@ -983,6 +988,7 @@
           <a:p>
             <a:fld id="{D6A100D4-B048-4293-BE73-AFD2505348F7}" type="slidenum">
               <a:rPr lang="en-US" smtClean="0"/>
+              <a:pPr/>
               <a:t>‹#›</a:t>
             </a:fld>
             <a:endParaRPr lang="en-US"/>
@@ -1122,7 +1128,8 @@
           <a:p>
             <a:fld id="{74E85FBA-655E-485D-8443-23493E4B9167}" type="datetimeFigureOut">
               <a:rPr lang="en-US" smtClean="0"/>
-              <a:t>5/17/2009</a:t>
+              <a:pPr/>
+              <a:t>5/19/2009</a:t>
             </a:fld>
             <a:endParaRPr lang="en-US"/>
           </a:p>
@@ -1168,6 +1175,7 @@
           <a:p>
             <a:fld id="{D6A100D4-B048-4293-BE73-AFD2505348F7}" type="slidenum">
               <a:rPr lang="en-US" smtClean="0"/>
+              <a:pPr/>
               <a:t>‹#›</a:t>
             </a:fld>
             <a:endParaRPr lang="en-US"/>
@@ -1272,7 +1280,8 @@
           <a:p>
             <a:fld id="{74E85FBA-655E-485D-8443-23493E4B9167}" type="datetimeFigureOut">
               <a:rPr lang="en-US" smtClean="0"/>
-              <a:t>5/17/2009</a:t>
+              <a:pPr/>
+              <a:t>5/19/2009</a:t>
             </a:fld>
             <a:endParaRPr lang="en-US"/>
           </a:p>
@@ -1318,6 +1327,7 @@
           <a:p>
             <a:fld id="{D6A100D4-B048-4293-BE73-AFD2505348F7}" type="slidenum">
               <a:rPr lang="en-US" smtClean="0"/>
+              <a:pPr/>
               <a:t>‹#›</a:t>
             </a:fld>
             <a:endParaRPr lang="en-US"/>
@@ -1527,7 +1537,8 @@
           <a:p>
             <a:fld id="{74E85FBA-655E-485D-8443-23493E4B9167}" type="datetimeFigureOut">
               <a:rPr lang="en-US" smtClean="0"/>
-              <a:t>5/17/2009</a:t>
+              <a:pPr/>
+              <a:t>5/19/2009</a:t>
             </a:fld>
             <a:endParaRPr lang="en-US"/>
           </a:p>
@@ -1573,6 +1584,7 @@
           <a:p>
             <a:fld id="{D6A100D4-B048-4293-BE73-AFD2505348F7}" type="slidenum">
               <a:rPr lang="en-US" smtClean="0"/>
+              <a:pPr/>
               <a:t>‹#›</a:t>
             </a:fld>
             <a:endParaRPr lang="en-US"/>
@@ -1936,7 +1948,8 @@
           <a:p>
             <a:fld id="{74E85FBA-655E-485D-8443-23493E4B9167}" type="datetimeFigureOut">
               <a:rPr lang="en-US" smtClean="0"/>
-              <a:t>5/17/2009</a:t>
+              <a:pPr/>
+              <a:t>5/19/2009</a:t>
             </a:fld>
             <a:endParaRPr lang="en-US"/>
           </a:p>
@@ -1982,6 +1995,7 @@
           <a:p>
             <a:fld id="{D6A100D4-B048-4293-BE73-AFD2505348F7}" type="slidenum">
               <a:rPr lang="en-US" smtClean="0"/>
+              <a:pPr/>
               <a:t>‹#›</a:t>
             </a:fld>
             <a:endParaRPr lang="en-US"/>
@@ -2382,7 +2396,8 @@
           <a:p>
             <a:fld id="{74E85FBA-655E-485D-8443-23493E4B9167}" type="datetimeFigureOut">
               <a:rPr lang="en-US" smtClean="0"/>
-              <a:t>5/17/2009</a:t>
+              <a:pPr/>
+              <a:t>5/19/2009</a:t>
             </a:fld>
             <a:endParaRPr lang="en-US"/>
           </a:p>
@@ -2428,6 +2443,7 @@
           <a:p>
             <a:fld id="{D6A100D4-B048-4293-BE73-AFD2505348F7}" type="slidenum">
               <a:rPr lang="en-US" smtClean="0"/>
+              <a:pPr/>
               <a:t>‹#›</a:t>
             </a:fld>
             <a:endParaRPr lang="en-US"/>
@@ -2483,7 +2499,8 @@
           <a:p>
             <a:fld id="{74E85FBA-655E-485D-8443-23493E4B9167}" type="datetimeFigureOut">
               <a:rPr lang="en-US" smtClean="0"/>
-              <a:t>5/17/2009</a:t>
+              <a:pPr/>
+              <a:t>5/19/2009</a:t>
             </a:fld>
             <a:endParaRPr lang="en-US"/>
           </a:p>
@@ -2529,6 +2546,7 @@
           <a:p>
             <a:fld id="{D6A100D4-B048-4293-BE73-AFD2505348F7}" type="slidenum">
               <a:rPr lang="en-US" smtClean="0"/>
+              <a:pPr/>
               <a:t>‹#›</a:t>
             </a:fld>
             <a:endParaRPr lang="en-US"/>
@@ -2604,7 +2622,8 @@
           <a:p>
             <a:fld id="{74E85FBA-655E-485D-8443-23493E4B9167}" type="datetimeFigureOut">
               <a:rPr lang="en-US" smtClean="0"/>
-              <a:t>5/17/2009</a:t>
+              <a:pPr/>
+              <a:t>5/19/2009</a:t>
             </a:fld>
             <a:endParaRPr lang="en-US"/>
           </a:p>
@@ -2650,6 +2669,7 @@
           <a:p>
             <a:fld id="{D6A100D4-B048-4293-BE73-AFD2505348F7}" type="slidenum">
               <a:rPr lang="en-US" smtClean="0"/>
+              <a:pPr/>
               <a:t>‹#›</a:t>
             </a:fld>
             <a:endParaRPr lang="en-US"/>
@@ -2878,7 +2898,8 @@
           <a:p>
             <a:fld id="{74E85FBA-655E-485D-8443-23493E4B9167}" type="datetimeFigureOut">
               <a:rPr lang="en-US" smtClean="0"/>
-              <a:t>5/17/2009</a:t>
+              <a:pPr/>
+              <a:t>5/19/2009</a:t>
             </a:fld>
             <a:endParaRPr lang="en-US"/>
           </a:p>
@@ -2924,6 +2945,7 @@
           <a:p>
             <a:fld id="{D6A100D4-B048-4293-BE73-AFD2505348F7}" type="slidenum">
               <a:rPr lang="en-US" smtClean="0"/>
+              <a:pPr/>
               <a:t>‹#›</a:t>
             </a:fld>
             <a:endParaRPr lang="en-US"/>
@@ -3083,7 +3105,8 @@
           <a:p>
             <a:fld id="{74E85FBA-655E-485D-8443-23493E4B9167}" type="datetimeFigureOut">
               <a:rPr lang="en-US" smtClean="0"/>
-              <a:t>5/17/2009</a:t>
+              <a:pPr/>
+              <a:t>5/19/2009</a:t>
             </a:fld>
             <a:endParaRPr lang="en-US"/>
           </a:p>
@@ -3148,6 +3171,7 @@
           <a:p>
             <a:fld id="{D6A100D4-B048-4293-BE73-AFD2505348F7}" type="slidenum">
               <a:rPr lang="en-US" smtClean="0"/>
+              <a:pPr/>
               <a:t>‹#›</a:t>
             </a:fld>
             <a:endParaRPr lang="en-US"/>
@@ -4192,7 +4216,8 @@
           <a:p>
             <a:fld id="{74E85FBA-655E-485D-8443-23493E4B9167}" type="datetimeFigureOut">
               <a:rPr lang="en-US" smtClean="0"/>
-              <a:t>5/17/2009</a:t>
+              <a:pPr/>
+              <a:t>5/19/2009</a:t>
             </a:fld>
             <a:endParaRPr lang="en-US"/>
           </a:p>
@@ -4268,6 +4293,7 @@
           <a:p>
             <a:fld id="{D6A100D4-B048-4293-BE73-AFD2505348F7}" type="slidenum">
               <a:rPr lang="en-US" smtClean="0"/>
+              <a:pPr/>
               <a:t>‹#›</a:t>
             </a:fld>
             <a:endParaRPr lang="en-US"/>
@@ -4749,15 +4775,19 @@
             </a:br>
             <a:r>
               <a:rPr smtClean="0"/>
-              <a:t>MUSE</a:t>
-            </a:r>
-            <a:r>
-              <a:rPr smtClean="0"/>
-              <a:t>: </a:t>
+              <a:t>MUSE: </a:t>
             </a:r>
             <a:r>
               <a:rPr sz="4900" smtClean="0"/>
-              <a:t>A parallel Agent-based Simulation Environment</a:t>
+              <a:t>A </a:t>
+            </a:r>
+            <a:r>
+              <a:rPr sz="4900" smtClean="0"/>
+              <a:t>parallel </a:t>
+            </a:r>
+            <a:r>
+              <a:rPr sz="4900" smtClean="0"/>
+              <a:t>Agent-based Simulation Environment</a:t>
             </a:r>
             <a:r>
               <a:rPr smtClean="0"/>
@@ -4798,15 +4828,7 @@
           <a:p>
             <a:r>
               <a:rPr lang="en-US" dirty="0" smtClean="0"/>
-              <a:t>Advisor: Dr. </a:t>
-            </a:r>
-            <a:r>
-              <a:rPr lang="en-US" dirty="0" err="1" smtClean="0"/>
-              <a:t>Dhananjai</a:t>
-            </a:r>
-            <a:r>
-              <a:rPr lang="en-US" dirty="0" smtClean="0"/>
-              <a:t> M. Rao</a:t>
+              <a:t>Advisor: Dr. Dhananjai M. Rao</a:t>
             </a:r>
           </a:p>
           <a:p>
@@ -4880,22 +4902,20 @@
         </p:nvSpPr>
         <p:spPr/>
         <p:txBody>
-          <a:bodyPr/>
+          <a:bodyPr>
+            <a:normAutofit/>
+          </a:bodyPr>
           <a:lstStyle/>
           <a:p>
             <a:r>
               <a:rPr lang="en-US" sz="3000" dirty="0" smtClean="0"/>
-              <a:t>Conclusion and Future Works</a:t>
-            </a:r>
-            <a:r>
-              <a:rPr lang="en-US" sz="1800" dirty="0" smtClean="0"/>
-              <a:t>(1/3</a:t>
-            </a:r>
-            <a:r>
-              <a:rPr lang="en-US" sz="1800" dirty="0" smtClean="0"/>
-              <a:t>)</a:t>
-            </a:r>
-            <a:endParaRPr lang="en-US" dirty="0"/>
+              <a:t>MUSE Public API</a:t>
+            </a:r>
+            <a:r>
+              <a:rPr lang="en-US" sz="1200" dirty="0" smtClean="0"/>
+              <a:t>(1/10)</a:t>
+            </a:r>
+            <a:endParaRPr lang="en-US" sz="3000" dirty="0"/>
           </a:p>
         </p:txBody>
       </p:sp>
@@ -4904,6 +4924,227 @@
   <p:clrMapOvr>
     <a:masterClrMapping/>
   </p:clrMapOvr>
+  <p:timing>
+    <p:tnLst>
+      <p:par>
+        <p:cTn id="1" dur="indefinite" restart="never" nodeType="tmRoot"/>
+      </p:par>
+    </p:tnLst>
+  </p:timing>
+</p:sld>
+</file>
+
+<file path=ppt/slides/slide11.xml><?xml version="1.0" encoding="utf-8"?>
+<p:sld xmlns:a="http://schemas.openxmlformats.org/drawingml/2006/main" xmlns:r="http://schemas.openxmlformats.org/officeDocument/2006/relationships" xmlns:p="http://schemas.openxmlformats.org/presentationml/2006/main">
+  <p:cSld>
+    <p:spTree>
+      <p:nvGrpSpPr>
+        <p:cNvPr id="1" name=""/>
+        <p:cNvGrpSpPr/>
+        <p:nvPr/>
+      </p:nvGrpSpPr>
+      <p:grpSpPr>
+        <a:xfrm>
+          <a:off x="0" y="0"/>
+          <a:ext cx="0" cy="0"/>
+          <a:chOff x="0" y="0"/>
+          <a:chExt cx="0" cy="0"/>
+        </a:xfrm>
+      </p:grpSpPr>
+      <p:sp>
+        <p:nvSpPr>
+          <p:cNvPr id="2" name="Content Placeholder 1"/>
+          <p:cNvSpPr>
+            <a:spLocks noGrp="1"/>
+          </p:cNvSpPr>
+          <p:nvPr>
+            <p:ph idx="1"/>
+          </p:nvPr>
+        </p:nvSpPr>
+        <p:spPr/>
+        <p:txBody>
+          <a:bodyPr>
+            <a:normAutofit/>
+          </a:bodyPr>
+          <a:lstStyle/>
+          <a:p>
+            <a:r>
+              <a:rPr lang="en-US" sz="1700" dirty="0" smtClean="0"/>
+              <a:t>2D/3D </a:t>
+            </a:r>
+            <a:r>
+              <a:rPr lang="en-US" sz="1700" dirty="0" smtClean="0"/>
+              <a:t>Visualization API</a:t>
+            </a:r>
+          </a:p>
+          <a:p>
+            <a:pPr>
+              <a:buNone/>
+            </a:pPr>
+            <a:endParaRPr lang="en-US" sz="1700" dirty="0" smtClean="0"/>
+          </a:p>
+          <a:p>
+            <a:r>
+              <a:rPr lang="en-US" sz="1700" dirty="0" smtClean="0"/>
+              <a:t>Spatial aware Agents API</a:t>
+            </a:r>
+          </a:p>
+          <a:p>
+            <a:pPr>
+              <a:buNone/>
+            </a:pPr>
+            <a:endParaRPr lang="en-US" sz="1700" dirty="0" smtClean="0"/>
+          </a:p>
+          <a:p>
+            <a:r>
+              <a:rPr lang="en-US" sz="1700" dirty="0" smtClean="0"/>
+              <a:t>Adapt MUSE to take advantage of Cloud Computing.</a:t>
+            </a:r>
+          </a:p>
+          <a:p>
+            <a:pPr lvl="1"/>
+            <a:r>
+              <a:rPr lang="en-US" sz="1400" dirty="0" smtClean="0"/>
+              <a:t>We are currently looking into this possibility</a:t>
+            </a:r>
+            <a:r>
+              <a:rPr lang="en-US" sz="1400" dirty="0" smtClean="0"/>
+              <a:t>.</a:t>
+            </a:r>
+          </a:p>
+          <a:p>
+            <a:pPr lvl="1">
+              <a:buNone/>
+            </a:pPr>
+            <a:endParaRPr lang="en-US" sz="1300" dirty="0" smtClean="0"/>
+          </a:p>
+          <a:p>
+            <a:r>
+              <a:rPr lang="en-US" sz="1700" dirty="0" smtClean="0"/>
+              <a:t>Adapt MUSE to work with grid computing.</a:t>
+            </a:r>
+            <a:r>
+              <a:rPr lang="en-US" sz="1700" dirty="0" smtClean="0"/>
+              <a:t> </a:t>
+            </a:r>
+            <a:endParaRPr lang="en-US" sz="1700" dirty="0"/>
+          </a:p>
+        </p:txBody>
+      </p:sp>
+      <p:sp>
+        <p:nvSpPr>
+          <p:cNvPr id="3" name="Title 2"/>
+          <p:cNvSpPr>
+            <a:spLocks noGrp="1"/>
+          </p:cNvSpPr>
+          <p:nvPr>
+            <p:ph type="title"/>
+          </p:nvPr>
+        </p:nvSpPr>
+        <p:spPr/>
+        <p:txBody>
+          <a:bodyPr/>
+          <a:lstStyle/>
+          <a:p>
+            <a:r>
+              <a:rPr lang="en-US" sz="3000" dirty="0" smtClean="0"/>
+              <a:t>Conclusion and Future Works</a:t>
+            </a:r>
+            <a:r>
+              <a:rPr lang="en-US" sz="1800" dirty="0" smtClean="0"/>
+              <a:t>(1/3)</a:t>
+            </a:r>
+            <a:endParaRPr lang="en-US" dirty="0"/>
+          </a:p>
+        </p:txBody>
+      </p:sp>
+    </p:spTree>
+  </p:cSld>
+  <p:clrMapOvr>
+    <a:masterClrMapping/>
+  </p:clrMapOvr>
+  <p:timing>
+    <p:tnLst>
+      <p:par>
+        <p:cTn id="1" dur="indefinite" restart="never" nodeType="tmRoot"/>
+      </p:par>
+    </p:tnLst>
+  </p:timing>
+</p:sld>
+</file>
+
+<file path=ppt/slides/slide12.xml><?xml version="1.0" encoding="utf-8"?>
+<p:sld xmlns:a="http://schemas.openxmlformats.org/drawingml/2006/main" xmlns:r="http://schemas.openxmlformats.org/officeDocument/2006/relationships" xmlns:p="http://schemas.openxmlformats.org/presentationml/2006/main">
+  <p:cSld>
+    <p:spTree>
+      <p:nvGrpSpPr>
+        <p:cNvPr id="1" name=""/>
+        <p:cNvGrpSpPr/>
+        <p:nvPr/>
+      </p:nvGrpSpPr>
+      <p:grpSpPr>
+        <a:xfrm>
+          <a:off x="0" y="0"/>
+          <a:ext cx="0" cy="0"/>
+          <a:chOff x="0" y="0"/>
+          <a:chExt cx="0" cy="0"/>
+        </a:xfrm>
+      </p:grpSpPr>
+      <p:sp>
+        <p:nvSpPr>
+          <p:cNvPr id="2" name="Content Placeholder 1"/>
+          <p:cNvSpPr>
+            <a:spLocks noGrp="1"/>
+          </p:cNvSpPr>
+          <p:nvPr>
+            <p:ph idx="1"/>
+          </p:nvPr>
+        </p:nvSpPr>
+        <p:spPr/>
+        <p:txBody>
+          <a:bodyPr/>
+          <a:lstStyle/>
+          <a:p>
+            <a:endParaRPr lang="en-US" dirty="0"/>
+          </a:p>
+        </p:txBody>
+      </p:sp>
+      <p:sp>
+        <p:nvSpPr>
+          <p:cNvPr id="3" name="Title 2"/>
+          <p:cNvSpPr>
+            <a:spLocks noGrp="1"/>
+          </p:cNvSpPr>
+          <p:nvPr>
+            <p:ph type="title"/>
+          </p:nvPr>
+        </p:nvSpPr>
+        <p:spPr/>
+        <p:txBody>
+          <a:bodyPr/>
+          <a:lstStyle/>
+          <a:p>
+            <a:pPr algn="ctr"/>
+            <a:r>
+              <a:rPr lang="en-US" dirty="0" smtClean="0"/>
+              <a:t>QUESTIONS</a:t>
+            </a:r>
+            <a:endParaRPr lang="en-US" dirty="0"/>
+          </a:p>
+        </p:txBody>
+      </p:sp>
+    </p:spTree>
+  </p:cSld>
+  <p:clrMapOvr>
+    <a:masterClrMapping/>
+  </p:clrMapOvr>
+  <p:timing>
+    <p:tnLst>
+      <p:par>
+        <p:cTn id="1" dur="indefinite" restart="never" nodeType="tmRoot"/>
+      </p:par>
+    </p:tnLst>
+  </p:timing>
 </p:sld>
 </file>
 
@@ -4936,52 +5177,69 @@
         </p:nvSpPr>
         <p:spPr/>
         <p:txBody>
-          <a:bodyPr/>
+          <a:bodyPr>
+            <a:normAutofit/>
+          </a:bodyPr>
           <a:lstStyle/>
           <a:p>
             <a:r>
-              <a:rPr lang="en-US" dirty="0" smtClean="0"/>
+              <a:rPr lang="en-US" sz="1700" dirty="0" smtClean="0"/>
               <a:t>Motivation</a:t>
             </a:r>
           </a:p>
           <a:p>
-            <a:r>
-              <a:rPr lang="en-US" dirty="0" smtClean="0"/>
-              <a:t>Background and Relate works</a:t>
-            </a:r>
-          </a:p>
-          <a:p>
-            <a:r>
-              <a:rPr lang="en-US" dirty="0" smtClean="0"/>
-              <a:t>Muse Design </a:t>
-            </a:r>
-            <a:r>
-              <a:rPr lang="en-US" dirty="0" smtClean="0"/>
-              <a:t>D</a:t>
-            </a:r>
-            <a:r>
-              <a:rPr lang="en-US" dirty="0" smtClean="0"/>
-              <a:t>etails</a:t>
-            </a:r>
-          </a:p>
-          <a:p>
-            <a:r>
-              <a:rPr lang="en-US" dirty="0" smtClean="0"/>
-              <a:t>MUSE Public API</a:t>
-            </a:r>
-          </a:p>
-          <a:p>
-            <a:r>
-              <a:rPr lang="en-US" dirty="0" smtClean="0"/>
-              <a:t>Empirical Evaluation and Benchmarking</a:t>
-            </a:r>
-          </a:p>
-          <a:p>
-            <a:r>
-              <a:rPr lang="en-US" dirty="0" smtClean="0"/>
+            <a:endParaRPr lang="en-US" sz="1700" dirty="0" smtClean="0"/>
+          </a:p>
+          <a:p>
+            <a:r>
+              <a:rPr lang="en-US" sz="1700" dirty="0" smtClean="0"/>
+              <a:t>What is Agent-based modeling (ABM)</a:t>
+            </a:r>
+          </a:p>
+          <a:p>
+            <a:endParaRPr lang="en-US" sz="1700" dirty="0" smtClean="0"/>
+          </a:p>
+          <a:p>
+            <a:r>
+              <a:rPr lang="en-US" sz="1700" dirty="0" smtClean="0"/>
+              <a:t>Advantages of ABM</a:t>
+            </a:r>
+          </a:p>
+          <a:p>
+            <a:endParaRPr lang="en-US" sz="1700" dirty="0" smtClean="0"/>
+          </a:p>
+          <a:p>
+            <a:r>
+              <a:rPr lang="en-US" sz="1700" dirty="0" smtClean="0"/>
+              <a:t>Empirical Evaluation and </a:t>
+            </a:r>
+            <a:r>
+              <a:rPr lang="en-US" sz="1700" dirty="0" smtClean="0"/>
+              <a:t>Benchmarking results</a:t>
+            </a:r>
+          </a:p>
+          <a:p>
+            <a:endParaRPr lang="en-US" sz="1700" dirty="0" smtClean="0"/>
+          </a:p>
+          <a:p>
+            <a:r>
+              <a:rPr lang="en-US" sz="1700" dirty="0" smtClean="0"/>
+              <a:t>MUSE Public </a:t>
+            </a:r>
+            <a:r>
+              <a:rPr lang="en-US" sz="1700" dirty="0" smtClean="0"/>
+              <a:t>API</a:t>
+            </a:r>
+          </a:p>
+          <a:p>
+            <a:endParaRPr lang="en-US" sz="1700" dirty="0" smtClean="0"/>
+          </a:p>
+          <a:p>
+            <a:r>
+              <a:rPr lang="en-US" sz="1700" dirty="0" smtClean="0"/>
               <a:t>Conclusion and Future Works</a:t>
             </a:r>
-            <a:endParaRPr lang="en-US" dirty="0"/>
+            <a:endParaRPr lang="en-US" sz="1700" dirty="0"/>
           </a:p>
         </p:txBody>
       </p:sp>
@@ -5065,63 +5323,41 @@
               <a:rPr lang="en-US" sz="1700" dirty="0" smtClean="0"/>
               <a:t>Research and development of modern systems consume countless man hours and money. </a:t>
             </a:r>
+          </a:p>
+          <a:p>
             <a:endParaRPr lang="en-US" sz="1700" dirty="0" smtClean="0"/>
           </a:p>
           <a:p>
             <a:endParaRPr lang="en-US" sz="1700" dirty="0" smtClean="0"/>
           </a:p>
           <a:p>
+            <a:r>
+              <a:rPr lang="en-US" sz="1700" dirty="0" smtClean="0"/>
+              <a:t>Maximizing the output of any system requires plenty of study, which will yield effective procedures to design, develop, and maintain them. </a:t>
+            </a:r>
+          </a:p>
+          <a:p>
             <a:endParaRPr lang="en-US" sz="1700" dirty="0" smtClean="0"/>
           </a:p>
           <a:p>
+            <a:endParaRPr lang="en-US" sz="1700" dirty="0" smtClean="0"/>
+          </a:p>
+          <a:p>
             <a:r>
               <a:rPr lang="en-US" sz="1700" dirty="0" smtClean="0"/>
-              <a:t>Maximizing </a:t>
-            </a:r>
+              <a:t>These decisions become more important when dealing with systems that can be life threatening or resource consuming.</a:t>
+            </a:r>
+          </a:p>
+          <a:p>
+            <a:endParaRPr lang="en-US" sz="1700" dirty="0" smtClean="0"/>
+          </a:p>
+          <a:p>
+            <a:endParaRPr lang="en-US" sz="1700" dirty="0" smtClean="0"/>
+          </a:p>
+          <a:p>
             <a:r>
               <a:rPr lang="en-US" sz="1700" dirty="0" smtClean="0"/>
-              <a:t>the output of any system requires plenty of study, which will yield effective procedures to design, develop, and maintain them. </a:t>
-            </a:r>
-            <a:endParaRPr lang="en-US" sz="1700" dirty="0" smtClean="0"/>
-          </a:p>
-          <a:p>
-            <a:endParaRPr lang="en-US" sz="1700" dirty="0" smtClean="0"/>
-          </a:p>
-          <a:p>
-            <a:endParaRPr lang="en-US" sz="1700" dirty="0" smtClean="0"/>
-          </a:p>
-          <a:p>
-            <a:r>
-              <a:rPr lang="en-US" sz="1700" dirty="0" smtClean="0"/>
-              <a:t>These </a:t>
-            </a:r>
-            <a:r>
-              <a:rPr lang="en-US" sz="1700" dirty="0" smtClean="0"/>
-              <a:t>decisions become more important when dealing with systems that can be life threatening or resource </a:t>
-            </a:r>
-            <a:r>
-              <a:rPr lang="en-US" sz="1700" dirty="0" smtClean="0"/>
-              <a:t>consuming.</a:t>
-            </a:r>
-          </a:p>
-          <a:p>
-            <a:endParaRPr lang="en-US" sz="1700" dirty="0" smtClean="0"/>
-          </a:p>
-          <a:p>
-            <a:endParaRPr lang="en-US" sz="1700" dirty="0" smtClean="0"/>
-          </a:p>
-          <a:p>
-            <a:r>
-              <a:rPr lang="en-US" sz="1700" dirty="0" smtClean="0"/>
-              <a:t>A </a:t>
-            </a:r>
-            <a:r>
-              <a:rPr lang="en-US" sz="1700" dirty="0" smtClean="0"/>
-              <a:t>decision of what to do if a bio-warfare every breaks out or how to correctly allocate energy resources in the dangers of global warming are good examples of these systems of study</a:t>
-            </a:r>
-            <a:r>
-              <a:rPr lang="en-US" sz="1700" dirty="0" smtClean="0"/>
-              <a:t>.</a:t>
+              <a:t>A decision of what to do if a bio-warfare every breaks out or how to correctly allocate energy resources in the dangers of global warming are good examples of these systems of study.</a:t>
             </a:r>
           </a:p>
           <a:p>
@@ -5161,6 +5397,13 @@
   <p:clrMapOvr>
     <a:masterClrMapping/>
   </p:clrMapOvr>
+  <p:timing>
+    <p:tnLst>
+      <p:par>
+        <p:cTn id="1" dur="indefinite" restart="never" nodeType="tmRoot"/>
+      </p:par>
+    </p:tnLst>
+  </p:timing>
 </p:sld>
 </file>
 
@@ -5200,11 +5443,7 @@
           <a:p>
             <a:r>
               <a:rPr lang="en-US" sz="1700" dirty="0" smtClean="0"/>
-              <a:t>Usually the studies of systems like bio-ware scenarios or global warming are unrealistic without the help of modern technology</a:t>
-            </a:r>
-            <a:r>
-              <a:rPr lang="en-US" sz="1700" dirty="0" smtClean="0"/>
-              <a:t>.</a:t>
+              <a:t>Usually the studies of systems like bio-ware scenarios or global warming are unrealistic without the help of modern technology.</a:t>
             </a:r>
           </a:p>
           <a:p>
@@ -5216,45 +5455,31 @@
           <a:p>
             <a:r>
               <a:rPr lang="en-US" sz="1600" dirty="0" smtClean="0"/>
-              <a:t>Analysis </a:t>
-            </a:r>
+              <a:t>Analysis requires millions of entities interacting over a long period of times to get valuable information on different decision paths. </a:t>
+            </a:r>
+          </a:p>
+          <a:p>
+            <a:endParaRPr lang="en-US" sz="1600" dirty="0" smtClean="0"/>
+          </a:p>
+          <a:p>
+            <a:endParaRPr lang="en-US" sz="1600" dirty="0" smtClean="0"/>
+          </a:p>
+          <a:p>
             <a:r>
               <a:rPr lang="en-US" sz="1600" dirty="0" smtClean="0"/>
-              <a:t>requires millions of entities interacting over a long period of times to get valuable information on different decision paths. </a:t>
-            </a:r>
+              <a:t>Computer-based simulations play a very important role analyzing and studying complex system as described above. </a:t>
+            </a:r>
+          </a:p>
+          <a:p>
             <a:endParaRPr lang="en-US" sz="1600" dirty="0" smtClean="0"/>
           </a:p>
           <a:p>
             <a:endParaRPr lang="en-US" sz="1600" dirty="0" smtClean="0"/>
           </a:p>
           <a:p>
-            <a:endParaRPr lang="en-US" sz="1600" dirty="0" smtClean="0"/>
-          </a:p>
-          <a:p>
             <a:r>
               <a:rPr lang="en-US" sz="1600" dirty="0" smtClean="0"/>
-              <a:t>Computer-based </a:t>
-            </a:r>
-            <a:r>
-              <a:rPr lang="en-US" sz="1600" dirty="0" smtClean="0"/>
-              <a:t>simulations play a very important role analyzing and studying complex system as described above. </a:t>
-            </a:r>
-            <a:endParaRPr lang="en-US" sz="1600" dirty="0" smtClean="0"/>
-          </a:p>
-          <a:p>
-            <a:endParaRPr lang="en-US" sz="1600" dirty="0" smtClean="0"/>
-          </a:p>
-          <a:p>
-            <a:endParaRPr lang="en-US" sz="1600" dirty="0" smtClean="0"/>
-          </a:p>
-          <a:p>
-            <a:r>
-              <a:rPr lang="en-US" sz="1600" dirty="0" smtClean="0"/>
-              <a:t>This </a:t>
-            </a:r>
-            <a:r>
-              <a:rPr lang="en-US" sz="1600" dirty="0" smtClean="0"/>
-              <a:t>is the main motivation behind the need to advance technology in computer-based simulations.</a:t>
+              <a:t>This is the main motivation behind the need to advance technology in computer-based simulations.</a:t>
             </a:r>
           </a:p>
           <a:p>
@@ -5294,6 +5519,13 @@
   <p:clrMapOvr>
     <a:masterClrMapping/>
   </p:clrMapOvr>
+  <p:timing>
+    <p:tnLst>
+      <p:par>
+        <p:cTn id="1" dur="indefinite" restart="never" nodeType="tmRoot"/>
+      </p:par>
+    </p:tnLst>
+  </p:timing>
 </p:sld>
 </file>
 
@@ -5366,7 +5598,21 @@
             </a:r>
             <a:r>
               <a:rPr lang="en-US" dirty="0" smtClean="0"/>
-              <a:t>nvironment</a:t>
+              <a:t>nvironment.</a:t>
+            </a:r>
+          </a:p>
+          <a:p>
+            <a:pPr lvl="1"/>
+            <a:r>
+              <a:rPr lang="en-US" dirty="0" smtClean="0"/>
+              <a:t>MUSE (verb): to become absorbed in thought.</a:t>
+            </a:r>
+          </a:p>
+          <a:p>
+            <a:pPr lvl="1"/>
+            <a:r>
+              <a:rPr lang="en-US" dirty="0" smtClean="0"/>
+              <a:t>An Agent-based Simulation Environment</a:t>
             </a:r>
             <a:r>
               <a:rPr lang="en-US" dirty="0" smtClean="0"/>
@@ -5374,38 +5620,10 @@
             </a:r>
           </a:p>
           <a:p>
-            <a:pPr lvl="1"/>
-            <a:r>
-              <a:rPr lang="en-US" dirty="0" smtClean="0"/>
-              <a:t>MUSE </a:t>
-            </a:r>
-            <a:r>
-              <a:rPr lang="en-US" dirty="0" smtClean="0"/>
-              <a:t>(verb): to become </a:t>
-            </a:r>
-            <a:r>
-              <a:rPr lang="en-US" dirty="0" smtClean="0"/>
-              <a:t>absorbed </a:t>
-            </a:r>
-            <a:r>
-              <a:rPr lang="en-US" dirty="0" smtClean="0"/>
-              <a:t>in </a:t>
-            </a:r>
-            <a:r>
-              <a:rPr lang="en-US" dirty="0" smtClean="0"/>
-              <a:t>thought.</a:t>
-            </a:r>
-          </a:p>
-          <a:p>
-            <a:pPr lvl="1"/>
-            <a:r>
-              <a:rPr lang="en-US" dirty="0" smtClean="0"/>
-              <a:t>An Agent-based Simulation Environment.</a:t>
-            </a:r>
-          </a:p>
-          <a:p>
-            <a:pPr lvl="1"/>
-            <a:endParaRPr lang="en-US" dirty="0"/>
+            <a:pPr lvl="1">
+              <a:buNone/>
+            </a:pPr>
+            <a:endParaRPr lang="en-US" dirty="0" smtClean="0"/>
           </a:p>
         </p:txBody>
       </p:sp>
@@ -5430,11 +5648,7 @@
             </a:r>
             <a:r>
               <a:rPr lang="en-US" sz="1200" dirty="0" smtClean="0"/>
-              <a:t>(3/3</a:t>
-            </a:r>
-            <a:r>
-              <a:rPr lang="en-US" sz="1200" dirty="0" smtClean="0"/>
-              <a:t>)</a:t>
+              <a:t>(3/3)</a:t>
             </a:r>
             <a:endParaRPr lang="en-US" dirty="0"/>
           </a:p>
@@ -5445,6 +5659,13 @@
   <p:clrMapOvr>
     <a:masterClrMapping/>
   </p:clrMapOvr>
+  <p:timing>
+    <p:tnLst>
+      <p:par>
+        <p:cTn id="1" dur="indefinite" restart="never" nodeType="tmRoot"/>
+      </p:par>
+    </p:tnLst>
+  </p:timing>
 </p:sld>
 </file>
 
@@ -5480,6 +5701,49 @@
           <a:bodyPr/>
           <a:lstStyle/>
           <a:p>
+            <a:r>
+              <a:rPr lang="en-US" sz="1700" dirty="0" smtClean="0"/>
+              <a:t>Simulation is mimicking a system.</a:t>
+            </a:r>
+          </a:p>
+          <a:p>
+            <a:endParaRPr lang="en-US" sz="1700" dirty="0" smtClean="0"/>
+          </a:p>
+          <a:p>
+            <a:r>
+              <a:rPr lang="en-US" sz="1700" dirty="0" smtClean="0"/>
+              <a:t>In </a:t>
+            </a:r>
+            <a:r>
+              <a:rPr lang="en-US" sz="1700" dirty="0" smtClean="0"/>
+              <a:t>agent-based modeling (ABM), a system is modeled as a collection of independent decision-making entities called agents (Bonabeau). </a:t>
+            </a:r>
+            <a:endParaRPr lang="en-US" sz="1700" dirty="0" smtClean="0"/>
+          </a:p>
+          <a:p>
+            <a:endParaRPr lang="en-US" sz="1700" dirty="0" smtClean="0"/>
+          </a:p>
+          <a:p>
+            <a:r>
+              <a:rPr lang="en-US" sz="1800" dirty="0" smtClean="0"/>
+              <a:t>Typically the agent has a set of rules to follow and based on these rules the agent can make decisions. </a:t>
+            </a:r>
+            <a:endParaRPr lang="en-US" sz="1800" dirty="0" smtClean="0"/>
+          </a:p>
+          <a:p>
+            <a:pPr lvl="1"/>
+            <a:r>
+              <a:rPr lang="en-US" sz="1300" dirty="0" smtClean="0"/>
+              <a:t>These rules are data that we collect and input into the model.</a:t>
+            </a:r>
+          </a:p>
+          <a:p>
+            <a:endParaRPr lang="en-US" sz="1700" dirty="0" smtClean="0"/>
+          </a:p>
+          <a:p>
+            <a:endParaRPr lang="en-US" sz="1700" dirty="0" smtClean="0"/>
+          </a:p>
+          <a:p>
             <a:endParaRPr lang="en-US" dirty="0"/>
           </a:p>
         </p:txBody>
@@ -5496,18 +5760,20 @@
         </p:nvSpPr>
         <p:spPr/>
         <p:txBody>
-          <a:bodyPr/>
+          <a:bodyPr>
+            <a:normAutofit/>
+          </a:bodyPr>
           <a:lstStyle/>
           <a:p>
             <a:r>
               <a:rPr lang="en-US" sz="3000" dirty="0" smtClean="0"/>
-              <a:t>Background and Related Works</a:t>
+              <a:t>Agent-based Modeling</a:t>
             </a:r>
             <a:r>
               <a:rPr lang="en-US" sz="1200" dirty="0" smtClean="0"/>
-              <a:t>(1/10)</a:t>
-            </a:r>
-            <a:endParaRPr lang="en-US" dirty="0"/>
+              <a:t>(1/1)</a:t>
+            </a:r>
+            <a:endParaRPr lang="en-US" sz="1200" dirty="0"/>
           </a:p>
         </p:txBody>
       </p:sp>
@@ -5516,6 +5782,13 @@
   <p:clrMapOvr>
     <a:masterClrMapping/>
   </p:clrMapOvr>
+  <p:timing>
+    <p:tnLst>
+      <p:par>
+        <p:cTn id="1" dur="indefinite" restart="never" nodeType="tmRoot"/>
+      </p:par>
+    </p:tnLst>
+  </p:timing>
 </p:sld>
 </file>
 
@@ -5551,36 +5824,112 @@
           <a:bodyPr/>
           <a:lstStyle/>
           <a:p>
+            <a:r>
+              <a:rPr lang="en-US" sz="1700" dirty="0" smtClean="0"/>
+              <a:t>The </a:t>
+            </a:r>
+            <a:r>
+              <a:rPr lang="en-US" sz="1700" dirty="0" smtClean="0"/>
+              <a:t>most important being ABM can capture emergent phenomena (Bonabeau). </a:t>
+            </a:r>
+            <a:endParaRPr lang="en-US" sz="1700" dirty="0" smtClean="0"/>
+          </a:p>
+          <a:p>
+            <a:pPr>
+              <a:buNone/>
+            </a:pPr>
+            <a:endParaRPr lang="en-US" sz="1700" dirty="0" smtClean="0"/>
+          </a:p>
+          <a:p>
+            <a:r>
+              <a:rPr lang="en-US" sz="1700" dirty="0" smtClean="0"/>
+              <a:t>How  can phenomena be captured?</a:t>
+            </a:r>
+          </a:p>
+          <a:p>
+            <a:pPr lvl="1"/>
+            <a:r>
+              <a:rPr lang="en-US" sz="1300" dirty="0" smtClean="0"/>
+              <a:t>Nothing is constant in this universe except change.</a:t>
+            </a:r>
+          </a:p>
+          <a:p>
+            <a:pPr lvl="1"/>
+            <a:r>
+              <a:rPr lang="en-US" sz="1300" dirty="0" smtClean="0"/>
+              <a:t>All entities are always changing is some way.</a:t>
+            </a:r>
+          </a:p>
+          <a:p>
+            <a:endParaRPr lang="en-US" sz="1700" dirty="0" smtClean="0"/>
+          </a:p>
+          <a:p>
+            <a:r>
+              <a:rPr lang="en-US" sz="1800" dirty="0" smtClean="0"/>
+              <a:t>“the whole is more than the sum of its part because of the interactions between the parts” (Bonabeau). </a:t>
+            </a:r>
+            <a:endParaRPr lang="en-US" sz="1700" dirty="0" smtClean="0"/>
+          </a:p>
+          <a:p>
+            <a:pPr lvl="1"/>
+            <a:endParaRPr lang="en-US" dirty="0" smtClean="0"/>
+          </a:p>
+          <a:p>
+            <a:r>
+              <a:rPr lang="en-US" sz="1700" dirty="0" smtClean="0"/>
+              <a:t>ABM is also flexible and more natural to work with </a:t>
+            </a:r>
+            <a:r>
+              <a:rPr lang="en-US" sz="1600" dirty="0" smtClean="0"/>
+              <a:t>(Bonabeau). </a:t>
+            </a:r>
+            <a:endParaRPr lang="en-US" sz="1600" dirty="0" smtClean="0"/>
+          </a:p>
+          <a:p>
+            <a:pPr lvl="1"/>
+            <a:r>
+              <a:rPr lang="en-US" sz="1300" dirty="0" smtClean="0"/>
+              <a:t>We can easily collect more data and add it to the model, making it flexible.</a:t>
+            </a:r>
+          </a:p>
+          <a:p>
+            <a:pPr lvl="1"/>
+            <a:r>
+              <a:rPr lang="en-US" sz="1300" dirty="0" smtClean="0"/>
+              <a:t>Easy to think of modeling as interaction between entities.</a:t>
+            </a:r>
+            <a:endParaRPr lang="en-US" sz="1300" dirty="0"/>
+          </a:p>
+        </p:txBody>
+      </p:sp>
+      <p:sp>
+        <p:nvSpPr>
+          <p:cNvPr id="3" name="Title 2"/>
+          <p:cNvSpPr>
+            <a:spLocks noGrp="1"/>
+          </p:cNvSpPr>
+          <p:nvPr>
+            <p:ph type="title"/>
+          </p:nvPr>
+        </p:nvSpPr>
+        <p:spPr/>
+        <p:txBody>
+          <a:bodyPr/>
+          <a:lstStyle/>
+          <a:p>
+            <a:r>
+              <a:rPr lang="en-US" sz="3000" dirty="0" smtClean="0"/>
+              <a:t>Advantages to ABM</a:t>
+            </a:r>
+            <a:r>
+              <a:rPr lang="en-US" sz="1800" dirty="0" smtClean="0"/>
+              <a:t>(1/1</a:t>
+            </a:r>
+            <a:r>
+              <a:rPr lang="en-US" sz="1800" dirty="0" smtClean="0"/>
+              <a:t>)</a:t>
+            </a:r>
             <a:endParaRPr lang="en-US" dirty="0"/>
-          </a:p>
-        </p:txBody>
-      </p:sp>
-      <p:sp>
-        <p:nvSpPr>
-          <p:cNvPr id="3" name="Title 2"/>
-          <p:cNvSpPr>
-            <a:spLocks noGrp="1"/>
-          </p:cNvSpPr>
-          <p:nvPr>
-            <p:ph type="title"/>
-          </p:nvPr>
-        </p:nvSpPr>
-        <p:spPr/>
-        <p:txBody>
-          <a:bodyPr>
-            <a:normAutofit/>
-          </a:bodyPr>
-          <a:lstStyle/>
-          <a:p>
-            <a:r>
-              <a:rPr lang="en-US" sz="3000" dirty="0" smtClean="0"/>
-              <a:t>MUSE Design Details</a:t>
-            </a:r>
-            <a:r>
-              <a:rPr lang="en-US" sz="1200" dirty="0" smtClean="0"/>
-              <a:t>(1/10)</a:t>
-            </a:r>
-            <a:endParaRPr lang="en-US" sz="3000" dirty="0"/>
           </a:p>
         </p:txBody>
       </p:sp>
@@ -5589,6 +5938,13 @@
   <p:clrMapOvr>
     <a:masterClrMapping/>
   </p:clrMapOvr>
+  <p:timing>
+    <p:tnLst>
+      <p:par>
+        <p:cTn id="1" dur="indefinite" restart="never" nodeType="tmRoot"/>
+      </p:par>
+    </p:tnLst>
+  </p:timing>
 </p:sld>
 </file>
 
@@ -5621,39 +5977,219 @@
         </p:nvSpPr>
         <p:spPr/>
         <p:txBody>
-          <a:bodyPr/>
-          <a:lstStyle/>
-          <a:p>
-            <a:endParaRPr lang="en-US" dirty="0"/>
-          </a:p>
-        </p:txBody>
-      </p:sp>
-      <p:sp>
-        <p:nvSpPr>
-          <p:cNvPr id="3" name="Title 2"/>
-          <p:cNvSpPr>
-            <a:spLocks noGrp="1"/>
-          </p:cNvSpPr>
-          <p:nvPr>
-            <p:ph type="title"/>
-          </p:nvPr>
-        </p:nvSpPr>
-        <p:spPr/>
-        <p:txBody>
           <a:bodyPr>
             <a:normAutofit/>
           </a:bodyPr>
           <a:lstStyle/>
           <a:p>
             <a:r>
+              <a:rPr lang="en-US" sz="1700" dirty="0" smtClean="0"/>
+              <a:t>For the experiments, implementation and testing is done with PHOLD (Fujimoto). </a:t>
+            </a:r>
+            <a:endParaRPr lang="en-US" sz="1700" dirty="0" smtClean="0"/>
+          </a:p>
+          <a:p>
+            <a:endParaRPr lang="en-US" sz="1700" dirty="0" smtClean="0"/>
+          </a:p>
+          <a:p>
+            <a:r>
+              <a:rPr lang="en-US" sz="1700" dirty="0" smtClean="0"/>
+              <a:t>PHOLD variables used to scale and fine tune a simulation workload.</a:t>
+            </a:r>
+          </a:p>
+          <a:p>
+            <a:pPr lvl="1"/>
+            <a:r>
+              <a:rPr lang="en-US" sz="1300" i="1" dirty="0" smtClean="0"/>
+              <a:t>X</a:t>
+            </a:r>
+            <a:r>
+              <a:rPr lang="en-US" sz="1300" dirty="0" smtClean="0"/>
+              <a:t>, this is the number of columns to have in the PHOLD grid</a:t>
+            </a:r>
+          </a:p>
+          <a:p>
+            <a:pPr lvl="1"/>
+            <a:r>
+              <a:rPr lang="en-US" sz="1300" i="1" dirty="0" smtClean="0"/>
+              <a:t>Y</a:t>
+            </a:r>
+            <a:r>
+              <a:rPr lang="en-US" sz="1300" dirty="0" smtClean="0"/>
+              <a:t>, this is the number of rows to have in the PHOLD grid</a:t>
+            </a:r>
+          </a:p>
+          <a:p>
+            <a:pPr lvl="1"/>
+            <a:r>
+              <a:rPr lang="en-US" sz="1300" i="1" dirty="0" smtClean="0"/>
+              <a:t>N</a:t>
+            </a:r>
+            <a:r>
+              <a:rPr lang="en-US" sz="1300" dirty="0" smtClean="0"/>
+              <a:t>, the number of events each agent sends every time.</a:t>
+            </a:r>
+          </a:p>
+          <a:p>
+            <a:pPr lvl="1"/>
+            <a:r>
+              <a:rPr lang="en-US" sz="1300" i="1" dirty="0" smtClean="0"/>
+              <a:t>Delay</a:t>
+            </a:r>
+            <a:r>
+              <a:rPr lang="en-US" sz="1300" dirty="0" smtClean="0"/>
+              <a:t>, the maximum receive time that an agent can schedule an event for.</a:t>
+            </a:r>
+          </a:p>
+          <a:p>
+            <a:pPr lvl="1"/>
+            <a:r>
+              <a:rPr lang="en-US" sz="1300" i="1" dirty="0" smtClean="0"/>
+              <a:t>Nodes</a:t>
+            </a:r>
+            <a:r>
+              <a:rPr lang="en-US" sz="1300" dirty="0" smtClean="0"/>
+              <a:t>, the number of compute nodes to use for the PHOLD simulation.</a:t>
+            </a:r>
+            <a:endParaRPr lang="en-US" sz="1300" dirty="0"/>
+          </a:p>
+        </p:txBody>
+      </p:sp>
+      <p:sp>
+        <p:nvSpPr>
+          <p:cNvPr id="3" name="Title 2"/>
+          <p:cNvSpPr>
+            <a:spLocks noGrp="1"/>
+          </p:cNvSpPr>
+          <p:nvPr>
+            <p:ph type="title"/>
+          </p:nvPr>
+        </p:nvSpPr>
+        <p:spPr/>
+        <p:txBody>
+          <a:bodyPr/>
+          <a:lstStyle/>
+          <a:p>
+            <a:r>
               <a:rPr lang="en-US" sz="3000" dirty="0" smtClean="0"/>
-              <a:t>MUSE Public API</a:t>
-            </a:r>
-            <a:r>
-              <a:rPr lang="en-US" sz="1200" dirty="0" smtClean="0"/>
+              <a:t>Empirical </a:t>
+            </a:r>
+            <a:r>
+              <a:rPr lang="en-US" sz="3000" dirty="0" smtClean="0"/>
+              <a:t>Evaluation and Benchmarking</a:t>
+            </a:r>
+            <a:r>
+              <a:rPr lang="en-US" sz="1800" dirty="0" smtClean="0"/>
               <a:t>(1/10)</a:t>
             </a:r>
-            <a:endParaRPr lang="en-US" sz="3000" dirty="0"/>
+            <a:endParaRPr lang="en-US" dirty="0"/>
+          </a:p>
+        </p:txBody>
+      </p:sp>
+      <p:pic>
+        <p:nvPicPr>
+          <p:cNvPr id="4" name="Picture 3"/>
+          <p:cNvPicPr/>
+          <p:nvPr/>
+        </p:nvPicPr>
+        <p:blipFill>
+          <a:blip r:embed="rId2"/>
+          <a:srcRect/>
+          <a:stretch>
+            <a:fillRect/>
+          </a:stretch>
+        </p:blipFill>
+        <p:spPr bwMode="auto">
+          <a:xfrm>
+            <a:off x="3048000" y="4038600"/>
+            <a:ext cx="4902574" cy="2190750"/>
+          </a:xfrm>
+          <a:prstGeom prst="rect">
+            <a:avLst/>
+          </a:prstGeom>
+          <a:noFill/>
+          <a:ln w="9525">
+            <a:noFill/>
+            <a:miter lim="800000"/>
+            <a:headEnd/>
+            <a:tailEnd/>
+          </a:ln>
+        </p:spPr>
+      </p:pic>
+      <p:sp>
+        <p:nvSpPr>
+          <p:cNvPr id="6145" name="Rectangle 1"/>
+          <p:cNvSpPr>
+            <a:spLocks noChangeArrowheads="1"/>
+          </p:cNvSpPr>
+          <p:nvPr/>
+        </p:nvSpPr>
+        <p:spPr bwMode="auto">
+          <a:xfrm>
+            <a:off x="3352800" y="6248400"/>
+            <a:ext cx="4648200" cy="261610"/>
+          </a:xfrm>
+          <a:prstGeom prst="rect">
+            <a:avLst/>
+          </a:prstGeom>
+          <a:noFill/>
+          <a:ln w="9525">
+            <a:noFill/>
+            <a:miter lim="800000"/>
+            <a:headEnd/>
+            <a:tailEnd/>
+          </a:ln>
+          <a:effectLst/>
+        </p:spPr>
+        <p:txBody>
+          <a:bodyPr vert="horz" wrap="square" lIns="91440" tIns="45720" rIns="91440" bIns="45720" numCol="1" anchor="ctr" anchorCtr="0" compatLnSpc="1">
+            <a:prstTxWarp prst="textNoShape">
+              <a:avLst/>
+            </a:prstTxWarp>
+            <a:spAutoFit/>
+          </a:bodyPr>
+          <a:lstStyle/>
+          <a:p>
+            <a:pPr marL="0" marR="0" lvl="0" indent="0" defTabSz="914400" rtl="0" eaLnBrk="1" fontAlgn="base" latinLnBrk="0" hangingPunct="1">
+              <a:lnSpc>
+                <a:spcPct val="100000"/>
+              </a:lnSpc>
+              <a:spcBef>
+                <a:spcPct val="0"/>
+              </a:spcBef>
+              <a:spcAft>
+                <a:spcPct val="0"/>
+              </a:spcAft>
+              <a:buClrTx/>
+              <a:buSzTx/>
+              <a:buFontTx/>
+              <a:buNone/>
+              <a:tabLst/>
+            </a:pPr>
+            <a:r>
+              <a:rPr kumimoji="0" lang="en-US" sz="1100" b="1" i="0" u="none" strike="noStrike" cap="none" normalizeH="0" baseline="0" dirty="0" smtClean="0" bmk="_Toc229989871">
+                <a:ln>
+                  <a:noFill/>
+                </a:ln>
+                <a:solidFill>
+                  <a:srgbClr val="4F81BD"/>
+                </a:solidFill>
+                <a:effectLst/>
+                <a:latin typeface="Arial" pitchFamily="34" charset="0"/>
+                <a:ea typeface="Times New Roman" pitchFamily="18" charset="0"/>
+              </a:rPr>
+              <a:t> 3 x 3 PHOLD simulations on three compute nodes</a:t>
+            </a:r>
+            <a:endParaRPr kumimoji="0" lang="en-US" sz="1800" b="0" i="0" u="none" strike="noStrike" cap="none" normalizeH="0" baseline="0" dirty="0" smtClean="0">
+              <a:ln>
+                <a:noFill/>
+              </a:ln>
+              <a:solidFill>
+                <a:schemeClr val="tx1"/>
+              </a:solidFill>
+              <a:effectLst/>
+              <a:latin typeface="Arial" pitchFamily="34" charset="0"/>
+            </a:endParaRPr>
           </a:p>
         </p:txBody>
       </p:sp>
@@ -5662,6 +6198,13 @@
   <p:clrMapOvr>
     <a:masterClrMapping/>
   </p:clrMapOvr>
+  <p:timing>
+    <p:tnLst>
+      <p:par>
+        <p:cTn id="1" dur="indefinite" restart="never" nodeType="tmRoot"/>
+      </p:par>
+    </p:tnLst>
+  </p:timing>
 </p:sld>
 </file>
 
@@ -5694,35 +6237,49 @@
         </p:nvSpPr>
         <p:spPr/>
         <p:txBody>
+          <a:bodyPr>
+            <a:normAutofit/>
+          </a:bodyPr>
+          <a:lstStyle/>
+          <a:p>
+            <a:endParaRPr lang="en-US" sz="1300" dirty="0"/>
+          </a:p>
+        </p:txBody>
+      </p:sp>
+      <p:sp>
+        <p:nvSpPr>
+          <p:cNvPr id="3" name="Title 2"/>
+          <p:cNvSpPr>
+            <a:spLocks noGrp="1"/>
+          </p:cNvSpPr>
+          <p:nvPr>
+            <p:ph type="title"/>
+          </p:nvPr>
+        </p:nvSpPr>
+        <p:spPr/>
+        <p:txBody>
           <a:bodyPr/>
           <a:lstStyle/>
           <a:p>
-            <a:endParaRPr lang="en-US" dirty="0"/>
-          </a:p>
-        </p:txBody>
-      </p:sp>
-      <p:sp>
-        <p:nvSpPr>
-          <p:cNvPr id="3" name="Title 2"/>
-          <p:cNvSpPr>
-            <a:spLocks noGrp="1"/>
-          </p:cNvSpPr>
-          <p:nvPr>
-            <p:ph type="title"/>
-          </p:nvPr>
-        </p:nvSpPr>
-        <p:spPr/>
-        <p:txBody>
-          <a:bodyPr/>
-          <a:lstStyle/>
-          <a:p>
             <a:r>
               <a:rPr lang="en-US" sz="3000" dirty="0" smtClean="0"/>
-              <a:t>Empirical Evaluation and Benchmarking</a:t>
+              <a:t>Empirical </a:t>
+            </a:r>
+            <a:r>
+              <a:rPr lang="en-US" sz="3000" dirty="0" smtClean="0"/>
+              <a:t>Evaluation and </a:t>
+            </a:r>
+            <a:r>
+              <a:rPr lang="en-US" sz="3000" dirty="0" smtClean="0"/>
+              <a:t>Benchmarking</a:t>
             </a:r>
             <a:r>
               <a:rPr lang="en-US" sz="1800" dirty="0" smtClean="0"/>
-              <a:t>(1/10)</a:t>
+              <a:t>(2/10</a:t>
+            </a:r>
+            <a:r>
+              <a:rPr lang="en-US" sz="1800" dirty="0" smtClean="0"/>
+              <a:t>)</a:t>
             </a:r>
             <a:endParaRPr lang="en-US" dirty="0"/>
           </a:p>
@@ -5733,6 +6290,13 @@
   <p:clrMapOvr>
     <a:masterClrMapping/>
   </p:clrMapOvr>
+  <p:timing>
+    <p:tnLst>
+      <p:par>
+        <p:cTn id="1" dur="indefinite" restart="never" nodeType="tmRoot"/>
+      </p:par>
+    </p:tnLst>
+  </p:timing>
 </p:sld>
 </file>
 

--- a/muse/Thesis/MUSE_Defense_presentation.pptx
+++ b/muse/Thesis/MUSE_Defense_presentation.pptx
@@ -1,37 +1,39 @@
 
 <file path=ppt/presentation.xml><?xml version="1.0" encoding="utf-8"?>
-<p:presentation xmlns:a="http://schemas.openxmlformats.org/drawingml/2006/main" xmlns:r="http://schemas.openxmlformats.org/officeDocument/2006/relationships" xmlns:p="http://schemas.openxmlformats.org/presentationml/2006/main" saveSubsetFonts="1" bookmarkIdSeed="5">
+<p:presentation xmlns:a="http://schemas.openxmlformats.org/drawingml/2006/main" xmlns:r="http://schemas.openxmlformats.org/officeDocument/2006/relationships" xmlns:p="http://schemas.openxmlformats.org/presentationml/2006/main" saveSubsetFonts="1" bookmarkIdSeed="7">
   <p:sldMasterIdLst>
     <p:sldMasterId id="2147483768" r:id="rId1"/>
   </p:sldMasterIdLst>
   <p:notesMasterIdLst>
-    <p:notesMasterId r:id="rId26"/>
+    <p:notesMasterId r:id="rId28"/>
   </p:notesMasterIdLst>
   <p:sldIdLst>
     <p:sldId id="256" r:id="rId2"/>
     <p:sldId id="257" r:id="rId3"/>
     <p:sldId id="258" r:id="rId4"/>
     <p:sldId id="259" r:id="rId5"/>
-    <p:sldId id="260" r:id="rId6"/>
-    <p:sldId id="266" r:id="rId7"/>
-    <p:sldId id="267" r:id="rId8"/>
-    <p:sldId id="282" r:id="rId9"/>
-    <p:sldId id="264" r:id="rId10"/>
-    <p:sldId id="270" r:id="rId11"/>
-    <p:sldId id="271" r:id="rId12"/>
-    <p:sldId id="272" r:id="rId13"/>
-    <p:sldId id="273" r:id="rId14"/>
-    <p:sldId id="274" r:id="rId15"/>
-    <p:sldId id="275" r:id="rId16"/>
-    <p:sldId id="276" r:id="rId17"/>
-    <p:sldId id="277" r:id="rId18"/>
-    <p:sldId id="278" r:id="rId19"/>
-    <p:sldId id="279" r:id="rId20"/>
-    <p:sldId id="263" r:id="rId21"/>
-    <p:sldId id="280" r:id="rId22"/>
-    <p:sldId id="265" r:id="rId23"/>
-    <p:sldId id="281" r:id="rId24"/>
-    <p:sldId id="268" r:id="rId25"/>
+    <p:sldId id="283" r:id="rId6"/>
+    <p:sldId id="260" r:id="rId7"/>
+    <p:sldId id="266" r:id="rId8"/>
+    <p:sldId id="267" r:id="rId9"/>
+    <p:sldId id="282" r:id="rId10"/>
+    <p:sldId id="264" r:id="rId11"/>
+    <p:sldId id="270" r:id="rId12"/>
+    <p:sldId id="271" r:id="rId13"/>
+    <p:sldId id="272" r:id="rId14"/>
+    <p:sldId id="273" r:id="rId15"/>
+    <p:sldId id="274" r:id="rId16"/>
+    <p:sldId id="275" r:id="rId17"/>
+    <p:sldId id="276" r:id="rId18"/>
+    <p:sldId id="277" r:id="rId19"/>
+    <p:sldId id="278" r:id="rId20"/>
+    <p:sldId id="284" r:id="rId21"/>
+    <p:sldId id="279" r:id="rId22"/>
+    <p:sldId id="263" r:id="rId23"/>
+    <p:sldId id="280" r:id="rId24"/>
+    <p:sldId id="265" r:id="rId25"/>
+    <p:sldId id="281" r:id="rId26"/>
+    <p:sldId id="268" r:id="rId27"/>
   </p:sldIdLst>
   <p:sldSz cx="9144000" cy="6858000" type="screen4x3"/>
   <p:notesSz cx="6858000" cy="9144000"/>
@@ -145,9 +147,9 @@
           <c:layoutTarget val="inner"/>
           <c:xMode val="edge"/>
           <c:yMode val="edge"/>
-          <c:x val="0.23274410774410778"/>
+          <c:x val="0.23274410774410786"/>
           <c:y val="0.13571969696969696"/>
-          <c:w val="0.43260094382141634"/>
+          <c:w val="0.43260094382141651"/>
           <c:h val="0.56606060606060604"/>
         </c:manualLayout>
       </c:layout>
@@ -228,11 +230,11 @@
           </c:val>
         </c:ser>
         <c:marker val="1"/>
-        <c:axId val="40459264"/>
-        <c:axId val="83390464"/>
+        <c:axId val="60609280"/>
+        <c:axId val="60611200"/>
       </c:lineChart>
       <c:catAx>
-        <c:axId val="40459264"/>
+        <c:axId val="60609280"/>
         <c:scaling>
           <c:orientation val="minMax"/>
         </c:scaling>
@@ -257,14 +259,14 @@
         </c:title>
         <c:numFmt formatCode="General" sourceLinked="1"/>
         <c:tickLblPos val="nextTo"/>
-        <c:crossAx val="83390464"/>
+        <c:crossAx val="60611200"/>
         <c:crosses val="autoZero"/>
         <c:auto val="1"/>
         <c:lblAlgn val="ctr"/>
         <c:lblOffset val="100"/>
       </c:catAx>
       <c:valAx>
-        <c:axId val="83390464"/>
+        <c:axId val="60611200"/>
         <c:scaling>
           <c:orientation val="minMax"/>
         </c:scaling>
@@ -290,7 +292,7 @@
         </c:title>
         <c:numFmt formatCode="General" sourceLinked="1"/>
         <c:tickLblPos val="nextTo"/>
-        <c:crossAx val="40459264"/>
+        <c:crossAx val="60609280"/>
         <c:crosses val="autoZero"/>
         <c:crossBetween val="between"/>
       </c:valAx>
@@ -390,7 +392,7 @@
                   <c:v>5.7147766323024056</c:v>
                 </c:pt>
                 <c:pt idx="2">
-                  <c:v>11.711267605633719</c:v>
+                  <c:v>11.711267605633713</c:v>
                 </c:pt>
                 <c:pt idx="3">
                   <c:v>25.584615384615386</c:v>
@@ -403,26 +405,26 @@
           </c:val>
         </c:ser>
         <c:shape val="box"/>
-        <c:axId val="55107968"/>
-        <c:axId val="55109504"/>
+        <c:axId val="54514048"/>
+        <c:axId val="54515584"/>
         <c:axId val="0"/>
       </c:bar3DChart>
       <c:catAx>
-        <c:axId val="55107968"/>
+        <c:axId val="54514048"/>
         <c:scaling>
           <c:orientation val="minMax"/>
         </c:scaling>
         <c:axPos val="b"/>
         <c:numFmt formatCode="General" sourceLinked="1"/>
         <c:tickLblPos val="nextTo"/>
-        <c:crossAx val="55109504"/>
+        <c:crossAx val="54515584"/>
         <c:crosses val="autoZero"/>
         <c:auto val="1"/>
         <c:lblAlgn val="ctr"/>
         <c:lblOffset val="100"/>
       </c:catAx>
       <c:valAx>
-        <c:axId val="55109504"/>
+        <c:axId val="54515584"/>
         <c:scaling>
           <c:orientation val="minMax"/>
         </c:scaling>
@@ -430,7 +432,7 @@
         <c:majorGridlines/>
         <c:numFmt formatCode="General" sourceLinked="1"/>
         <c:tickLblPos val="nextTo"/>
-        <c:crossAx val="55107968"/>
+        <c:crossAx val="54514048"/>
         <c:crosses val="autoZero"/>
         <c:crossBetween val="between"/>
       </c:valAx>
@@ -478,7 +480,7 @@
           <c:xMode val="edge"/>
           <c:yMode val="edge"/>
           <c:x val="0.27061200237670835"/>
-          <c:y val="2.0000000000000007E-2"/>
+          <c:y val="2.0000000000000011E-2"/>
         </c:manualLayout>
       </c:layout>
     </c:title>
@@ -524,13 +526,13 @@
                 <c:formatCode>General</c:formatCode>
                 <c:ptCount val="5"/>
                 <c:pt idx="0">
-                  <c:v>1.2891472868217135</c:v>
+                  <c:v>1.2891472868217144</c:v>
                 </c:pt>
                 <c:pt idx="1">
-                  <c:v>1.4286941580755919</c:v>
+                  <c:v>1.4286941580755912</c:v>
                 </c:pt>
                 <c:pt idx="2">
-                  <c:v>1.4639084507042179</c:v>
+                  <c:v>1.4639084507042173</c:v>
                 </c:pt>
                 <c:pt idx="3">
                   <c:v>1.5990384615384621</c:v>
@@ -544,12 +546,12 @@
         </c:ser>
         <c:gapWidth val="100"/>
         <c:shape val="box"/>
-        <c:axId val="55737344"/>
-        <c:axId val="55735808"/>
+        <c:axId val="54799360"/>
+        <c:axId val="54797824"/>
         <c:axId val="0"/>
       </c:bar3DChart>
       <c:valAx>
-        <c:axId val="55735808"/>
+        <c:axId val="54797824"/>
         <c:scaling>
           <c:orientation val="minMax"/>
         </c:scaling>
@@ -557,20 +559,20 @@
         <c:majorGridlines/>
         <c:numFmt formatCode="General" sourceLinked="1"/>
         <c:tickLblPos val="nextTo"/>
-        <c:crossAx val="55737344"/>
+        <c:crossAx val="54799360"/>
         <c:crosses val="autoZero"/>
         <c:crossBetween val="between"/>
         <c:majorUnit val="0.5"/>
       </c:valAx>
       <c:catAx>
-        <c:axId val="55737344"/>
+        <c:axId val="54799360"/>
         <c:scaling>
           <c:orientation val="minMax"/>
         </c:scaling>
         <c:axPos val="b"/>
         <c:numFmt formatCode="General" sourceLinked="1"/>
         <c:tickLblPos val="nextTo"/>
-        <c:crossAx val="55735808"/>
+        <c:crossAx val="54797824"/>
         <c:crosses val="autoZero"/>
         <c:auto val="1"/>
         <c:lblAlgn val="ctr"/>
@@ -678,11 +680,11 @@
           </c:val>
         </c:ser>
         <c:marker val="1"/>
-        <c:axId val="65126784"/>
-        <c:axId val="65128704"/>
+        <c:axId val="75504640"/>
+        <c:axId val="75506816"/>
       </c:lineChart>
       <c:catAx>
-        <c:axId val="65126784"/>
+        <c:axId val="75504640"/>
         <c:scaling>
           <c:orientation val="minMax"/>
         </c:scaling>
@@ -707,14 +709,14 @@
         </c:title>
         <c:numFmt formatCode="General" sourceLinked="1"/>
         <c:tickLblPos val="nextTo"/>
-        <c:crossAx val="65128704"/>
+        <c:crossAx val="75506816"/>
         <c:crosses val="autoZero"/>
         <c:auto val="1"/>
         <c:lblAlgn val="ctr"/>
         <c:lblOffset val="100"/>
       </c:catAx>
       <c:valAx>
-        <c:axId val="65128704"/>
+        <c:axId val="75506816"/>
         <c:scaling>
           <c:orientation val="minMax"/>
           <c:max val="100"/>
@@ -742,7 +744,7 @@
         </c:title>
         <c:numFmt formatCode="General" sourceLinked="1"/>
         <c:tickLblPos val="nextTo"/>
-        <c:crossAx val="65126784"/>
+        <c:crossAx val="75504640"/>
         <c:crosses val="autoZero"/>
         <c:crossBetween val="between"/>
       </c:valAx>
@@ -957,11 +959,11 @@
           </c:val>
         </c:ser>
         <c:marker val="1"/>
-        <c:axId val="65525632"/>
-        <c:axId val="65536384"/>
+        <c:axId val="76022528"/>
+        <c:axId val="76024832"/>
       </c:lineChart>
       <c:catAx>
-        <c:axId val="65525632"/>
+        <c:axId val="76022528"/>
         <c:scaling>
           <c:orientation val="minMax"/>
         </c:scaling>
@@ -986,14 +988,14 @@
         </c:title>
         <c:numFmt formatCode="General" sourceLinked="1"/>
         <c:tickLblPos val="nextTo"/>
-        <c:crossAx val="65536384"/>
+        <c:crossAx val="76024832"/>
         <c:crosses val="autoZero"/>
         <c:auto val="1"/>
         <c:lblAlgn val="ctr"/>
         <c:lblOffset val="100"/>
       </c:catAx>
       <c:valAx>
-        <c:axId val="65536384"/>
+        <c:axId val="76024832"/>
         <c:scaling>
           <c:orientation val="minMax"/>
           <c:min val="0"/>
@@ -1025,7 +1027,7 @@
             <a:prstDash val="dash"/>
           </a:ln>
         </c:spPr>
-        <c:crossAx val="65525632"/>
+        <c:crossAx val="76022528"/>
         <c:crosses val="autoZero"/>
         <c:crossBetween val="between"/>
         <c:majorUnit val="10000"/>
@@ -1048,10 +1050,10 @@
         <c:manualLayout>
           <c:xMode val="edge"/>
           <c:yMode val="edge"/>
-          <c:x val="0.71281644014349632"/>
-          <c:y val="0.43534992722471061"/>
-          <c:w val="0.27100159962954573"/>
-          <c:h val="0.14088989842133684"/>
+          <c:x val="0.71281644014349665"/>
+          <c:y val="0.43534992722471094"/>
+          <c:w val="0.27100159962954595"/>
+          <c:h val="0.14088989842133695"/>
         </c:manualLayout>
       </c:layout>
     </c:legend>
@@ -1240,11 +1242,11 @@
           </c:val>
         </c:ser>
         <c:marker val="1"/>
-        <c:axId val="66278912"/>
-        <c:axId val="66280832"/>
+        <c:axId val="76730752"/>
+        <c:axId val="76732672"/>
       </c:lineChart>
       <c:catAx>
-        <c:axId val="66278912"/>
+        <c:axId val="76730752"/>
         <c:scaling>
           <c:orientation val="minMax"/>
         </c:scaling>
@@ -1273,14 +1275,14 @@
           <c:layout/>
         </c:title>
         <c:tickLblPos val="nextTo"/>
-        <c:crossAx val="66280832"/>
+        <c:crossAx val="76732672"/>
         <c:crosses val="autoZero"/>
         <c:auto val="1"/>
         <c:lblAlgn val="ctr"/>
         <c:lblOffset val="100"/>
       </c:catAx>
       <c:valAx>
-        <c:axId val="66280832"/>
+        <c:axId val="76732672"/>
         <c:scaling>
           <c:orientation val="minMax"/>
         </c:scaling>
@@ -1306,7 +1308,7 @@
         </c:title>
         <c:numFmt formatCode="General" sourceLinked="1"/>
         <c:tickLblPos val="nextTo"/>
-        <c:crossAx val="66278912"/>
+        <c:crossAx val="76730752"/>
         <c:crosses val="autoZero"/>
         <c:crossBetween val="between"/>
       </c:valAx>
@@ -1322,6 +1324,283 @@
 </file>
 
 <file path=ppt/charts/chart7.xml><?xml version="1.0" encoding="utf-8"?>
+<c:chartSpace xmlns:c="http://schemas.openxmlformats.org/drawingml/2006/chart" xmlns:a="http://schemas.openxmlformats.org/drawingml/2006/main" xmlns:r="http://schemas.openxmlformats.org/officeDocument/2006/relationships">
+  <c:date1904 val="1"/>
+  <c:lang val="en-US"/>
+  <c:chart>
+    <c:title>
+      <c:tx>
+        <c:rich>
+          <a:bodyPr/>
+          <a:lstStyle/>
+          <a:p>
+            <a:pPr>
+              <a:defRPr/>
+            </a:pPr>
+            <a:r>
+              <a:rPr lang="en-US"/>
+              <a:t>MUSE</a:t>
+            </a:r>
+            <a:r>
+              <a:rPr lang="en-US" baseline="0"/>
+              <a:t> vs. MASON PHOLD on 1 node and varying agents</a:t>
+            </a:r>
+            <a:endParaRPr lang="en-US"/>
+          </a:p>
+        </c:rich>
+      </c:tx>
+      <c:layout>
+        <c:manualLayout>
+          <c:xMode val="edge"/>
+          <c:yMode val="edge"/>
+          <c:x val="0.10578525641025649"/>
+          <c:y val="7.1428571428571425E-2"/>
+        </c:manualLayout>
+      </c:layout>
+    </c:title>
+    <c:plotArea>
+      <c:layout>
+        <c:manualLayout>
+          <c:layoutTarget val="inner"/>
+          <c:xMode val="edge"/>
+          <c:yMode val="edge"/>
+          <c:x val="0.11538865334140924"/>
+          <c:y val="0.23548618922634676"/>
+          <c:w val="0.65591737330910582"/>
+          <c:h val="0.55789651293588338"/>
+        </c:manualLayout>
+      </c:layout>
+      <c:lineChart>
+        <c:grouping val="standard"/>
+        <c:ser>
+          <c:idx val="0"/>
+          <c:order val="0"/>
+          <c:tx>
+            <c:strRef>
+              <c:f>Sheet1!$B$1</c:f>
+              <c:strCache>
+                <c:ptCount val="1"/>
+                <c:pt idx="0">
+                  <c:v>PHOLD on MUSE</c:v>
+                </c:pt>
+              </c:strCache>
+            </c:strRef>
+          </c:tx>
+          <c:spPr>
+            <a:ln>
+              <a:prstDash val="dash"/>
+            </a:ln>
+          </c:spPr>
+          <c:cat>
+            <c:strRef>
+              <c:f>Sheet1!$A$2:$A$7</c:f>
+              <c:strCache>
+                <c:ptCount val="6"/>
+                <c:pt idx="0">
+                  <c:v>100 x 100</c:v>
+                </c:pt>
+                <c:pt idx="1">
+                  <c:v>150 x 150</c:v>
+                </c:pt>
+                <c:pt idx="2">
+                  <c:v>200 x 200</c:v>
+                </c:pt>
+                <c:pt idx="3">
+                  <c:v>256 x 256</c:v>
+                </c:pt>
+                <c:pt idx="4">
+                  <c:v>300 x 300</c:v>
+                </c:pt>
+                <c:pt idx="5">
+                  <c:v>512 x 512</c:v>
+                </c:pt>
+              </c:strCache>
+            </c:strRef>
+          </c:cat>
+          <c:val>
+            <c:numRef>
+              <c:f>Sheet1!$B$2:$B$7</c:f>
+              <c:numCache>
+                <c:formatCode>General</c:formatCode>
+                <c:ptCount val="6"/>
+                <c:pt idx="0">
+                  <c:v>30</c:v>
+                </c:pt>
+                <c:pt idx="1">
+                  <c:v>78</c:v>
+                </c:pt>
+                <c:pt idx="2">
+                  <c:v>148</c:v>
+                </c:pt>
+                <c:pt idx="3">
+                  <c:v>267</c:v>
+                </c:pt>
+                <c:pt idx="4">
+                  <c:v>379</c:v>
+                </c:pt>
+                <c:pt idx="5">
+                  <c:v>1663</c:v>
+                </c:pt>
+              </c:numCache>
+            </c:numRef>
+          </c:val>
+        </c:ser>
+        <c:ser>
+          <c:idx val="1"/>
+          <c:order val="1"/>
+          <c:tx>
+            <c:strRef>
+              <c:f>Sheet1!$C$1</c:f>
+              <c:strCache>
+                <c:ptCount val="1"/>
+                <c:pt idx="0">
+                  <c:v>PHOLD on MASON</c:v>
+                </c:pt>
+              </c:strCache>
+            </c:strRef>
+          </c:tx>
+          <c:spPr>
+            <a:ln>
+              <a:prstDash val="dash"/>
+            </a:ln>
+          </c:spPr>
+          <c:cat>
+            <c:strRef>
+              <c:f>Sheet1!$A$2:$A$7</c:f>
+              <c:strCache>
+                <c:ptCount val="6"/>
+                <c:pt idx="0">
+                  <c:v>100 x 100</c:v>
+                </c:pt>
+                <c:pt idx="1">
+                  <c:v>150 x 150</c:v>
+                </c:pt>
+                <c:pt idx="2">
+                  <c:v>200 x 200</c:v>
+                </c:pt>
+                <c:pt idx="3">
+                  <c:v>256 x 256</c:v>
+                </c:pt>
+                <c:pt idx="4">
+                  <c:v>300 x 300</c:v>
+                </c:pt>
+                <c:pt idx="5">
+                  <c:v>512 x 512</c:v>
+                </c:pt>
+              </c:strCache>
+            </c:strRef>
+          </c:cat>
+          <c:val>
+            <c:numRef>
+              <c:f>Sheet1!$C$2:$C$7</c:f>
+              <c:numCache>
+                <c:formatCode>General</c:formatCode>
+                <c:ptCount val="6"/>
+                <c:pt idx="0">
+                  <c:v>5</c:v>
+                </c:pt>
+                <c:pt idx="1">
+                  <c:v>10</c:v>
+                </c:pt>
+                <c:pt idx="2">
+                  <c:v>20</c:v>
+                </c:pt>
+                <c:pt idx="3">
+                  <c:v>34</c:v>
+                </c:pt>
+                <c:pt idx="4">
+                  <c:v>55</c:v>
+                </c:pt>
+                <c:pt idx="5">
+                  <c:v>171</c:v>
+                </c:pt>
+              </c:numCache>
+            </c:numRef>
+          </c:val>
+        </c:ser>
+        <c:marker val="1"/>
+        <c:axId val="76960896"/>
+        <c:axId val="76962816"/>
+      </c:lineChart>
+      <c:catAx>
+        <c:axId val="76960896"/>
+        <c:scaling>
+          <c:orientation val="minMax"/>
+        </c:scaling>
+        <c:axPos val="b"/>
+        <c:title>
+          <c:tx>
+            <c:rich>
+              <a:bodyPr/>
+              <a:lstStyle/>
+              <a:p>
+                <a:pPr>
+                  <a:defRPr/>
+                </a:pPr>
+                <a:r>
+                  <a:rPr lang="en-US"/>
+                  <a:t>Number</a:t>
+                </a:r>
+                <a:r>
+                  <a:rPr lang="en-US" baseline="0"/>
+                  <a:t> of Agents</a:t>
+                </a:r>
+                <a:endParaRPr lang="en-US"/>
+              </a:p>
+            </c:rich>
+          </c:tx>
+          <c:layout/>
+        </c:title>
+        <c:tickLblPos val="nextTo"/>
+        <c:crossAx val="76962816"/>
+        <c:crosses val="autoZero"/>
+        <c:auto val="1"/>
+        <c:lblAlgn val="ctr"/>
+        <c:lblOffset val="100"/>
+      </c:catAx>
+      <c:valAx>
+        <c:axId val="76962816"/>
+        <c:scaling>
+          <c:orientation val="minMax"/>
+        </c:scaling>
+        <c:axPos val="l"/>
+        <c:majorGridlines/>
+        <c:title>
+          <c:tx>
+            <c:rich>
+              <a:bodyPr rot="-5400000" vert="horz"/>
+              <a:lstStyle/>
+              <a:p>
+                <a:pPr>
+                  <a:defRPr/>
+                </a:pPr>
+                <a:r>
+                  <a:rPr lang="en-US"/>
+                  <a:t>Execution Time (seconds)</a:t>
+                </a:r>
+              </a:p>
+            </c:rich>
+          </c:tx>
+          <c:layout/>
+        </c:title>
+        <c:numFmt formatCode="General" sourceLinked="1"/>
+        <c:tickLblPos val="nextTo"/>
+        <c:crossAx val="76960896"/>
+        <c:crosses val="autoZero"/>
+        <c:crossBetween val="between"/>
+      </c:valAx>
+    </c:plotArea>
+    <c:legend>
+      <c:legendPos val="r"/>
+      <c:layout/>
+    </c:legend>
+    <c:plotVisOnly val="1"/>
+  </c:chart>
+  <c:externalData r:id="rId1"/>
+</c:chartSpace>
+</file>
+
+<file path=ppt/charts/chart8.xml><?xml version="1.0" encoding="utf-8"?>
 <c:chartSpace xmlns:c="http://schemas.openxmlformats.org/drawingml/2006/chart" xmlns:a="http://schemas.openxmlformats.org/drawingml/2006/main" xmlns:r="http://schemas.openxmlformats.org/officeDocument/2006/relationships">
   <c:date1904 val="1"/>
   <c:lang val="en-US"/>
@@ -1404,11 +1683,11 @@
           </c:val>
         </c:ser>
         <c:marker val="1"/>
-        <c:axId val="66834816"/>
-        <c:axId val="66836736"/>
+        <c:axId val="77238656"/>
+        <c:axId val="77240576"/>
       </c:lineChart>
       <c:catAx>
-        <c:axId val="66834816"/>
+        <c:axId val="77238656"/>
         <c:scaling>
           <c:orientation val="minMax"/>
         </c:scaling>
@@ -1433,14 +1712,14 @@
         </c:title>
         <c:numFmt formatCode="General" sourceLinked="1"/>
         <c:tickLblPos val="nextTo"/>
-        <c:crossAx val="66836736"/>
+        <c:crossAx val="77240576"/>
         <c:crosses val="autoZero"/>
         <c:auto val="1"/>
         <c:lblAlgn val="ctr"/>
         <c:lblOffset val="100"/>
       </c:catAx>
       <c:valAx>
-        <c:axId val="66836736"/>
+        <c:axId val="77240576"/>
         <c:scaling>
           <c:orientation val="minMax"/>
         </c:scaling>
@@ -1466,7 +1745,7 @@
         </c:title>
         <c:numFmt formatCode="General" sourceLinked="1"/>
         <c:tickLblPos val="nextTo"/>
-        <c:crossAx val="66834816"/>
+        <c:crossAx val="77238656"/>
         <c:crosses val="autoZero"/>
         <c:crossBetween val="between"/>
         <c:majorUnit val="10"/>
@@ -1565,7 +1844,7 @@
             <a:fld id="{542BA131-AA59-428C-B8EF-0ECFBAB23AD0}" type="datetimeFigureOut">
               <a:rPr lang="en-US" smtClean="0"/>
               <a:pPr/>
-              <a:t>5/21/2009</a:t>
+              <a:t>5/24/2009</a:t>
             </a:fld>
             <a:endParaRPr lang="en-US"/>
           </a:p>
@@ -1959,6 +2238,20 @@
           </a:bodyPr>
           <a:lstStyle/>
           <a:p>
+            <a:r>
+              <a:rPr lang="en-US" dirty="0" smtClean="0"/>
+              <a:t>Talk about the</a:t>
+            </a:r>
+            <a:r>
+              <a:rPr lang="en-US" baseline="0" dirty="0" smtClean="0"/>
+              <a:t> overhead. Maybe a slide on Time Warp.</a:t>
+            </a:r>
+          </a:p>
+          <a:p>
+            <a:r>
+              <a:rPr lang="en-US" baseline="0" dirty="0" smtClean="0"/>
+              <a:t>Use the slide on Time Warp to example the Gap btw MASON vs. MUSE.</a:t>
+            </a:r>
             <a:endParaRPr lang="en-US" dirty="0"/>
           </a:p>
         </p:txBody>
@@ -1981,7 +2274,171 @@
             <a:fld id="{F28B6A69-579D-4CDD-BB8A-E3762F3025F0}" type="slidenum">
               <a:rPr lang="en-US" smtClean="0"/>
               <a:pPr/>
-              <a:t>19</a:t>
+              <a:t>20</a:t>
+            </a:fld>
+            <a:endParaRPr lang="en-US"/>
+          </a:p>
+        </p:txBody>
+      </p:sp>
+    </p:spTree>
+  </p:cSld>
+  <p:clrMapOvr>
+    <a:masterClrMapping/>
+  </p:clrMapOvr>
+</p:notes>
+</file>
+
+<file path=ppt/notesSlides/notesSlide11.xml><?xml version="1.0" encoding="utf-8"?>
+<p:notes xmlns:a="http://schemas.openxmlformats.org/drawingml/2006/main" xmlns:r="http://schemas.openxmlformats.org/officeDocument/2006/relationships" xmlns:p="http://schemas.openxmlformats.org/presentationml/2006/main">
+  <p:cSld>
+    <p:spTree>
+      <p:nvGrpSpPr>
+        <p:cNvPr id="1" name=""/>
+        <p:cNvGrpSpPr/>
+        <p:nvPr/>
+      </p:nvGrpSpPr>
+      <p:grpSpPr>
+        <a:xfrm>
+          <a:off x="0" y="0"/>
+          <a:ext cx="0" cy="0"/>
+          <a:chOff x="0" y="0"/>
+          <a:chExt cx="0" cy="0"/>
+        </a:xfrm>
+      </p:grpSpPr>
+      <p:sp>
+        <p:nvSpPr>
+          <p:cNvPr id="2" name="Slide Image Placeholder 1"/>
+          <p:cNvSpPr>
+            <a:spLocks noGrp="1" noRot="1" noChangeAspect="1"/>
+          </p:cNvSpPr>
+          <p:nvPr>
+            <p:ph type="sldImg"/>
+          </p:nvPr>
+        </p:nvSpPr>
+        <p:spPr/>
+      </p:sp>
+      <p:sp>
+        <p:nvSpPr>
+          <p:cNvPr id="3" name="Notes Placeholder 2"/>
+          <p:cNvSpPr>
+            <a:spLocks noGrp="1"/>
+          </p:cNvSpPr>
+          <p:nvPr>
+            <p:ph type="body" idx="1"/>
+          </p:nvPr>
+        </p:nvSpPr>
+        <p:spPr/>
+        <p:txBody>
+          <a:bodyPr>
+            <a:normAutofit/>
+          </a:bodyPr>
+          <a:lstStyle/>
+          <a:p>
+            <a:endParaRPr lang="en-US" dirty="0"/>
+          </a:p>
+        </p:txBody>
+      </p:sp>
+      <p:sp>
+        <p:nvSpPr>
+          <p:cNvPr id="4" name="Slide Number Placeholder 3"/>
+          <p:cNvSpPr>
+            <a:spLocks noGrp="1"/>
+          </p:cNvSpPr>
+          <p:nvPr>
+            <p:ph type="sldNum" sz="quarter" idx="10"/>
+          </p:nvPr>
+        </p:nvSpPr>
+        <p:spPr/>
+        <p:txBody>
+          <a:bodyPr/>
+          <a:lstStyle/>
+          <a:p>
+            <a:fld id="{F28B6A69-579D-4CDD-BB8A-E3762F3025F0}" type="slidenum">
+              <a:rPr lang="en-US" smtClean="0"/>
+              <a:pPr/>
+              <a:t>21</a:t>
+            </a:fld>
+            <a:endParaRPr lang="en-US"/>
+          </a:p>
+        </p:txBody>
+      </p:sp>
+    </p:spTree>
+  </p:cSld>
+  <p:clrMapOvr>
+    <a:masterClrMapping/>
+  </p:clrMapOvr>
+</p:notes>
+</file>
+
+<file path=ppt/notesSlides/notesSlide12.xml><?xml version="1.0" encoding="utf-8"?>
+<p:notes xmlns:a="http://schemas.openxmlformats.org/drawingml/2006/main" xmlns:r="http://schemas.openxmlformats.org/officeDocument/2006/relationships" xmlns:p="http://schemas.openxmlformats.org/presentationml/2006/main">
+  <p:cSld>
+    <p:spTree>
+      <p:nvGrpSpPr>
+        <p:cNvPr id="1" name=""/>
+        <p:cNvGrpSpPr/>
+        <p:nvPr/>
+      </p:nvGrpSpPr>
+      <p:grpSpPr>
+        <a:xfrm>
+          <a:off x="0" y="0"/>
+          <a:ext cx="0" cy="0"/>
+          <a:chOff x="0" y="0"/>
+          <a:chExt cx="0" cy="0"/>
+        </a:xfrm>
+      </p:grpSpPr>
+      <p:sp>
+        <p:nvSpPr>
+          <p:cNvPr id="2" name="Slide Image Placeholder 1"/>
+          <p:cNvSpPr>
+            <a:spLocks noGrp="1" noRot="1" noChangeAspect="1"/>
+          </p:cNvSpPr>
+          <p:nvPr>
+            <p:ph type="sldImg"/>
+          </p:nvPr>
+        </p:nvSpPr>
+        <p:spPr/>
+      </p:sp>
+      <p:sp>
+        <p:nvSpPr>
+          <p:cNvPr id="3" name="Notes Placeholder 2"/>
+          <p:cNvSpPr>
+            <a:spLocks noGrp="1"/>
+          </p:cNvSpPr>
+          <p:nvPr>
+            <p:ph type="body" idx="1"/>
+          </p:nvPr>
+        </p:nvSpPr>
+        <p:spPr/>
+        <p:txBody>
+          <a:bodyPr>
+            <a:normAutofit/>
+          </a:bodyPr>
+          <a:lstStyle/>
+          <a:p>
+            <a:endParaRPr lang="en-US" dirty="0"/>
+          </a:p>
+        </p:txBody>
+      </p:sp>
+      <p:sp>
+        <p:nvSpPr>
+          <p:cNvPr id="4" name="Slide Number Placeholder 3"/>
+          <p:cNvSpPr>
+            <a:spLocks noGrp="1"/>
+          </p:cNvSpPr>
+          <p:nvPr>
+            <p:ph type="sldNum" sz="quarter" idx="10"/>
+          </p:nvPr>
+        </p:nvSpPr>
+        <p:spPr/>
+        <p:txBody>
+          <a:bodyPr/>
+          <a:lstStyle/>
+          <a:p>
+            <a:fld id="{F28B6A69-579D-4CDD-BB8A-E3762F3025F0}" type="slidenum">
+              <a:rPr lang="en-US" smtClean="0"/>
+              <a:pPr/>
+              <a:t>22</a:t>
             </a:fld>
             <a:endParaRPr lang="en-US"/>
           </a:p>
@@ -2127,22 +2584,6 @@
           </a:bodyPr>
           <a:lstStyle/>
           <a:p>
-            <a:r>
-              <a:rPr lang="en-US" dirty="0" err="1" smtClean="0"/>
-              <a:t>Pic</a:t>
-            </a:r>
-            <a:r>
-              <a:rPr lang="en-US" dirty="0" smtClean="0"/>
-              <a:t> of </a:t>
-            </a:r>
-            <a:r>
-              <a:rPr lang="en-US" dirty="0" err="1" smtClean="0"/>
-              <a:t>redhawk</a:t>
-            </a:r>
-            <a:r>
-              <a:rPr lang="en-US" dirty="0" smtClean="0"/>
-              <a:t> cluster</a:t>
-            </a:r>
             <a:endParaRPr lang="en-US" dirty="0"/>
           </a:p>
         </p:txBody>
@@ -2165,7 +2606,7 @@
             <a:fld id="{F28B6A69-579D-4CDD-BB8A-E3762F3025F0}" type="slidenum">
               <a:rPr lang="en-US" smtClean="0"/>
               <a:pPr/>
-              <a:t>10</a:t>
+              <a:t>11</a:t>
             </a:fld>
             <a:endParaRPr lang="en-US"/>
           </a:p>
@@ -2251,7 +2692,7 @@
             <a:fld id="{F28B6A69-579D-4CDD-BB8A-E3762F3025F0}" type="slidenum">
               <a:rPr lang="en-US" smtClean="0"/>
               <a:pPr/>
-              <a:t>11</a:t>
+              <a:t>12</a:t>
             </a:fld>
             <a:endParaRPr lang="en-US"/>
           </a:p>
@@ -2333,7 +2774,7 @@
             <a:fld id="{F28B6A69-579D-4CDD-BB8A-E3762F3025F0}" type="slidenum">
               <a:rPr lang="en-US" smtClean="0"/>
               <a:pPr/>
-              <a:t>14</a:t>
+              <a:t>15</a:t>
             </a:fld>
             <a:endParaRPr lang="en-US"/>
           </a:p>
@@ -2415,7 +2856,7 @@
             <a:fld id="{F28B6A69-579D-4CDD-BB8A-E3762F3025F0}" type="slidenum">
               <a:rPr lang="en-US" smtClean="0"/>
               <a:pPr/>
-              <a:t>15</a:t>
+              <a:t>16</a:t>
             </a:fld>
             <a:endParaRPr lang="en-US"/>
           </a:p>
@@ -2497,7 +2938,7 @@
             <a:fld id="{F28B6A69-579D-4CDD-BB8A-E3762F3025F0}" type="slidenum">
               <a:rPr lang="en-US" smtClean="0"/>
               <a:pPr/>
-              <a:t>16</a:t>
+              <a:t>17</a:t>
             </a:fld>
             <a:endParaRPr lang="en-US"/>
           </a:p>
@@ -2579,7 +3020,7 @@
             <a:fld id="{F28B6A69-579D-4CDD-BB8A-E3762F3025F0}" type="slidenum">
               <a:rPr lang="en-US" smtClean="0"/>
               <a:pPr/>
-              <a:t>17</a:t>
+              <a:t>18</a:t>
             </a:fld>
             <a:endParaRPr lang="en-US"/>
           </a:p>
@@ -2675,7 +3116,7 @@
             <a:fld id="{F28B6A69-579D-4CDD-BB8A-E3762F3025F0}" type="slidenum">
               <a:rPr lang="en-US" smtClean="0"/>
               <a:pPr/>
-              <a:t>18</a:t>
+              <a:t>19</a:t>
             </a:fld>
             <a:endParaRPr lang="en-US"/>
           </a:p>
@@ -3315,7 +3756,7 @@
             <a:fld id="{74E85FBA-655E-485D-8443-23493E4B9167}" type="datetimeFigureOut">
               <a:rPr lang="en-US" smtClean="0"/>
               <a:pPr/>
-              <a:t>5/21/2009</a:t>
+              <a:t>5/24/2009</a:t>
             </a:fld>
             <a:endParaRPr lang="en-US"/>
           </a:p>
@@ -3513,7 +3954,7 @@
             <a:fld id="{74E85FBA-655E-485D-8443-23493E4B9167}" type="datetimeFigureOut">
               <a:rPr lang="en-US" smtClean="0"/>
               <a:pPr/>
-              <a:t>5/21/2009</a:t>
+              <a:t>5/24/2009</a:t>
             </a:fld>
             <a:endParaRPr lang="en-US"/>
           </a:p>
@@ -3700,7 +4141,7 @@
             <a:fld id="{74E85FBA-655E-485D-8443-23493E4B9167}" type="datetimeFigureOut">
               <a:rPr lang="en-US" smtClean="0"/>
               <a:pPr/>
-              <a:t>5/21/2009</a:t>
+              <a:t>5/24/2009</a:t>
             </a:fld>
             <a:endParaRPr lang="en-US"/>
           </a:p>
@@ -3852,7 +4293,7 @@
             <a:fld id="{74E85FBA-655E-485D-8443-23493E4B9167}" type="datetimeFigureOut">
               <a:rPr lang="en-US" smtClean="0"/>
               <a:pPr/>
-              <a:t>5/21/2009</a:t>
+              <a:t>5/24/2009</a:t>
             </a:fld>
             <a:endParaRPr lang="en-US"/>
           </a:p>
@@ -4109,7 +4550,7 @@
             <a:fld id="{74E85FBA-655E-485D-8443-23493E4B9167}" type="datetimeFigureOut">
               <a:rPr lang="en-US" smtClean="0"/>
               <a:pPr/>
-              <a:t>5/21/2009</a:t>
+              <a:t>5/24/2009</a:t>
             </a:fld>
             <a:endParaRPr lang="en-US"/>
           </a:p>
@@ -4520,7 +4961,7 @@
             <a:fld id="{74E85FBA-655E-485D-8443-23493E4B9167}" type="datetimeFigureOut">
               <a:rPr lang="en-US" smtClean="0"/>
               <a:pPr/>
-              <a:t>5/21/2009</a:t>
+              <a:t>5/24/2009</a:t>
             </a:fld>
             <a:endParaRPr lang="en-US"/>
           </a:p>
@@ -4968,7 +5409,7 @@
             <a:fld id="{74E85FBA-655E-485D-8443-23493E4B9167}" type="datetimeFigureOut">
               <a:rPr lang="en-US" smtClean="0"/>
               <a:pPr/>
-              <a:t>5/21/2009</a:t>
+              <a:t>5/24/2009</a:t>
             </a:fld>
             <a:endParaRPr lang="en-US"/>
           </a:p>
@@ -5071,7 +5512,7 @@
             <a:fld id="{74E85FBA-655E-485D-8443-23493E4B9167}" type="datetimeFigureOut">
               <a:rPr lang="en-US" smtClean="0"/>
               <a:pPr/>
-              <a:t>5/21/2009</a:t>
+              <a:t>5/24/2009</a:t>
             </a:fld>
             <a:endParaRPr lang="en-US"/>
           </a:p>
@@ -5194,7 +5635,7 @@
             <a:fld id="{74E85FBA-655E-485D-8443-23493E4B9167}" type="datetimeFigureOut">
               <a:rPr lang="en-US" smtClean="0"/>
               <a:pPr/>
-              <a:t>5/21/2009</a:t>
+              <a:t>5/24/2009</a:t>
             </a:fld>
             <a:endParaRPr lang="en-US"/>
           </a:p>
@@ -5470,7 +5911,7 @@
             <a:fld id="{74E85FBA-655E-485D-8443-23493E4B9167}" type="datetimeFigureOut">
               <a:rPr lang="en-US" smtClean="0"/>
               <a:pPr/>
-              <a:t>5/21/2009</a:t>
+              <a:t>5/24/2009</a:t>
             </a:fld>
             <a:endParaRPr lang="en-US"/>
           </a:p>
@@ -5677,7 +6118,7 @@
             <a:fld id="{74E85FBA-655E-485D-8443-23493E4B9167}" type="datetimeFigureOut">
               <a:rPr lang="en-US" smtClean="0"/>
               <a:pPr/>
-              <a:t>5/21/2009</a:t>
+              <a:t>5/24/2009</a:t>
             </a:fld>
             <a:endParaRPr lang="en-US"/>
           </a:p>
@@ -6788,7 +7229,7 @@
             <a:fld id="{74E85FBA-655E-485D-8443-23493E4B9167}" type="datetimeFigureOut">
               <a:rPr lang="en-US" smtClean="0"/>
               <a:pPr/>
-              <a:t>5/21/2009</a:t>
+              <a:t>5/24/2009</a:t>
             </a:fld>
             <a:endParaRPr lang="en-US"/>
           </a:p>
@@ -7453,22 +7894,73 @@
           <a:p>
             <a:r>
               <a:rPr lang="en-US" sz="1700" dirty="0" smtClean="0"/>
-              <a:t>Testing done on Miami’s Redhawk Cluster. </a:t>
+              <a:t>For the experiments, implementation and testing is done with PHOLD (Fujimoto). </a:t>
+            </a:r>
+          </a:p>
+          <a:p>
+            <a:endParaRPr lang="en-US" sz="1700" dirty="0" smtClean="0"/>
+          </a:p>
+          <a:p>
+            <a:r>
+              <a:rPr lang="en-US" sz="1700" dirty="0" smtClean="0"/>
+              <a:t>PHOLD variables used to scale and fine tune a simulation workload.</a:t>
             </a:r>
           </a:p>
           <a:p>
             <a:pPr lvl="1"/>
             <a:r>
+              <a:rPr lang="en-US" sz="1300" i="1" dirty="0" smtClean="0"/>
+              <a:t>X</a:t>
+            </a:r>
+            <a:r>
               <a:rPr lang="en-US" sz="1300" dirty="0" smtClean="0"/>
-              <a:t>128 computes</a:t>
-            </a:r>
-          </a:p>
-          <a:p>
-            <a:r>
-              <a:rPr lang="en-US" sz="1700" dirty="0" smtClean="0"/>
-              <a:t>Each compute node has the following Specs:</a:t>
-            </a:r>
-            <a:endParaRPr lang="en-US" sz="1700" dirty="0"/>
+              <a:t>, this is the number of columns to have in the PHOLD grid</a:t>
+            </a:r>
+          </a:p>
+          <a:p>
+            <a:pPr lvl="1"/>
+            <a:r>
+              <a:rPr lang="en-US" sz="1300" i="1" dirty="0" smtClean="0"/>
+              <a:t>Y</a:t>
+            </a:r>
+            <a:r>
+              <a:rPr lang="en-US" sz="1300" dirty="0" smtClean="0"/>
+              <a:t>, this is the number of rows to have in the PHOLD grid</a:t>
+            </a:r>
+          </a:p>
+          <a:p>
+            <a:pPr lvl="1"/>
+            <a:r>
+              <a:rPr lang="en-US" sz="1300" i="1" dirty="0" smtClean="0"/>
+              <a:t>N</a:t>
+            </a:r>
+            <a:r>
+              <a:rPr lang="en-US" sz="1300" dirty="0" smtClean="0"/>
+              <a:t>, the number of events each agent sends every time.</a:t>
+            </a:r>
+          </a:p>
+          <a:p>
+            <a:pPr lvl="1"/>
+            <a:r>
+              <a:rPr lang="en-US" sz="1300" i="1" dirty="0" smtClean="0"/>
+              <a:t>Delay</a:t>
+            </a:r>
+            <a:r>
+              <a:rPr lang="en-US" sz="1300" dirty="0" smtClean="0"/>
+              <a:t>, the maximum receive time that an agent can schedule an event for.</a:t>
+            </a:r>
+          </a:p>
+          <a:p>
+            <a:pPr lvl="1"/>
+            <a:r>
+              <a:rPr lang="en-US" sz="1300" i="1" dirty="0" smtClean="0"/>
+              <a:t>Nodes</a:t>
+            </a:r>
+            <a:r>
+              <a:rPr lang="en-US" sz="1300" dirty="0" smtClean="0"/>
+              <a:t>, the number of compute nodes to use for the PHOLD simulation.</a:t>
+            </a:r>
+            <a:endParaRPr lang="en-US" sz="1300" dirty="0"/>
           </a:p>
         </p:txBody>
       </p:sp>
@@ -7493,922 +7985,119 @@
             </a:r>
             <a:r>
               <a:rPr lang="en-US" sz="1800" dirty="0" smtClean="0"/>
-              <a:t>(2/11)</a:t>
+              <a:t>(1/12)</a:t>
             </a:r>
             <a:endParaRPr lang="en-US" dirty="0"/>
           </a:p>
         </p:txBody>
       </p:sp>
-      <p:graphicFrame>
-        <p:nvGraphicFramePr>
-          <p:cNvPr id="4" name="Table 3"/>
-          <p:cNvGraphicFramePr>
-            <a:graphicFrameLocks noGrp="1"/>
-          </p:cNvGraphicFramePr>
+      <p:pic>
+        <p:nvPicPr>
+          <p:cNvPr id="4" name="Picture 3"/>
+          <p:cNvPicPr/>
           <p:nvPr/>
-        </p:nvGraphicFramePr>
-        <p:xfrm>
-          <a:off x="914400" y="2362200"/>
-          <a:ext cx="6096000" cy="1622598"/>
-        </p:xfrm>
-        <a:graphic>
-          <a:graphicData uri="http://schemas.openxmlformats.org/drawingml/2006/table">
-            <a:tbl>
-              <a:tblPr/>
-              <a:tblGrid>
-                <a:gridCol w="3098706"/>
-                <a:gridCol w="2997294"/>
-              </a:tblGrid>
-              <a:tr h="270433">
-                <a:tc>
-                  <a:txBody>
-                    <a:bodyPr/>
-                    <a:lstStyle/>
-                    <a:p>
-                      <a:pPr marL="0" marR="0" algn="just">
-                        <a:lnSpc>
-                          <a:spcPct val="150000"/>
-                        </a:lnSpc>
-                        <a:spcBef>
-                          <a:spcPts val="0"/>
-                        </a:spcBef>
-                        <a:spcAft>
-                          <a:spcPts val="1000"/>
-                        </a:spcAft>
-                      </a:pPr>
-                      <a:r>
-                        <a:rPr lang="en-US" sz="1200">
-                          <a:latin typeface="Times New Roman"/>
-                          <a:ea typeface="Times New Roman"/>
-                          <a:cs typeface="Times New Roman"/>
-                        </a:rPr>
-                        <a:t>Component</a:t>
-                      </a:r>
-                    </a:p>
-                  </a:txBody>
-                  <a:tcPr marL="67608" marR="67608" marT="0" marB="0">
-                    <a:lnL w="12700" cap="flat" cmpd="sng" algn="ctr">
-                      <a:solidFill>
-                        <a:srgbClr val="000000"/>
-                      </a:solidFill>
-                      <a:prstDash val="solid"/>
-                      <a:round/>
-                      <a:headEnd type="none" w="med" len="med"/>
-                      <a:tailEnd type="none" w="med" len="med"/>
-                    </a:lnL>
-                    <a:lnR w="12700" cap="flat" cmpd="sng" algn="ctr">
-                      <a:solidFill>
-                        <a:srgbClr val="000000"/>
-                      </a:solidFill>
-                      <a:prstDash val="solid"/>
-                      <a:round/>
-                      <a:headEnd type="none" w="med" len="med"/>
-                      <a:tailEnd type="none" w="med" len="med"/>
-                    </a:lnR>
-                    <a:lnT w="12700" cap="flat" cmpd="sng" algn="ctr">
-                      <a:solidFill>
-                        <a:srgbClr val="000000"/>
-                      </a:solidFill>
-                      <a:prstDash val="solid"/>
-                      <a:round/>
-                      <a:headEnd type="none" w="med" len="med"/>
-                      <a:tailEnd type="none" w="med" len="med"/>
-                    </a:lnT>
-                    <a:lnB w="12700" cap="flat" cmpd="sng" algn="ctr">
-                      <a:solidFill>
-                        <a:srgbClr val="000000"/>
-                      </a:solidFill>
-                      <a:prstDash val="solid"/>
-                      <a:round/>
-                      <a:headEnd type="none" w="med" len="med"/>
-                      <a:tailEnd type="none" w="med" len="med"/>
-                    </a:lnB>
-                    <a:solidFill>
-                      <a:srgbClr val="D9D9D9"/>
-                    </a:solidFill>
-                  </a:tcPr>
-                </a:tc>
-                <a:tc>
-                  <a:txBody>
-                    <a:bodyPr/>
-                    <a:lstStyle/>
-                    <a:p>
-                      <a:pPr marL="0" marR="0" algn="just">
-                        <a:lnSpc>
-                          <a:spcPct val="150000"/>
-                        </a:lnSpc>
-                        <a:spcBef>
-                          <a:spcPts val="0"/>
-                        </a:spcBef>
-                        <a:spcAft>
-                          <a:spcPts val="1000"/>
-                        </a:spcAft>
-                      </a:pPr>
-                      <a:r>
-                        <a:rPr lang="en-US" sz="1200">
-                          <a:solidFill>
-                            <a:srgbClr val="000000"/>
-                          </a:solidFill>
-                          <a:latin typeface="Times New Roman"/>
-                          <a:ea typeface="Times New Roman"/>
-                          <a:cs typeface="Times New Roman"/>
-                        </a:rPr>
-                        <a:t>Details</a:t>
-                      </a:r>
-                      <a:endParaRPr lang="en-US" sz="1200">
-                        <a:latin typeface="Times New Roman"/>
-                        <a:ea typeface="Times New Roman"/>
-                        <a:cs typeface="Times New Roman"/>
-                      </a:endParaRPr>
-                    </a:p>
-                  </a:txBody>
-                  <a:tcPr marL="67608" marR="67608" marT="0" marB="0">
-                    <a:lnL w="12700" cap="flat" cmpd="sng" algn="ctr">
-                      <a:solidFill>
-                        <a:srgbClr val="000000"/>
-                      </a:solidFill>
-                      <a:prstDash val="solid"/>
-                      <a:round/>
-                      <a:headEnd type="none" w="med" len="med"/>
-                      <a:tailEnd type="none" w="med" len="med"/>
-                    </a:lnL>
-                    <a:lnR w="12700" cap="flat" cmpd="sng" algn="ctr">
-                      <a:solidFill>
-                        <a:srgbClr val="000000"/>
-                      </a:solidFill>
-                      <a:prstDash val="solid"/>
-                      <a:round/>
-                      <a:headEnd type="none" w="med" len="med"/>
-                      <a:tailEnd type="none" w="med" len="med"/>
-                    </a:lnR>
-                    <a:lnT w="12700" cap="flat" cmpd="sng" algn="ctr">
-                      <a:solidFill>
-                        <a:srgbClr val="000000"/>
-                      </a:solidFill>
-                      <a:prstDash val="solid"/>
-                      <a:round/>
-                      <a:headEnd type="none" w="med" len="med"/>
-                      <a:tailEnd type="none" w="med" len="med"/>
-                    </a:lnT>
-                    <a:lnB w="12700" cap="flat" cmpd="sng" algn="ctr">
-                      <a:solidFill>
-                        <a:srgbClr val="000000"/>
-                      </a:solidFill>
-                      <a:prstDash val="solid"/>
-                      <a:round/>
-                      <a:headEnd type="none" w="med" len="med"/>
-                      <a:tailEnd type="none" w="med" len="med"/>
-                    </a:lnB>
-                    <a:solidFill>
-                      <a:srgbClr val="D9D9D9"/>
-                    </a:solidFill>
-                  </a:tcPr>
-                </a:tc>
-              </a:tr>
-              <a:tr h="270433">
-                <a:tc>
-                  <a:txBody>
-                    <a:bodyPr/>
-                    <a:lstStyle/>
-                    <a:p>
-                      <a:pPr marL="0" marR="0" algn="just">
-                        <a:lnSpc>
-                          <a:spcPct val="150000"/>
-                        </a:lnSpc>
-                        <a:spcBef>
-                          <a:spcPts val="0"/>
-                        </a:spcBef>
-                        <a:spcAft>
-                          <a:spcPts val="1000"/>
-                        </a:spcAft>
-                      </a:pPr>
-                      <a:r>
-                        <a:rPr lang="en-US" sz="1200">
-                          <a:solidFill>
-                            <a:srgbClr val="000000"/>
-                          </a:solidFill>
-                          <a:latin typeface="Times New Roman"/>
-                          <a:ea typeface="Times New Roman"/>
-                          <a:cs typeface="Times New Roman"/>
-                        </a:rPr>
-                        <a:t>CPU Model</a:t>
-                      </a:r>
-                      <a:endParaRPr lang="en-US" sz="1200">
-                        <a:latin typeface="Times New Roman"/>
-                        <a:ea typeface="Times New Roman"/>
-                        <a:cs typeface="Times New Roman"/>
-                      </a:endParaRPr>
-                    </a:p>
-                  </a:txBody>
-                  <a:tcPr marL="67608" marR="67608" marT="0" marB="0">
-                    <a:lnL w="12700" cap="flat" cmpd="sng" algn="ctr">
-                      <a:solidFill>
-                        <a:srgbClr val="000000"/>
-                      </a:solidFill>
-                      <a:prstDash val="solid"/>
-                      <a:round/>
-                      <a:headEnd type="none" w="med" len="med"/>
-                      <a:tailEnd type="none" w="med" len="med"/>
-                    </a:lnL>
-                    <a:lnR w="12700" cap="flat" cmpd="sng" algn="ctr">
-                      <a:solidFill>
-                        <a:srgbClr val="000000"/>
-                      </a:solidFill>
-                      <a:prstDash val="solid"/>
-                      <a:round/>
-                      <a:headEnd type="none" w="med" len="med"/>
-                      <a:tailEnd type="none" w="med" len="med"/>
-                    </a:lnR>
-                    <a:lnT w="12700" cap="flat" cmpd="sng" algn="ctr">
-                      <a:solidFill>
-                        <a:srgbClr val="000000"/>
-                      </a:solidFill>
-                      <a:prstDash val="solid"/>
-                      <a:round/>
-                      <a:headEnd type="none" w="med" len="med"/>
-                      <a:tailEnd type="none" w="med" len="med"/>
-                    </a:lnT>
-                    <a:lnB w="12700" cap="flat" cmpd="sng" algn="ctr">
-                      <a:solidFill>
-                        <a:srgbClr val="000000"/>
-                      </a:solidFill>
-                      <a:prstDash val="solid"/>
-                      <a:round/>
-                      <a:headEnd type="none" w="med" len="med"/>
-                      <a:tailEnd type="none" w="med" len="med"/>
-                    </a:lnB>
-                  </a:tcPr>
-                </a:tc>
-                <a:tc>
-                  <a:txBody>
-                    <a:bodyPr/>
-                    <a:lstStyle/>
-                    <a:p>
-                      <a:pPr marL="0" marR="0" algn="just">
-                        <a:lnSpc>
-                          <a:spcPct val="150000"/>
-                        </a:lnSpc>
-                        <a:spcBef>
-                          <a:spcPts val="0"/>
-                        </a:spcBef>
-                        <a:spcAft>
-                          <a:spcPts val="1000"/>
-                        </a:spcAft>
-                      </a:pPr>
-                      <a:r>
-                        <a:rPr lang="en-US" sz="1200">
-                          <a:solidFill>
-                            <a:srgbClr val="000000"/>
-                          </a:solidFill>
-                          <a:latin typeface="Times New Roman"/>
-                          <a:ea typeface="Times New Roman"/>
-                          <a:cs typeface="Times New Roman"/>
-                        </a:rPr>
-                        <a:t>Intel Xeon (x2)</a:t>
-                      </a:r>
-                      <a:endParaRPr lang="en-US" sz="1200">
-                        <a:latin typeface="Times New Roman"/>
-                        <a:ea typeface="Times New Roman"/>
-                        <a:cs typeface="Times New Roman"/>
-                      </a:endParaRPr>
-                    </a:p>
-                  </a:txBody>
-                  <a:tcPr marL="67608" marR="67608" marT="0" marB="0">
-                    <a:lnL w="12700" cap="flat" cmpd="sng" algn="ctr">
-                      <a:solidFill>
-                        <a:srgbClr val="000000"/>
-                      </a:solidFill>
-                      <a:prstDash val="solid"/>
-                      <a:round/>
-                      <a:headEnd type="none" w="med" len="med"/>
-                      <a:tailEnd type="none" w="med" len="med"/>
-                    </a:lnL>
-                    <a:lnR w="12700" cap="flat" cmpd="sng" algn="ctr">
-                      <a:solidFill>
-                        <a:srgbClr val="000000"/>
-                      </a:solidFill>
-                      <a:prstDash val="solid"/>
-                      <a:round/>
-                      <a:headEnd type="none" w="med" len="med"/>
-                      <a:tailEnd type="none" w="med" len="med"/>
-                    </a:lnR>
-                    <a:lnT w="12700" cap="flat" cmpd="sng" algn="ctr">
-                      <a:solidFill>
-                        <a:srgbClr val="000000"/>
-                      </a:solidFill>
-                      <a:prstDash val="solid"/>
-                      <a:round/>
-                      <a:headEnd type="none" w="med" len="med"/>
-                      <a:tailEnd type="none" w="med" len="med"/>
-                    </a:lnT>
-                    <a:lnB w="12700" cap="flat" cmpd="sng" algn="ctr">
-                      <a:solidFill>
-                        <a:srgbClr val="000000"/>
-                      </a:solidFill>
-                      <a:prstDash val="solid"/>
-                      <a:round/>
-                      <a:headEnd type="none" w="med" len="med"/>
-                      <a:tailEnd type="none" w="med" len="med"/>
-                    </a:lnB>
-                  </a:tcPr>
-                </a:tc>
-              </a:tr>
-              <a:tr h="270433">
-                <a:tc>
-                  <a:txBody>
-                    <a:bodyPr/>
-                    <a:lstStyle/>
-                    <a:p>
-                      <a:pPr marL="0" marR="0" algn="just">
-                        <a:lnSpc>
-                          <a:spcPct val="150000"/>
-                        </a:lnSpc>
-                        <a:spcBef>
-                          <a:spcPts val="0"/>
-                        </a:spcBef>
-                        <a:spcAft>
-                          <a:spcPts val="1000"/>
-                        </a:spcAft>
-                      </a:pPr>
-                      <a:r>
-                        <a:rPr lang="en-US" sz="1200">
-                          <a:solidFill>
-                            <a:srgbClr val="000000"/>
-                          </a:solidFill>
-                          <a:latin typeface="Times New Roman"/>
-                          <a:ea typeface="Times New Roman"/>
-                          <a:cs typeface="Times New Roman"/>
-                        </a:rPr>
-                        <a:t>CPU/Core Speed</a:t>
-                      </a:r>
-                      <a:endParaRPr lang="en-US" sz="1200">
-                        <a:latin typeface="Times New Roman"/>
-                        <a:ea typeface="Times New Roman"/>
-                        <a:cs typeface="Times New Roman"/>
-                      </a:endParaRPr>
-                    </a:p>
-                  </a:txBody>
-                  <a:tcPr marL="67608" marR="67608" marT="0" marB="0">
-                    <a:lnL w="12700" cap="flat" cmpd="sng" algn="ctr">
-                      <a:solidFill>
-                        <a:srgbClr val="000000"/>
-                      </a:solidFill>
-                      <a:prstDash val="solid"/>
-                      <a:round/>
-                      <a:headEnd type="none" w="med" len="med"/>
-                      <a:tailEnd type="none" w="med" len="med"/>
-                    </a:lnL>
-                    <a:lnR w="12700" cap="flat" cmpd="sng" algn="ctr">
-                      <a:solidFill>
-                        <a:srgbClr val="000000"/>
-                      </a:solidFill>
-                      <a:prstDash val="solid"/>
-                      <a:round/>
-                      <a:headEnd type="none" w="med" len="med"/>
-                      <a:tailEnd type="none" w="med" len="med"/>
-                    </a:lnR>
-                    <a:lnT w="12700" cap="flat" cmpd="sng" algn="ctr">
-                      <a:solidFill>
-                        <a:srgbClr val="000000"/>
-                      </a:solidFill>
-                      <a:prstDash val="solid"/>
-                      <a:round/>
-                      <a:headEnd type="none" w="med" len="med"/>
-                      <a:tailEnd type="none" w="med" len="med"/>
-                    </a:lnT>
-                    <a:lnB w="12700" cap="flat" cmpd="sng" algn="ctr">
-                      <a:solidFill>
-                        <a:srgbClr val="000000"/>
-                      </a:solidFill>
-                      <a:prstDash val="solid"/>
-                      <a:round/>
-                      <a:headEnd type="none" w="med" len="med"/>
-                      <a:tailEnd type="none" w="med" len="med"/>
-                    </a:lnB>
-                  </a:tcPr>
-                </a:tc>
-                <a:tc>
-                  <a:txBody>
-                    <a:bodyPr/>
-                    <a:lstStyle/>
-                    <a:p>
-                      <a:pPr marL="0" marR="0" algn="just">
-                        <a:lnSpc>
-                          <a:spcPct val="150000"/>
-                        </a:lnSpc>
-                        <a:spcBef>
-                          <a:spcPts val="0"/>
-                        </a:spcBef>
-                        <a:spcAft>
-                          <a:spcPts val="1000"/>
-                        </a:spcAft>
-                      </a:pPr>
-                      <a:r>
-                        <a:rPr lang="en-US" sz="1200">
-                          <a:solidFill>
-                            <a:srgbClr val="000000"/>
-                          </a:solidFill>
-                          <a:latin typeface="Times New Roman"/>
-                          <a:ea typeface="Times New Roman"/>
-                          <a:cs typeface="Times New Roman"/>
-                        </a:rPr>
-                        <a:t>3.0 GHz (x2)</a:t>
-                      </a:r>
-                      <a:endParaRPr lang="en-US" sz="1200">
-                        <a:latin typeface="Times New Roman"/>
-                        <a:ea typeface="Times New Roman"/>
-                        <a:cs typeface="Times New Roman"/>
-                      </a:endParaRPr>
-                    </a:p>
-                  </a:txBody>
-                  <a:tcPr marL="67608" marR="67608" marT="0" marB="0">
-                    <a:lnL w="12700" cap="flat" cmpd="sng" algn="ctr">
-                      <a:solidFill>
-                        <a:srgbClr val="000000"/>
-                      </a:solidFill>
-                      <a:prstDash val="solid"/>
-                      <a:round/>
-                      <a:headEnd type="none" w="med" len="med"/>
-                      <a:tailEnd type="none" w="med" len="med"/>
-                    </a:lnL>
-                    <a:lnR w="12700" cap="flat" cmpd="sng" algn="ctr">
-                      <a:solidFill>
-                        <a:srgbClr val="000000"/>
-                      </a:solidFill>
-                      <a:prstDash val="solid"/>
-                      <a:round/>
-                      <a:headEnd type="none" w="med" len="med"/>
-                      <a:tailEnd type="none" w="med" len="med"/>
-                    </a:lnR>
-                    <a:lnT w="12700" cap="flat" cmpd="sng" algn="ctr">
-                      <a:solidFill>
-                        <a:srgbClr val="000000"/>
-                      </a:solidFill>
-                      <a:prstDash val="solid"/>
-                      <a:round/>
-                      <a:headEnd type="none" w="med" len="med"/>
-                      <a:tailEnd type="none" w="med" len="med"/>
-                    </a:lnT>
-                    <a:lnB w="12700" cap="flat" cmpd="sng" algn="ctr">
-                      <a:solidFill>
-                        <a:srgbClr val="000000"/>
-                      </a:solidFill>
-                      <a:prstDash val="solid"/>
-                      <a:round/>
-                      <a:headEnd type="none" w="med" len="med"/>
-                      <a:tailEnd type="none" w="med" len="med"/>
-                    </a:lnB>
-                  </a:tcPr>
-                </a:tc>
-              </a:tr>
-              <a:tr h="270433">
-                <a:tc>
-                  <a:txBody>
-                    <a:bodyPr/>
-                    <a:lstStyle/>
-                    <a:p>
-                      <a:pPr marL="0" marR="0" algn="just">
-                        <a:lnSpc>
-                          <a:spcPct val="150000"/>
-                        </a:lnSpc>
-                        <a:spcBef>
-                          <a:spcPts val="0"/>
-                        </a:spcBef>
-                        <a:spcAft>
-                          <a:spcPts val="1000"/>
-                        </a:spcAft>
-                      </a:pPr>
-                      <a:r>
-                        <a:rPr lang="en-US" sz="1200">
-                          <a:solidFill>
-                            <a:srgbClr val="000000"/>
-                          </a:solidFill>
-                          <a:latin typeface="Times New Roman"/>
-                          <a:ea typeface="Times New Roman"/>
-                          <a:cs typeface="Times New Roman"/>
-                        </a:rPr>
-                        <a:t>Main Memory (RAM) size</a:t>
-                      </a:r>
-                      <a:endParaRPr lang="en-US" sz="1200">
-                        <a:latin typeface="Times New Roman"/>
-                        <a:ea typeface="Times New Roman"/>
-                        <a:cs typeface="Times New Roman"/>
-                      </a:endParaRPr>
-                    </a:p>
-                  </a:txBody>
-                  <a:tcPr marL="67608" marR="67608" marT="0" marB="0">
-                    <a:lnL w="12700" cap="flat" cmpd="sng" algn="ctr">
-                      <a:solidFill>
-                        <a:srgbClr val="000000"/>
-                      </a:solidFill>
-                      <a:prstDash val="solid"/>
-                      <a:round/>
-                      <a:headEnd type="none" w="med" len="med"/>
-                      <a:tailEnd type="none" w="med" len="med"/>
-                    </a:lnL>
-                    <a:lnR w="12700" cap="flat" cmpd="sng" algn="ctr">
-                      <a:solidFill>
-                        <a:srgbClr val="000000"/>
-                      </a:solidFill>
-                      <a:prstDash val="solid"/>
-                      <a:round/>
-                      <a:headEnd type="none" w="med" len="med"/>
-                      <a:tailEnd type="none" w="med" len="med"/>
-                    </a:lnR>
-                    <a:lnT w="12700" cap="flat" cmpd="sng" algn="ctr">
-                      <a:solidFill>
-                        <a:srgbClr val="000000"/>
-                      </a:solidFill>
-                      <a:prstDash val="solid"/>
-                      <a:round/>
-                      <a:headEnd type="none" w="med" len="med"/>
-                      <a:tailEnd type="none" w="med" len="med"/>
-                    </a:lnT>
-                    <a:lnB w="12700" cap="flat" cmpd="sng" algn="ctr">
-                      <a:solidFill>
-                        <a:srgbClr val="000000"/>
-                      </a:solidFill>
-                      <a:prstDash val="solid"/>
-                      <a:round/>
-                      <a:headEnd type="none" w="med" len="med"/>
-                      <a:tailEnd type="none" w="med" len="med"/>
-                    </a:lnB>
-                  </a:tcPr>
-                </a:tc>
-                <a:tc>
-                  <a:txBody>
-                    <a:bodyPr/>
-                    <a:lstStyle/>
-                    <a:p>
-                      <a:pPr marL="0" marR="0" algn="just">
-                        <a:lnSpc>
-                          <a:spcPct val="150000"/>
-                        </a:lnSpc>
-                        <a:spcBef>
-                          <a:spcPts val="0"/>
-                        </a:spcBef>
-                        <a:spcAft>
-                          <a:spcPts val="1000"/>
-                        </a:spcAft>
-                      </a:pPr>
-                      <a:r>
-                        <a:rPr lang="en-US" sz="1200">
-                          <a:solidFill>
-                            <a:srgbClr val="000000"/>
-                          </a:solidFill>
-                          <a:latin typeface="Times New Roman"/>
-                          <a:ea typeface="Times New Roman"/>
-                          <a:cs typeface="Times New Roman"/>
-                        </a:rPr>
-                        <a:t>4 GB</a:t>
-                      </a:r>
-                      <a:endParaRPr lang="en-US" sz="1200">
-                        <a:latin typeface="Times New Roman"/>
-                        <a:ea typeface="Times New Roman"/>
-                        <a:cs typeface="Times New Roman"/>
-                      </a:endParaRPr>
-                    </a:p>
-                  </a:txBody>
-                  <a:tcPr marL="67608" marR="67608" marT="0" marB="0">
-                    <a:lnL w="12700" cap="flat" cmpd="sng" algn="ctr">
-                      <a:solidFill>
-                        <a:srgbClr val="000000"/>
-                      </a:solidFill>
-                      <a:prstDash val="solid"/>
-                      <a:round/>
-                      <a:headEnd type="none" w="med" len="med"/>
-                      <a:tailEnd type="none" w="med" len="med"/>
-                    </a:lnL>
-                    <a:lnR w="12700" cap="flat" cmpd="sng" algn="ctr">
-                      <a:solidFill>
-                        <a:srgbClr val="000000"/>
-                      </a:solidFill>
-                      <a:prstDash val="solid"/>
-                      <a:round/>
-                      <a:headEnd type="none" w="med" len="med"/>
-                      <a:tailEnd type="none" w="med" len="med"/>
-                    </a:lnR>
-                    <a:lnT w="12700" cap="flat" cmpd="sng" algn="ctr">
-                      <a:solidFill>
-                        <a:srgbClr val="000000"/>
-                      </a:solidFill>
-                      <a:prstDash val="solid"/>
-                      <a:round/>
-                      <a:headEnd type="none" w="med" len="med"/>
-                      <a:tailEnd type="none" w="med" len="med"/>
-                    </a:lnT>
-                    <a:lnB w="12700" cap="flat" cmpd="sng" algn="ctr">
-                      <a:solidFill>
-                        <a:srgbClr val="000000"/>
-                      </a:solidFill>
-                      <a:prstDash val="solid"/>
-                      <a:round/>
-                      <a:headEnd type="none" w="med" len="med"/>
-                      <a:tailEnd type="none" w="med" len="med"/>
-                    </a:lnB>
-                  </a:tcPr>
-                </a:tc>
-              </a:tr>
-              <a:tr h="270433">
-                <a:tc>
-                  <a:txBody>
-                    <a:bodyPr/>
-                    <a:lstStyle/>
-                    <a:p>
-                      <a:pPr marL="0" marR="0" algn="just">
-                        <a:lnSpc>
-                          <a:spcPct val="150000"/>
-                        </a:lnSpc>
-                        <a:spcBef>
-                          <a:spcPts val="0"/>
-                        </a:spcBef>
-                        <a:spcAft>
-                          <a:spcPts val="1000"/>
-                        </a:spcAft>
-                      </a:pPr>
-                      <a:r>
-                        <a:rPr lang="en-US" sz="1200">
-                          <a:solidFill>
-                            <a:srgbClr val="000000"/>
-                          </a:solidFill>
-                          <a:latin typeface="Times New Roman"/>
-                          <a:ea typeface="Times New Roman"/>
-                          <a:cs typeface="Times New Roman"/>
-                        </a:rPr>
-                        <a:t>Operating system used</a:t>
-                      </a:r>
-                      <a:endParaRPr lang="en-US" sz="1200">
-                        <a:latin typeface="Times New Roman"/>
-                        <a:ea typeface="Times New Roman"/>
-                        <a:cs typeface="Times New Roman"/>
-                      </a:endParaRPr>
-                    </a:p>
-                  </a:txBody>
-                  <a:tcPr marL="67608" marR="67608" marT="0" marB="0">
-                    <a:lnL w="12700" cap="flat" cmpd="sng" algn="ctr">
-                      <a:solidFill>
-                        <a:srgbClr val="000000"/>
-                      </a:solidFill>
-                      <a:prstDash val="solid"/>
-                      <a:round/>
-                      <a:headEnd type="none" w="med" len="med"/>
-                      <a:tailEnd type="none" w="med" len="med"/>
-                    </a:lnL>
-                    <a:lnR w="12700" cap="flat" cmpd="sng" algn="ctr">
-                      <a:solidFill>
-                        <a:srgbClr val="000000"/>
-                      </a:solidFill>
-                      <a:prstDash val="solid"/>
-                      <a:round/>
-                      <a:headEnd type="none" w="med" len="med"/>
-                      <a:tailEnd type="none" w="med" len="med"/>
-                    </a:lnR>
-                    <a:lnT w="12700" cap="flat" cmpd="sng" algn="ctr">
-                      <a:solidFill>
-                        <a:srgbClr val="000000"/>
-                      </a:solidFill>
-                      <a:prstDash val="solid"/>
-                      <a:round/>
-                      <a:headEnd type="none" w="med" len="med"/>
-                      <a:tailEnd type="none" w="med" len="med"/>
-                    </a:lnT>
-                    <a:lnB w="12700" cap="flat" cmpd="sng" algn="ctr">
-                      <a:solidFill>
-                        <a:srgbClr val="000000"/>
-                      </a:solidFill>
-                      <a:prstDash val="solid"/>
-                      <a:round/>
-                      <a:headEnd type="none" w="med" len="med"/>
-                      <a:tailEnd type="none" w="med" len="med"/>
-                    </a:lnB>
-                  </a:tcPr>
-                </a:tc>
-                <a:tc>
-                  <a:txBody>
-                    <a:bodyPr/>
-                    <a:lstStyle/>
-                    <a:p>
-                      <a:pPr marL="0" marR="0" algn="just">
-                        <a:lnSpc>
-                          <a:spcPct val="150000"/>
-                        </a:lnSpc>
-                        <a:spcBef>
-                          <a:spcPts val="0"/>
-                        </a:spcBef>
-                        <a:spcAft>
-                          <a:spcPts val="1000"/>
-                        </a:spcAft>
-                      </a:pPr>
-                      <a:r>
-                        <a:rPr lang="en-US" sz="1200">
-                          <a:solidFill>
-                            <a:srgbClr val="000000"/>
-                          </a:solidFill>
-                          <a:latin typeface="Times New Roman"/>
-                          <a:ea typeface="Times New Roman"/>
-                          <a:cs typeface="Times New Roman"/>
-                        </a:rPr>
-                        <a:t>Linux 2.6.9-22.ELsmp</a:t>
-                      </a:r>
-                      <a:endParaRPr lang="en-US" sz="1200">
-                        <a:latin typeface="Times New Roman"/>
-                        <a:ea typeface="Times New Roman"/>
-                        <a:cs typeface="Times New Roman"/>
-                      </a:endParaRPr>
-                    </a:p>
-                  </a:txBody>
-                  <a:tcPr marL="67608" marR="67608" marT="0" marB="0">
-                    <a:lnL w="12700" cap="flat" cmpd="sng" algn="ctr">
-                      <a:solidFill>
-                        <a:srgbClr val="000000"/>
-                      </a:solidFill>
-                      <a:prstDash val="solid"/>
-                      <a:round/>
-                      <a:headEnd type="none" w="med" len="med"/>
-                      <a:tailEnd type="none" w="med" len="med"/>
-                    </a:lnL>
-                    <a:lnR w="12700" cap="flat" cmpd="sng" algn="ctr">
-                      <a:solidFill>
-                        <a:srgbClr val="000000"/>
-                      </a:solidFill>
-                      <a:prstDash val="solid"/>
-                      <a:round/>
-                      <a:headEnd type="none" w="med" len="med"/>
-                      <a:tailEnd type="none" w="med" len="med"/>
-                    </a:lnR>
-                    <a:lnT w="12700" cap="flat" cmpd="sng" algn="ctr">
-                      <a:solidFill>
-                        <a:srgbClr val="000000"/>
-                      </a:solidFill>
-                      <a:prstDash val="solid"/>
-                      <a:round/>
-                      <a:headEnd type="none" w="med" len="med"/>
-                      <a:tailEnd type="none" w="med" len="med"/>
-                    </a:lnT>
-                    <a:lnB w="12700" cap="flat" cmpd="sng" algn="ctr">
-                      <a:solidFill>
-                        <a:srgbClr val="000000"/>
-                      </a:solidFill>
-                      <a:prstDash val="solid"/>
-                      <a:round/>
-                      <a:headEnd type="none" w="med" len="med"/>
-                      <a:tailEnd type="none" w="med" len="med"/>
-                    </a:lnB>
-                  </a:tcPr>
-                </a:tc>
-              </a:tr>
-              <a:tr h="270433">
-                <a:tc>
-                  <a:txBody>
-                    <a:bodyPr/>
-                    <a:lstStyle/>
-                    <a:p>
-                      <a:pPr marL="0" marR="0" algn="just">
-                        <a:lnSpc>
-                          <a:spcPct val="150000"/>
-                        </a:lnSpc>
-                        <a:spcBef>
-                          <a:spcPts val="0"/>
-                        </a:spcBef>
-                        <a:spcAft>
-                          <a:spcPts val="1000"/>
-                        </a:spcAft>
-                      </a:pPr>
-                      <a:r>
-                        <a:rPr lang="en-US" sz="1200">
-                          <a:solidFill>
-                            <a:srgbClr val="000000"/>
-                          </a:solidFill>
-                          <a:latin typeface="Times New Roman"/>
-                          <a:ea typeface="Times New Roman"/>
-                          <a:cs typeface="Times New Roman"/>
-                        </a:rPr>
-                        <a:t>Interconnect type &amp; speed (if applicable)</a:t>
-                      </a:r>
-                      <a:endParaRPr lang="en-US" sz="1200">
-                        <a:latin typeface="Times New Roman"/>
-                        <a:ea typeface="Times New Roman"/>
-                        <a:cs typeface="Times New Roman"/>
-                      </a:endParaRPr>
-                    </a:p>
-                  </a:txBody>
-                  <a:tcPr marL="67608" marR="67608" marT="0" marB="0">
-                    <a:lnL w="12700" cap="flat" cmpd="sng" algn="ctr">
-                      <a:solidFill>
-                        <a:srgbClr val="000000"/>
-                      </a:solidFill>
-                      <a:prstDash val="solid"/>
-                      <a:round/>
-                      <a:headEnd type="none" w="med" len="med"/>
-                      <a:tailEnd type="none" w="med" len="med"/>
-                    </a:lnL>
-                    <a:lnR w="12700" cap="flat" cmpd="sng" algn="ctr">
-                      <a:solidFill>
-                        <a:srgbClr val="000000"/>
-                      </a:solidFill>
-                      <a:prstDash val="solid"/>
-                      <a:round/>
-                      <a:headEnd type="none" w="med" len="med"/>
-                      <a:tailEnd type="none" w="med" len="med"/>
-                    </a:lnR>
-                    <a:lnT w="12700" cap="flat" cmpd="sng" algn="ctr">
-                      <a:solidFill>
-                        <a:srgbClr val="000000"/>
-                      </a:solidFill>
-                      <a:prstDash val="solid"/>
-                      <a:round/>
-                      <a:headEnd type="none" w="med" len="med"/>
-                      <a:tailEnd type="none" w="med" len="med"/>
-                    </a:lnT>
-                    <a:lnB w="12700" cap="flat" cmpd="sng" algn="ctr">
-                      <a:solidFill>
-                        <a:srgbClr val="000000"/>
-                      </a:solidFill>
-                      <a:prstDash val="solid"/>
-                      <a:round/>
-                      <a:headEnd type="none" w="med" len="med"/>
-                      <a:tailEnd type="none" w="med" len="med"/>
-                    </a:lnB>
-                  </a:tcPr>
-                </a:tc>
-                <a:tc>
-                  <a:txBody>
-                    <a:bodyPr/>
-                    <a:lstStyle/>
-                    <a:p>
-                      <a:pPr marL="0" marR="0" algn="just">
-                        <a:lnSpc>
-                          <a:spcPct val="150000"/>
-                        </a:lnSpc>
-                        <a:spcBef>
-                          <a:spcPts val="0"/>
-                        </a:spcBef>
-                        <a:spcAft>
-                          <a:spcPts val="1000"/>
-                        </a:spcAft>
-                      </a:pPr>
-                      <a:r>
-                        <a:rPr lang="en-US" sz="1200" dirty="0">
-                          <a:solidFill>
-                            <a:srgbClr val="000000"/>
-                          </a:solidFill>
-                          <a:latin typeface="Times New Roman"/>
-                          <a:ea typeface="Times New Roman"/>
-                          <a:cs typeface="Times New Roman"/>
-                        </a:rPr>
-                        <a:t>Infiniband @ 20Gbps</a:t>
-                      </a:r>
-                      <a:endParaRPr lang="en-US" sz="1200" dirty="0">
-                        <a:latin typeface="Times New Roman"/>
-                        <a:ea typeface="Times New Roman"/>
-                        <a:cs typeface="Times New Roman"/>
-                      </a:endParaRPr>
-                    </a:p>
-                  </a:txBody>
-                  <a:tcPr marL="67608" marR="67608" marT="0" marB="0">
-                    <a:lnL w="12700" cap="flat" cmpd="sng" algn="ctr">
-                      <a:solidFill>
-                        <a:srgbClr val="000000"/>
-                      </a:solidFill>
-                      <a:prstDash val="solid"/>
-                      <a:round/>
-                      <a:headEnd type="none" w="med" len="med"/>
-                      <a:tailEnd type="none" w="med" len="med"/>
-                    </a:lnL>
-                    <a:lnR w="12700" cap="flat" cmpd="sng" algn="ctr">
-                      <a:solidFill>
-                        <a:srgbClr val="000000"/>
-                      </a:solidFill>
-                      <a:prstDash val="solid"/>
-                      <a:round/>
-                      <a:headEnd type="none" w="med" len="med"/>
-                      <a:tailEnd type="none" w="med" len="med"/>
-                    </a:lnR>
-                    <a:lnT w="12700" cap="flat" cmpd="sng" algn="ctr">
-                      <a:solidFill>
-                        <a:srgbClr val="000000"/>
-                      </a:solidFill>
-                      <a:prstDash val="solid"/>
-                      <a:round/>
-                      <a:headEnd type="none" w="med" len="med"/>
-                      <a:tailEnd type="none" w="med" len="med"/>
-                    </a:lnT>
-                    <a:lnB w="12700" cap="flat" cmpd="sng" algn="ctr">
-                      <a:solidFill>
-                        <a:srgbClr val="000000"/>
-                      </a:solidFill>
-                      <a:prstDash val="solid"/>
-                      <a:round/>
-                      <a:headEnd type="none" w="med" len="med"/>
-                      <a:tailEnd type="none" w="med" len="med"/>
-                    </a:lnB>
-                  </a:tcPr>
-                </a:tc>
-              </a:tr>
-            </a:tbl>
-          </a:graphicData>
-        </a:graphic>
-      </p:graphicFrame>
+        </p:nvPicPr>
+        <p:blipFill>
+          <a:blip r:embed="rId2"/>
+          <a:srcRect/>
+          <a:stretch>
+            <a:fillRect/>
+          </a:stretch>
+        </p:blipFill>
+        <p:spPr bwMode="auto">
+          <a:xfrm>
+            <a:off x="3048000" y="4038600"/>
+            <a:ext cx="4902574" cy="2190750"/>
+          </a:xfrm>
+          <a:prstGeom prst="rect">
+            <a:avLst/>
+          </a:prstGeom>
+          <a:noFill/>
+          <a:ln w="9525">
+            <a:noFill/>
+            <a:miter lim="800000"/>
+            <a:headEnd/>
+            <a:tailEnd/>
+          </a:ln>
+        </p:spPr>
+      </p:pic>
+      <p:sp>
+        <p:nvSpPr>
+          <p:cNvPr id="6145" name="Rectangle 1"/>
+          <p:cNvSpPr>
+            <a:spLocks noChangeArrowheads="1"/>
+          </p:cNvSpPr>
+          <p:nvPr/>
+        </p:nvSpPr>
+        <p:spPr bwMode="auto">
+          <a:xfrm>
+            <a:off x="3352800" y="6248400"/>
+            <a:ext cx="4648200" cy="261610"/>
+          </a:xfrm>
+          <a:prstGeom prst="rect">
+            <a:avLst/>
+          </a:prstGeom>
+          <a:noFill/>
+          <a:ln w="9525">
+            <a:noFill/>
+            <a:miter lim="800000"/>
+            <a:headEnd/>
+            <a:tailEnd/>
+          </a:ln>
+          <a:effectLst/>
+        </p:spPr>
+        <p:txBody>
+          <a:bodyPr vert="horz" wrap="square" lIns="91440" tIns="45720" rIns="91440" bIns="45720" numCol="1" anchor="ctr" anchorCtr="0" compatLnSpc="1">
+            <a:prstTxWarp prst="textNoShape">
+              <a:avLst/>
+            </a:prstTxWarp>
+            <a:spAutoFit/>
+          </a:bodyPr>
+          <a:lstStyle/>
+          <a:p>
+            <a:pPr marL="0" marR="0" lvl="0" indent="0" defTabSz="914400" rtl="0" eaLnBrk="1" fontAlgn="base" latinLnBrk="0" hangingPunct="1">
+              <a:lnSpc>
+                <a:spcPct val="100000"/>
+              </a:lnSpc>
+              <a:spcBef>
+                <a:spcPct val="0"/>
+              </a:spcBef>
+              <a:spcAft>
+                <a:spcPct val="0"/>
+              </a:spcAft>
+              <a:buClrTx/>
+              <a:buSzTx/>
+              <a:buFontTx/>
+              <a:buNone/>
+              <a:tabLst/>
+            </a:pPr>
+            <a:r>
+              <a:rPr kumimoji="0" lang="en-US" sz="1100" b="1" i="0" u="none" strike="noStrike" cap="none" normalizeH="0" baseline="0" dirty="0" smtClean="0" bmk="_Toc229989871">
+                <a:ln>
+                  <a:noFill/>
+                </a:ln>
+                <a:solidFill>
+                  <a:srgbClr val="4F81BD"/>
+                </a:solidFill>
+                <a:effectLst/>
+                <a:latin typeface="Arial" pitchFamily="34" charset="0"/>
+                <a:ea typeface="Times New Roman" pitchFamily="18" charset="0"/>
+              </a:rPr>
+              <a:t> 3 x 3 PHOLD simulations on three compute nodes</a:t>
+            </a:r>
+            <a:endParaRPr kumimoji="0" lang="en-US" sz="1800" b="0" i="0" u="none" strike="noStrike" cap="none" normalizeH="0" baseline="0" dirty="0" smtClean="0">
+              <a:ln>
+                <a:noFill/>
+              </a:ln>
+              <a:solidFill>
+                <a:schemeClr val="tx1"/>
+              </a:solidFill>
+              <a:effectLst/>
+              <a:latin typeface="Arial" pitchFamily="34" charset="0"/>
+            </a:endParaRPr>
+          </a:p>
+        </p:txBody>
+      </p:sp>
     </p:spTree>
   </p:cSld>
   <p:clrMapOvr>
@@ -8460,110 +8149,22 @@
           <a:p>
             <a:r>
               <a:rPr lang="en-US" sz="1700" dirty="0" smtClean="0"/>
-              <a:t>Metrics used for analysis</a:t>
+              <a:t>Testing done on Miami’s Redhawk Cluster. </a:t>
             </a:r>
           </a:p>
           <a:p>
             <a:pPr lvl="1"/>
             <a:r>
-              <a:rPr lang="en-US" sz="1300" b="1" dirty="0" smtClean="0"/>
-              <a:t>Execution Time</a:t>
-            </a:r>
-          </a:p>
-          <a:p>
-            <a:pPr lvl="2"/>
-            <a:r>
-              <a:rPr lang="en-US" sz="1100" dirty="0" smtClean="0"/>
-              <a:t>Ts = time for serial version to execute</a:t>
-            </a:r>
-          </a:p>
-          <a:p>
-            <a:pPr lvl="2"/>
-            <a:r>
-              <a:rPr lang="en-US" sz="1100" dirty="0" smtClean="0"/>
-              <a:t>Tp = time for parallel version to execute</a:t>
-            </a:r>
-          </a:p>
-          <a:p>
-            <a:pPr lvl="2">
-              <a:buNone/>
-            </a:pPr>
-            <a:endParaRPr lang="en-US" sz="1100" dirty="0" smtClean="0"/>
-          </a:p>
-          <a:p>
-            <a:pPr lvl="1"/>
-            <a:r>
-              <a:rPr lang="en-US" sz="1200" b="1" dirty="0" smtClean="0"/>
-              <a:t>Speedup</a:t>
-            </a:r>
-          </a:p>
-          <a:p>
-            <a:pPr lvl="2"/>
-            <a:r>
-              <a:rPr lang="en-US" sz="1200" dirty="0" smtClean="0"/>
-              <a:t>Ts / Tp</a:t>
-            </a:r>
-          </a:p>
-          <a:p>
-            <a:pPr lvl="2">
-              <a:buNone/>
-            </a:pPr>
-            <a:endParaRPr lang="en-US" sz="1000" dirty="0" smtClean="0"/>
-          </a:p>
-          <a:p>
-            <a:pPr lvl="1"/>
-            <a:r>
-              <a:rPr lang="en-US" sz="1200" b="1" dirty="0" smtClean="0"/>
-              <a:t>Efficiency </a:t>
-            </a:r>
-          </a:p>
-          <a:p>
-            <a:pPr lvl="2"/>
-            <a:r>
-              <a:rPr lang="en-US" sz="1200" dirty="0" smtClean="0"/>
-              <a:t>Speedup </a:t>
-            </a:r>
-            <a:r>
-              <a:rPr lang="en-US" sz="1200" b="1" dirty="0" smtClean="0"/>
-              <a:t>/</a:t>
-            </a:r>
-            <a:r>
-              <a:rPr lang="en-US" sz="1200" dirty="0" smtClean="0"/>
-              <a:t> # of processing elements (compute nodes)</a:t>
-            </a:r>
-          </a:p>
-          <a:p>
-            <a:pPr lvl="2">
-              <a:buNone/>
-            </a:pPr>
-            <a:endParaRPr lang="en-US" sz="1200" dirty="0" smtClean="0"/>
-          </a:p>
-          <a:p>
-            <a:pPr lvl="1"/>
-            <a:r>
-              <a:rPr lang="en-US" sz="1200" b="1" dirty="0" smtClean="0"/>
-              <a:t>Scalability</a:t>
-            </a:r>
-          </a:p>
-          <a:p>
-            <a:pPr lvl="2"/>
-            <a:r>
-              <a:rPr lang="en-US" sz="1200" dirty="0" smtClean="0"/>
-              <a:t>Determined from observing efficiency.</a:t>
-            </a:r>
-          </a:p>
-          <a:p>
-            <a:pPr lvl="2"/>
-            <a:r>
-              <a:rPr lang="en-US" sz="1200" dirty="0" smtClean="0"/>
-              <a:t>If a parallel program can maintain an efficiency rate of above .85 as the processing elements and work load increase, then the parallel program is considered efficient.</a:t>
-            </a:r>
-          </a:p>
-          <a:p>
-            <a:pPr lvl="2">
-              <a:buNone/>
-            </a:pPr>
-            <a:endParaRPr lang="en-US" sz="1200" dirty="0" smtClean="0"/>
+              <a:rPr lang="en-US" sz="1300" dirty="0" smtClean="0"/>
+              <a:t>128 computes</a:t>
+            </a:r>
+          </a:p>
+          <a:p>
+            <a:r>
+              <a:rPr lang="en-US" sz="1700" dirty="0" smtClean="0"/>
+              <a:t>Each compute node has the following Specs:</a:t>
+            </a:r>
+            <a:endParaRPr lang="en-US" sz="1700" dirty="0"/>
           </a:p>
         </p:txBody>
       </p:sp>
@@ -8588,12 +8189,955 @@
             </a:r>
             <a:r>
               <a:rPr lang="en-US" sz="1800" dirty="0" smtClean="0"/>
-              <a:t>(3/11)</a:t>
+              <a:t>(2/12)</a:t>
             </a:r>
             <a:endParaRPr lang="en-US" dirty="0"/>
           </a:p>
         </p:txBody>
       </p:sp>
+      <p:graphicFrame>
+        <p:nvGraphicFramePr>
+          <p:cNvPr id="4" name="Table 3"/>
+          <p:cNvGraphicFramePr>
+            <a:graphicFrameLocks noGrp="1"/>
+          </p:cNvGraphicFramePr>
+          <p:nvPr/>
+        </p:nvGraphicFramePr>
+        <p:xfrm>
+          <a:off x="457200" y="2438400"/>
+          <a:ext cx="4495800" cy="2057399"/>
+        </p:xfrm>
+        <a:graphic>
+          <a:graphicData uri="http://schemas.openxmlformats.org/drawingml/2006/table">
+            <a:tbl>
+              <a:tblPr/>
+              <a:tblGrid>
+                <a:gridCol w="2743200"/>
+                <a:gridCol w="1752600"/>
+              </a:tblGrid>
+              <a:tr h="293914">
+                <a:tc>
+                  <a:txBody>
+                    <a:bodyPr/>
+                    <a:lstStyle/>
+                    <a:p>
+                      <a:pPr marL="0" marR="0" algn="just">
+                        <a:lnSpc>
+                          <a:spcPct val="150000"/>
+                        </a:lnSpc>
+                        <a:spcBef>
+                          <a:spcPts val="0"/>
+                        </a:spcBef>
+                        <a:spcAft>
+                          <a:spcPts val="1000"/>
+                        </a:spcAft>
+                      </a:pPr>
+                      <a:r>
+                        <a:rPr lang="en-US" sz="1200" dirty="0">
+                          <a:latin typeface="Times New Roman"/>
+                          <a:ea typeface="Times New Roman"/>
+                          <a:cs typeface="Times New Roman"/>
+                        </a:rPr>
+                        <a:t>Component</a:t>
+                      </a:r>
+                    </a:p>
+                  </a:txBody>
+                  <a:tcPr marL="67608" marR="67608" marT="0" marB="0">
+                    <a:lnL w="12700" cap="flat" cmpd="sng" algn="ctr">
+                      <a:solidFill>
+                        <a:srgbClr val="000000"/>
+                      </a:solidFill>
+                      <a:prstDash val="solid"/>
+                      <a:round/>
+                      <a:headEnd type="none" w="med" len="med"/>
+                      <a:tailEnd type="none" w="med" len="med"/>
+                    </a:lnL>
+                    <a:lnR w="12700" cap="flat" cmpd="sng" algn="ctr">
+                      <a:solidFill>
+                        <a:srgbClr val="000000"/>
+                      </a:solidFill>
+                      <a:prstDash val="solid"/>
+                      <a:round/>
+                      <a:headEnd type="none" w="med" len="med"/>
+                      <a:tailEnd type="none" w="med" len="med"/>
+                    </a:lnR>
+                    <a:lnT w="12700" cap="flat" cmpd="sng" algn="ctr">
+                      <a:solidFill>
+                        <a:srgbClr val="000000"/>
+                      </a:solidFill>
+                      <a:prstDash val="solid"/>
+                      <a:round/>
+                      <a:headEnd type="none" w="med" len="med"/>
+                      <a:tailEnd type="none" w="med" len="med"/>
+                    </a:lnT>
+                    <a:lnB w="12700" cap="flat" cmpd="sng" algn="ctr">
+                      <a:solidFill>
+                        <a:srgbClr val="000000"/>
+                      </a:solidFill>
+                      <a:prstDash val="solid"/>
+                      <a:round/>
+                      <a:headEnd type="none" w="med" len="med"/>
+                      <a:tailEnd type="none" w="med" len="med"/>
+                    </a:lnB>
+                    <a:solidFill>
+                      <a:srgbClr val="D9D9D9"/>
+                    </a:solidFill>
+                  </a:tcPr>
+                </a:tc>
+                <a:tc>
+                  <a:txBody>
+                    <a:bodyPr/>
+                    <a:lstStyle/>
+                    <a:p>
+                      <a:pPr marL="0" marR="0" algn="just">
+                        <a:lnSpc>
+                          <a:spcPct val="150000"/>
+                        </a:lnSpc>
+                        <a:spcBef>
+                          <a:spcPts val="0"/>
+                        </a:spcBef>
+                        <a:spcAft>
+                          <a:spcPts val="1000"/>
+                        </a:spcAft>
+                      </a:pPr>
+                      <a:r>
+                        <a:rPr lang="en-US" sz="1200">
+                          <a:solidFill>
+                            <a:srgbClr val="000000"/>
+                          </a:solidFill>
+                          <a:latin typeface="Times New Roman"/>
+                          <a:ea typeface="Times New Roman"/>
+                          <a:cs typeface="Times New Roman"/>
+                        </a:rPr>
+                        <a:t>Details</a:t>
+                      </a:r>
+                      <a:endParaRPr lang="en-US" sz="1200">
+                        <a:latin typeface="Times New Roman"/>
+                        <a:ea typeface="Times New Roman"/>
+                        <a:cs typeface="Times New Roman"/>
+                      </a:endParaRPr>
+                    </a:p>
+                  </a:txBody>
+                  <a:tcPr marL="67608" marR="67608" marT="0" marB="0">
+                    <a:lnL w="12700" cap="flat" cmpd="sng" algn="ctr">
+                      <a:solidFill>
+                        <a:srgbClr val="000000"/>
+                      </a:solidFill>
+                      <a:prstDash val="solid"/>
+                      <a:round/>
+                      <a:headEnd type="none" w="med" len="med"/>
+                      <a:tailEnd type="none" w="med" len="med"/>
+                    </a:lnL>
+                    <a:lnR w="12700" cap="flat" cmpd="sng" algn="ctr">
+                      <a:solidFill>
+                        <a:srgbClr val="000000"/>
+                      </a:solidFill>
+                      <a:prstDash val="solid"/>
+                      <a:round/>
+                      <a:headEnd type="none" w="med" len="med"/>
+                      <a:tailEnd type="none" w="med" len="med"/>
+                    </a:lnR>
+                    <a:lnT w="12700" cap="flat" cmpd="sng" algn="ctr">
+                      <a:solidFill>
+                        <a:srgbClr val="000000"/>
+                      </a:solidFill>
+                      <a:prstDash val="solid"/>
+                      <a:round/>
+                      <a:headEnd type="none" w="med" len="med"/>
+                      <a:tailEnd type="none" w="med" len="med"/>
+                    </a:lnT>
+                    <a:lnB w="12700" cap="flat" cmpd="sng" algn="ctr">
+                      <a:solidFill>
+                        <a:srgbClr val="000000"/>
+                      </a:solidFill>
+                      <a:prstDash val="solid"/>
+                      <a:round/>
+                      <a:headEnd type="none" w="med" len="med"/>
+                      <a:tailEnd type="none" w="med" len="med"/>
+                    </a:lnB>
+                    <a:solidFill>
+                      <a:srgbClr val="D9D9D9"/>
+                    </a:solidFill>
+                  </a:tcPr>
+                </a:tc>
+              </a:tr>
+              <a:tr h="293914">
+                <a:tc>
+                  <a:txBody>
+                    <a:bodyPr/>
+                    <a:lstStyle/>
+                    <a:p>
+                      <a:pPr marL="0" marR="0" algn="just">
+                        <a:lnSpc>
+                          <a:spcPct val="150000"/>
+                        </a:lnSpc>
+                        <a:spcBef>
+                          <a:spcPts val="0"/>
+                        </a:spcBef>
+                        <a:spcAft>
+                          <a:spcPts val="1000"/>
+                        </a:spcAft>
+                      </a:pPr>
+                      <a:r>
+                        <a:rPr lang="en-US" sz="1200">
+                          <a:solidFill>
+                            <a:srgbClr val="000000"/>
+                          </a:solidFill>
+                          <a:latin typeface="Times New Roman"/>
+                          <a:ea typeface="Times New Roman"/>
+                          <a:cs typeface="Times New Roman"/>
+                        </a:rPr>
+                        <a:t>CPU Model</a:t>
+                      </a:r>
+                      <a:endParaRPr lang="en-US" sz="1200">
+                        <a:latin typeface="Times New Roman"/>
+                        <a:ea typeface="Times New Roman"/>
+                        <a:cs typeface="Times New Roman"/>
+                      </a:endParaRPr>
+                    </a:p>
+                  </a:txBody>
+                  <a:tcPr marL="67608" marR="67608" marT="0" marB="0">
+                    <a:lnL w="12700" cap="flat" cmpd="sng" algn="ctr">
+                      <a:solidFill>
+                        <a:srgbClr val="000000"/>
+                      </a:solidFill>
+                      <a:prstDash val="solid"/>
+                      <a:round/>
+                      <a:headEnd type="none" w="med" len="med"/>
+                      <a:tailEnd type="none" w="med" len="med"/>
+                    </a:lnL>
+                    <a:lnR w="12700" cap="flat" cmpd="sng" algn="ctr">
+                      <a:solidFill>
+                        <a:srgbClr val="000000"/>
+                      </a:solidFill>
+                      <a:prstDash val="solid"/>
+                      <a:round/>
+                      <a:headEnd type="none" w="med" len="med"/>
+                      <a:tailEnd type="none" w="med" len="med"/>
+                    </a:lnR>
+                    <a:lnT w="12700" cap="flat" cmpd="sng" algn="ctr">
+                      <a:solidFill>
+                        <a:srgbClr val="000000"/>
+                      </a:solidFill>
+                      <a:prstDash val="solid"/>
+                      <a:round/>
+                      <a:headEnd type="none" w="med" len="med"/>
+                      <a:tailEnd type="none" w="med" len="med"/>
+                    </a:lnT>
+                    <a:lnB w="12700" cap="flat" cmpd="sng" algn="ctr">
+                      <a:solidFill>
+                        <a:srgbClr val="000000"/>
+                      </a:solidFill>
+                      <a:prstDash val="solid"/>
+                      <a:round/>
+                      <a:headEnd type="none" w="med" len="med"/>
+                      <a:tailEnd type="none" w="med" len="med"/>
+                    </a:lnB>
+                  </a:tcPr>
+                </a:tc>
+                <a:tc>
+                  <a:txBody>
+                    <a:bodyPr/>
+                    <a:lstStyle/>
+                    <a:p>
+                      <a:pPr marL="0" marR="0" algn="just">
+                        <a:lnSpc>
+                          <a:spcPct val="150000"/>
+                        </a:lnSpc>
+                        <a:spcBef>
+                          <a:spcPts val="0"/>
+                        </a:spcBef>
+                        <a:spcAft>
+                          <a:spcPts val="1000"/>
+                        </a:spcAft>
+                      </a:pPr>
+                      <a:r>
+                        <a:rPr lang="en-US" sz="1200">
+                          <a:solidFill>
+                            <a:srgbClr val="000000"/>
+                          </a:solidFill>
+                          <a:latin typeface="Times New Roman"/>
+                          <a:ea typeface="Times New Roman"/>
+                          <a:cs typeface="Times New Roman"/>
+                        </a:rPr>
+                        <a:t>Intel Xeon (x2)</a:t>
+                      </a:r>
+                      <a:endParaRPr lang="en-US" sz="1200">
+                        <a:latin typeface="Times New Roman"/>
+                        <a:ea typeface="Times New Roman"/>
+                        <a:cs typeface="Times New Roman"/>
+                      </a:endParaRPr>
+                    </a:p>
+                  </a:txBody>
+                  <a:tcPr marL="67608" marR="67608" marT="0" marB="0">
+                    <a:lnL w="12700" cap="flat" cmpd="sng" algn="ctr">
+                      <a:solidFill>
+                        <a:srgbClr val="000000"/>
+                      </a:solidFill>
+                      <a:prstDash val="solid"/>
+                      <a:round/>
+                      <a:headEnd type="none" w="med" len="med"/>
+                      <a:tailEnd type="none" w="med" len="med"/>
+                    </a:lnL>
+                    <a:lnR w="12700" cap="flat" cmpd="sng" algn="ctr">
+                      <a:solidFill>
+                        <a:srgbClr val="000000"/>
+                      </a:solidFill>
+                      <a:prstDash val="solid"/>
+                      <a:round/>
+                      <a:headEnd type="none" w="med" len="med"/>
+                      <a:tailEnd type="none" w="med" len="med"/>
+                    </a:lnR>
+                    <a:lnT w="12700" cap="flat" cmpd="sng" algn="ctr">
+                      <a:solidFill>
+                        <a:srgbClr val="000000"/>
+                      </a:solidFill>
+                      <a:prstDash val="solid"/>
+                      <a:round/>
+                      <a:headEnd type="none" w="med" len="med"/>
+                      <a:tailEnd type="none" w="med" len="med"/>
+                    </a:lnT>
+                    <a:lnB w="12700" cap="flat" cmpd="sng" algn="ctr">
+                      <a:solidFill>
+                        <a:srgbClr val="000000"/>
+                      </a:solidFill>
+                      <a:prstDash val="solid"/>
+                      <a:round/>
+                      <a:headEnd type="none" w="med" len="med"/>
+                      <a:tailEnd type="none" w="med" len="med"/>
+                    </a:lnB>
+                  </a:tcPr>
+                </a:tc>
+              </a:tr>
+              <a:tr h="293914">
+                <a:tc>
+                  <a:txBody>
+                    <a:bodyPr/>
+                    <a:lstStyle/>
+                    <a:p>
+                      <a:pPr marL="0" marR="0" algn="just">
+                        <a:lnSpc>
+                          <a:spcPct val="150000"/>
+                        </a:lnSpc>
+                        <a:spcBef>
+                          <a:spcPts val="0"/>
+                        </a:spcBef>
+                        <a:spcAft>
+                          <a:spcPts val="1000"/>
+                        </a:spcAft>
+                      </a:pPr>
+                      <a:r>
+                        <a:rPr lang="en-US" sz="1200">
+                          <a:solidFill>
+                            <a:srgbClr val="000000"/>
+                          </a:solidFill>
+                          <a:latin typeface="Times New Roman"/>
+                          <a:ea typeface="Times New Roman"/>
+                          <a:cs typeface="Times New Roman"/>
+                        </a:rPr>
+                        <a:t>CPU/Core Speed</a:t>
+                      </a:r>
+                      <a:endParaRPr lang="en-US" sz="1200">
+                        <a:latin typeface="Times New Roman"/>
+                        <a:ea typeface="Times New Roman"/>
+                        <a:cs typeface="Times New Roman"/>
+                      </a:endParaRPr>
+                    </a:p>
+                  </a:txBody>
+                  <a:tcPr marL="67608" marR="67608" marT="0" marB="0">
+                    <a:lnL w="12700" cap="flat" cmpd="sng" algn="ctr">
+                      <a:solidFill>
+                        <a:srgbClr val="000000"/>
+                      </a:solidFill>
+                      <a:prstDash val="solid"/>
+                      <a:round/>
+                      <a:headEnd type="none" w="med" len="med"/>
+                      <a:tailEnd type="none" w="med" len="med"/>
+                    </a:lnL>
+                    <a:lnR w="12700" cap="flat" cmpd="sng" algn="ctr">
+                      <a:solidFill>
+                        <a:srgbClr val="000000"/>
+                      </a:solidFill>
+                      <a:prstDash val="solid"/>
+                      <a:round/>
+                      <a:headEnd type="none" w="med" len="med"/>
+                      <a:tailEnd type="none" w="med" len="med"/>
+                    </a:lnR>
+                    <a:lnT w="12700" cap="flat" cmpd="sng" algn="ctr">
+                      <a:solidFill>
+                        <a:srgbClr val="000000"/>
+                      </a:solidFill>
+                      <a:prstDash val="solid"/>
+                      <a:round/>
+                      <a:headEnd type="none" w="med" len="med"/>
+                      <a:tailEnd type="none" w="med" len="med"/>
+                    </a:lnT>
+                    <a:lnB w="12700" cap="flat" cmpd="sng" algn="ctr">
+                      <a:solidFill>
+                        <a:srgbClr val="000000"/>
+                      </a:solidFill>
+                      <a:prstDash val="solid"/>
+                      <a:round/>
+                      <a:headEnd type="none" w="med" len="med"/>
+                      <a:tailEnd type="none" w="med" len="med"/>
+                    </a:lnB>
+                  </a:tcPr>
+                </a:tc>
+                <a:tc>
+                  <a:txBody>
+                    <a:bodyPr/>
+                    <a:lstStyle/>
+                    <a:p>
+                      <a:pPr marL="0" marR="0" algn="just">
+                        <a:lnSpc>
+                          <a:spcPct val="150000"/>
+                        </a:lnSpc>
+                        <a:spcBef>
+                          <a:spcPts val="0"/>
+                        </a:spcBef>
+                        <a:spcAft>
+                          <a:spcPts val="1000"/>
+                        </a:spcAft>
+                      </a:pPr>
+                      <a:r>
+                        <a:rPr lang="en-US" sz="1200">
+                          <a:solidFill>
+                            <a:srgbClr val="000000"/>
+                          </a:solidFill>
+                          <a:latin typeface="Times New Roman"/>
+                          <a:ea typeface="Times New Roman"/>
+                          <a:cs typeface="Times New Roman"/>
+                        </a:rPr>
+                        <a:t>3.0 GHz (x2)</a:t>
+                      </a:r>
+                      <a:endParaRPr lang="en-US" sz="1200">
+                        <a:latin typeface="Times New Roman"/>
+                        <a:ea typeface="Times New Roman"/>
+                        <a:cs typeface="Times New Roman"/>
+                      </a:endParaRPr>
+                    </a:p>
+                  </a:txBody>
+                  <a:tcPr marL="67608" marR="67608" marT="0" marB="0">
+                    <a:lnL w="12700" cap="flat" cmpd="sng" algn="ctr">
+                      <a:solidFill>
+                        <a:srgbClr val="000000"/>
+                      </a:solidFill>
+                      <a:prstDash val="solid"/>
+                      <a:round/>
+                      <a:headEnd type="none" w="med" len="med"/>
+                      <a:tailEnd type="none" w="med" len="med"/>
+                    </a:lnL>
+                    <a:lnR w="12700" cap="flat" cmpd="sng" algn="ctr">
+                      <a:solidFill>
+                        <a:srgbClr val="000000"/>
+                      </a:solidFill>
+                      <a:prstDash val="solid"/>
+                      <a:round/>
+                      <a:headEnd type="none" w="med" len="med"/>
+                      <a:tailEnd type="none" w="med" len="med"/>
+                    </a:lnR>
+                    <a:lnT w="12700" cap="flat" cmpd="sng" algn="ctr">
+                      <a:solidFill>
+                        <a:srgbClr val="000000"/>
+                      </a:solidFill>
+                      <a:prstDash val="solid"/>
+                      <a:round/>
+                      <a:headEnd type="none" w="med" len="med"/>
+                      <a:tailEnd type="none" w="med" len="med"/>
+                    </a:lnT>
+                    <a:lnB w="12700" cap="flat" cmpd="sng" algn="ctr">
+                      <a:solidFill>
+                        <a:srgbClr val="000000"/>
+                      </a:solidFill>
+                      <a:prstDash val="solid"/>
+                      <a:round/>
+                      <a:headEnd type="none" w="med" len="med"/>
+                      <a:tailEnd type="none" w="med" len="med"/>
+                    </a:lnB>
+                  </a:tcPr>
+                </a:tc>
+              </a:tr>
+              <a:tr h="293914">
+                <a:tc>
+                  <a:txBody>
+                    <a:bodyPr/>
+                    <a:lstStyle/>
+                    <a:p>
+                      <a:pPr marL="0" marR="0" algn="just">
+                        <a:lnSpc>
+                          <a:spcPct val="150000"/>
+                        </a:lnSpc>
+                        <a:spcBef>
+                          <a:spcPts val="0"/>
+                        </a:spcBef>
+                        <a:spcAft>
+                          <a:spcPts val="1000"/>
+                        </a:spcAft>
+                      </a:pPr>
+                      <a:r>
+                        <a:rPr lang="en-US" sz="1200">
+                          <a:solidFill>
+                            <a:srgbClr val="000000"/>
+                          </a:solidFill>
+                          <a:latin typeface="Times New Roman"/>
+                          <a:ea typeface="Times New Roman"/>
+                          <a:cs typeface="Times New Roman"/>
+                        </a:rPr>
+                        <a:t>Main Memory (RAM) size</a:t>
+                      </a:r>
+                      <a:endParaRPr lang="en-US" sz="1200">
+                        <a:latin typeface="Times New Roman"/>
+                        <a:ea typeface="Times New Roman"/>
+                        <a:cs typeface="Times New Roman"/>
+                      </a:endParaRPr>
+                    </a:p>
+                  </a:txBody>
+                  <a:tcPr marL="67608" marR="67608" marT="0" marB="0">
+                    <a:lnL w="12700" cap="flat" cmpd="sng" algn="ctr">
+                      <a:solidFill>
+                        <a:srgbClr val="000000"/>
+                      </a:solidFill>
+                      <a:prstDash val="solid"/>
+                      <a:round/>
+                      <a:headEnd type="none" w="med" len="med"/>
+                      <a:tailEnd type="none" w="med" len="med"/>
+                    </a:lnL>
+                    <a:lnR w="12700" cap="flat" cmpd="sng" algn="ctr">
+                      <a:solidFill>
+                        <a:srgbClr val="000000"/>
+                      </a:solidFill>
+                      <a:prstDash val="solid"/>
+                      <a:round/>
+                      <a:headEnd type="none" w="med" len="med"/>
+                      <a:tailEnd type="none" w="med" len="med"/>
+                    </a:lnR>
+                    <a:lnT w="12700" cap="flat" cmpd="sng" algn="ctr">
+                      <a:solidFill>
+                        <a:srgbClr val="000000"/>
+                      </a:solidFill>
+                      <a:prstDash val="solid"/>
+                      <a:round/>
+                      <a:headEnd type="none" w="med" len="med"/>
+                      <a:tailEnd type="none" w="med" len="med"/>
+                    </a:lnT>
+                    <a:lnB w="12700" cap="flat" cmpd="sng" algn="ctr">
+                      <a:solidFill>
+                        <a:srgbClr val="000000"/>
+                      </a:solidFill>
+                      <a:prstDash val="solid"/>
+                      <a:round/>
+                      <a:headEnd type="none" w="med" len="med"/>
+                      <a:tailEnd type="none" w="med" len="med"/>
+                    </a:lnB>
+                  </a:tcPr>
+                </a:tc>
+                <a:tc>
+                  <a:txBody>
+                    <a:bodyPr/>
+                    <a:lstStyle/>
+                    <a:p>
+                      <a:pPr marL="0" marR="0" algn="just">
+                        <a:lnSpc>
+                          <a:spcPct val="150000"/>
+                        </a:lnSpc>
+                        <a:spcBef>
+                          <a:spcPts val="0"/>
+                        </a:spcBef>
+                        <a:spcAft>
+                          <a:spcPts val="1000"/>
+                        </a:spcAft>
+                      </a:pPr>
+                      <a:r>
+                        <a:rPr lang="en-US" sz="1200">
+                          <a:solidFill>
+                            <a:srgbClr val="000000"/>
+                          </a:solidFill>
+                          <a:latin typeface="Times New Roman"/>
+                          <a:ea typeface="Times New Roman"/>
+                          <a:cs typeface="Times New Roman"/>
+                        </a:rPr>
+                        <a:t>4 GB</a:t>
+                      </a:r>
+                      <a:endParaRPr lang="en-US" sz="1200">
+                        <a:latin typeface="Times New Roman"/>
+                        <a:ea typeface="Times New Roman"/>
+                        <a:cs typeface="Times New Roman"/>
+                      </a:endParaRPr>
+                    </a:p>
+                  </a:txBody>
+                  <a:tcPr marL="67608" marR="67608" marT="0" marB="0">
+                    <a:lnL w="12700" cap="flat" cmpd="sng" algn="ctr">
+                      <a:solidFill>
+                        <a:srgbClr val="000000"/>
+                      </a:solidFill>
+                      <a:prstDash val="solid"/>
+                      <a:round/>
+                      <a:headEnd type="none" w="med" len="med"/>
+                      <a:tailEnd type="none" w="med" len="med"/>
+                    </a:lnL>
+                    <a:lnR w="12700" cap="flat" cmpd="sng" algn="ctr">
+                      <a:solidFill>
+                        <a:srgbClr val="000000"/>
+                      </a:solidFill>
+                      <a:prstDash val="solid"/>
+                      <a:round/>
+                      <a:headEnd type="none" w="med" len="med"/>
+                      <a:tailEnd type="none" w="med" len="med"/>
+                    </a:lnR>
+                    <a:lnT w="12700" cap="flat" cmpd="sng" algn="ctr">
+                      <a:solidFill>
+                        <a:srgbClr val="000000"/>
+                      </a:solidFill>
+                      <a:prstDash val="solid"/>
+                      <a:round/>
+                      <a:headEnd type="none" w="med" len="med"/>
+                      <a:tailEnd type="none" w="med" len="med"/>
+                    </a:lnT>
+                    <a:lnB w="12700" cap="flat" cmpd="sng" algn="ctr">
+                      <a:solidFill>
+                        <a:srgbClr val="000000"/>
+                      </a:solidFill>
+                      <a:prstDash val="solid"/>
+                      <a:round/>
+                      <a:headEnd type="none" w="med" len="med"/>
+                      <a:tailEnd type="none" w="med" len="med"/>
+                    </a:lnB>
+                  </a:tcPr>
+                </a:tc>
+              </a:tr>
+              <a:tr h="293914">
+                <a:tc>
+                  <a:txBody>
+                    <a:bodyPr/>
+                    <a:lstStyle/>
+                    <a:p>
+                      <a:pPr marL="0" marR="0" algn="just">
+                        <a:lnSpc>
+                          <a:spcPct val="150000"/>
+                        </a:lnSpc>
+                        <a:spcBef>
+                          <a:spcPts val="0"/>
+                        </a:spcBef>
+                        <a:spcAft>
+                          <a:spcPts val="1000"/>
+                        </a:spcAft>
+                      </a:pPr>
+                      <a:r>
+                        <a:rPr lang="en-US" sz="1200">
+                          <a:solidFill>
+                            <a:srgbClr val="000000"/>
+                          </a:solidFill>
+                          <a:latin typeface="Times New Roman"/>
+                          <a:ea typeface="Times New Roman"/>
+                          <a:cs typeface="Times New Roman"/>
+                        </a:rPr>
+                        <a:t>Operating system used</a:t>
+                      </a:r>
+                      <a:endParaRPr lang="en-US" sz="1200">
+                        <a:latin typeface="Times New Roman"/>
+                        <a:ea typeface="Times New Roman"/>
+                        <a:cs typeface="Times New Roman"/>
+                      </a:endParaRPr>
+                    </a:p>
+                  </a:txBody>
+                  <a:tcPr marL="67608" marR="67608" marT="0" marB="0">
+                    <a:lnL w="12700" cap="flat" cmpd="sng" algn="ctr">
+                      <a:solidFill>
+                        <a:srgbClr val="000000"/>
+                      </a:solidFill>
+                      <a:prstDash val="solid"/>
+                      <a:round/>
+                      <a:headEnd type="none" w="med" len="med"/>
+                      <a:tailEnd type="none" w="med" len="med"/>
+                    </a:lnL>
+                    <a:lnR w="12700" cap="flat" cmpd="sng" algn="ctr">
+                      <a:solidFill>
+                        <a:srgbClr val="000000"/>
+                      </a:solidFill>
+                      <a:prstDash val="solid"/>
+                      <a:round/>
+                      <a:headEnd type="none" w="med" len="med"/>
+                      <a:tailEnd type="none" w="med" len="med"/>
+                    </a:lnR>
+                    <a:lnT w="12700" cap="flat" cmpd="sng" algn="ctr">
+                      <a:solidFill>
+                        <a:srgbClr val="000000"/>
+                      </a:solidFill>
+                      <a:prstDash val="solid"/>
+                      <a:round/>
+                      <a:headEnd type="none" w="med" len="med"/>
+                      <a:tailEnd type="none" w="med" len="med"/>
+                    </a:lnT>
+                    <a:lnB w="12700" cap="flat" cmpd="sng" algn="ctr">
+                      <a:solidFill>
+                        <a:srgbClr val="000000"/>
+                      </a:solidFill>
+                      <a:prstDash val="solid"/>
+                      <a:round/>
+                      <a:headEnd type="none" w="med" len="med"/>
+                      <a:tailEnd type="none" w="med" len="med"/>
+                    </a:lnB>
+                  </a:tcPr>
+                </a:tc>
+                <a:tc>
+                  <a:txBody>
+                    <a:bodyPr/>
+                    <a:lstStyle/>
+                    <a:p>
+                      <a:pPr marL="0" marR="0" algn="just">
+                        <a:lnSpc>
+                          <a:spcPct val="150000"/>
+                        </a:lnSpc>
+                        <a:spcBef>
+                          <a:spcPts val="0"/>
+                        </a:spcBef>
+                        <a:spcAft>
+                          <a:spcPts val="1000"/>
+                        </a:spcAft>
+                      </a:pPr>
+                      <a:r>
+                        <a:rPr lang="en-US" sz="1200" dirty="0">
+                          <a:solidFill>
+                            <a:srgbClr val="000000"/>
+                          </a:solidFill>
+                          <a:latin typeface="Times New Roman"/>
+                          <a:ea typeface="Times New Roman"/>
+                          <a:cs typeface="Times New Roman"/>
+                        </a:rPr>
+                        <a:t>Linux 2.6.9-22.ELsmp</a:t>
+                      </a:r>
+                      <a:endParaRPr lang="en-US" sz="1200" dirty="0">
+                        <a:latin typeface="Times New Roman"/>
+                        <a:ea typeface="Times New Roman"/>
+                        <a:cs typeface="Times New Roman"/>
+                      </a:endParaRPr>
+                    </a:p>
+                  </a:txBody>
+                  <a:tcPr marL="67608" marR="67608" marT="0" marB="0">
+                    <a:lnL w="12700" cap="flat" cmpd="sng" algn="ctr">
+                      <a:solidFill>
+                        <a:srgbClr val="000000"/>
+                      </a:solidFill>
+                      <a:prstDash val="solid"/>
+                      <a:round/>
+                      <a:headEnd type="none" w="med" len="med"/>
+                      <a:tailEnd type="none" w="med" len="med"/>
+                    </a:lnL>
+                    <a:lnR w="12700" cap="flat" cmpd="sng" algn="ctr">
+                      <a:solidFill>
+                        <a:srgbClr val="000000"/>
+                      </a:solidFill>
+                      <a:prstDash val="solid"/>
+                      <a:round/>
+                      <a:headEnd type="none" w="med" len="med"/>
+                      <a:tailEnd type="none" w="med" len="med"/>
+                    </a:lnR>
+                    <a:lnT w="12700" cap="flat" cmpd="sng" algn="ctr">
+                      <a:solidFill>
+                        <a:srgbClr val="000000"/>
+                      </a:solidFill>
+                      <a:prstDash val="solid"/>
+                      <a:round/>
+                      <a:headEnd type="none" w="med" len="med"/>
+                      <a:tailEnd type="none" w="med" len="med"/>
+                    </a:lnT>
+                    <a:lnB w="12700" cap="flat" cmpd="sng" algn="ctr">
+                      <a:solidFill>
+                        <a:srgbClr val="000000"/>
+                      </a:solidFill>
+                      <a:prstDash val="solid"/>
+                      <a:round/>
+                      <a:headEnd type="none" w="med" len="med"/>
+                      <a:tailEnd type="none" w="med" len="med"/>
+                    </a:lnB>
+                  </a:tcPr>
+                </a:tc>
+              </a:tr>
+              <a:tr h="587829">
+                <a:tc>
+                  <a:txBody>
+                    <a:bodyPr/>
+                    <a:lstStyle/>
+                    <a:p>
+                      <a:pPr marL="0" marR="0" algn="just">
+                        <a:lnSpc>
+                          <a:spcPct val="150000"/>
+                        </a:lnSpc>
+                        <a:spcBef>
+                          <a:spcPts val="0"/>
+                        </a:spcBef>
+                        <a:spcAft>
+                          <a:spcPts val="1000"/>
+                        </a:spcAft>
+                      </a:pPr>
+                      <a:r>
+                        <a:rPr lang="en-US" sz="1200">
+                          <a:solidFill>
+                            <a:srgbClr val="000000"/>
+                          </a:solidFill>
+                          <a:latin typeface="Times New Roman"/>
+                          <a:ea typeface="Times New Roman"/>
+                          <a:cs typeface="Times New Roman"/>
+                        </a:rPr>
+                        <a:t>Interconnect type &amp; speed (if applicable)</a:t>
+                      </a:r>
+                      <a:endParaRPr lang="en-US" sz="1200">
+                        <a:latin typeface="Times New Roman"/>
+                        <a:ea typeface="Times New Roman"/>
+                        <a:cs typeface="Times New Roman"/>
+                      </a:endParaRPr>
+                    </a:p>
+                  </a:txBody>
+                  <a:tcPr marL="67608" marR="67608" marT="0" marB="0">
+                    <a:lnL w="12700" cap="flat" cmpd="sng" algn="ctr">
+                      <a:solidFill>
+                        <a:srgbClr val="000000"/>
+                      </a:solidFill>
+                      <a:prstDash val="solid"/>
+                      <a:round/>
+                      <a:headEnd type="none" w="med" len="med"/>
+                      <a:tailEnd type="none" w="med" len="med"/>
+                    </a:lnL>
+                    <a:lnR w="12700" cap="flat" cmpd="sng" algn="ctr">
+                      <a:solidFill>
+                        <a:srgbClr val="000000"/>
+                      </a:solidFill>
+                      <a:prstDash val="solid"/>
+                      <a:round/>
+                      <a:headEnd type="none" w="med" len="med"/>
+                      <a:tailEnd type="none" w="med" len="med"/>
+                    </a:lnR>
+                    <a:lnT w="12700" cap="flat" cmpd="sng" algn="ctr">
+                      <a:solidFill>
+                        <a:srgbClr val="000000"/>
+                      </a:solidFill>
+                      <a:prstDash val="solid"/>
+                      <a:round/>
+                      <a:headEnd type="none" w="med" len="med"/>
+                      <a:tailEnd type="none" w="med" len="med"/>
+                    </a:lnT>
+                    <a:lnB w="12700" cap="flat" cmpd="sng" algn="ctr">
+                      <a:solidFill>
+                        <a:srgbClr val="000000"/>
+                      </a:solidFill>
+                      <a:prstDash val="solid"/>
+                      <a:round/>
+                      <a:headEnd type="none" w="med" len="med"/>
+                      <a:tailEnd type="none" w="med" len="med"/>
+                    </a:lnB>
+                  </a:tcPr>
+                </a:tc>
+                <a:tc>
+                  <a:txBody>
+                    <a:bodyPr/>
+                    <a:lstStyle/>
+                    <a:p>
+                      <a:pPr marL="0" marR="0" algn="just">
+                        <a:lnSpc>
+                          <a:spcPct val="150000"/>
+                        </a:lnSpc>
+                        <a:spcBef>
+                          <a:spcPts val="0"/>
+                        </a:spcBef>
+                        <a:spcAft>
+                          <a:spcPts val="1000"/>
+                        </a:spcAft>
+                      </a:pPr>
+                      <a:r>
+                        <a:rPr lang="en-US" sz="1200" dirty="0">
+                          <a:solidFill>
+                            <a:srgbClr val="000000"/>
+                          </a:solidFill>
+                          <a:latin typeface="Times New Roman"/>
+                          <a:ea typeface="Times New Roman"/>
+                          <a:cs typeface="Times New Roman"/>
+                        </a:rPr>
+                        <a:t>Infiniband @ 20Gbps</a:t>
+                      </a:r>
+                      <a:endParaRPr lang="en-US" sz="1200" dirty="0">
+                        <a:latin typeface="Times New Roman"/>
+                        <a:ea typeface="Times New Roman"/>
+                        <a:cs typeface="Times New Roman"/>
+                      </a:endParaRPr>
+                    </a:p>
+                  </a:txBody>
+                  <a:tcPr marL="67608" marR="67608" marT="0" marB="0">
+                    <a:lnL w="12700" cap="flat" cmpd="sng" algn="ctr">
+                      <a:solidFill>
+                        <a:srgbClr val="000000"/>
+                      </a:solidFill>
+                      <a:prstDash val="solid"/>
+                      <a:round/>
+                      <a:headEnd type="none" w="med" len="med"/>
+                      <a:tailEnd type="none" w="med" len="med"/>
+                    </a:lnL>
+                    <a:lnR w="12700" cap="flat" cmpd="sng" algn="ctr">
+                      <a:solidFill>
+                        <a:srgbClr val="000000"/>
+                      </a:solidFill>
+                      <a:prstDash val="solid"/>
+                      <a:round/>
+                      <a:headEnd type="none" w="med" len="med"/>
+                      <a:tailEnd type="none" w="med" len="med"/>
+                    </a:lnR>
+                    <a:lnT w="12700" cap="flat" cmpd="sng" algn="ctr">
+                      <a:solidFill>
+                        <a:srgbClr val="000000"/>
+                      </a:solidFill>
+                      <a:prstDash val="solid"/>
+                      <a:round/>
+                      <a:headEnd type="none" w="med" len="med"/>
+                      <a:tailEnd type="none" w="med" len="med"/>
+                    </a:lnT>
+                    <a:lnB w="12700" cap="flat" cmpd="sng" algn="ctr">
+                      <a:solidFill>
+                        <a:srgbClr val="000000"/>
+                      </a:solidFill>
+                      <a:prstDash val="solid"/>
+                      <a:round/>
+                      <a:headEnd type="none" w="med" len="med"/>
+                      <a:tailEnd type="none" w="med" len="med"/>
+                    </a:lnB>
+                  </a:tcPr>
+                </a:tc>
+              </a:tr>
+            </a:tbl>
+          </a:graphicData>
+        </a:graphic>
+      </p:graphicFrame>
+      <p:pic>
+        <p:nvPicPr>
+          <p:cNvPr id="2050" name="Picture 2"/>
+          <p:cNvPicPr>
+            <a:picLocks noChangeAspect="1" noChangeArrowheads="1"/>
+          </p:cNvPicPr>
+          <p:nvPr/>
+        </p:nvPicPr>
+        <p:blipFill>
+          <a:blip r:embed="rId3"/>
+          <a:srcRect/>
+          <a:stretch>
+            <a:fillRect/>
+          </a:stretch>
+        </p:blipFill>
+        <p:spPr bwMode="auto">
+          <a:xfrm>
+            <a:off x="5105400" y="2438400"/>
+            <a:ext cx="3922526" cy="3886200"/>
+          </a:xfrm>
+          <a:prstGeom prst="rect">
+            <a:avLst/>
+          </a:prstGeom>
+          <a:noFill/>
+          <a:ln w="9525">
+            <a:noFill/>
+            <a:miter lim="800000"/>
+            <a:headEnd/>
+            <a:tailEnd/>
+          </a:ln>
+          <a:effectLst/>
+        </p:spPr>
+      </p:pic>
     </p:spTree>
   </p:cSld>
   <p:clrMapOvr>
@@ -8645,101 +9189,104 @@
           <a:p>
             <a:r>
               <a:rPr lang="en-US" sz="1700" dirty="0" smtClean="0"/>
-              <a:t>Empirically evaluated MUSE to see how well it scaled and the efficiency of the framework.</a:t>
-            </a:r>
-          </a:p>
-          <a:p>
-            <a:pPr>
+              <a:t>Metrics used for analysis</a:t>
+            </a:r>
+          </a:p>
+          <a:p>
+            <a:pPr lvl="1"/>
+            <a:r>
+              <a:rPr lang="en-US" sz="1300" b="1" dirty="0" smtClean="0"/>
+              <a:t>Execution Time</a:t>
+            </a:r>
+          </a:p>
+          <a:p>
+            <a:pPr lvl="2"/>
+            <a:r>
+              <a:rPr lang="en-US" sz="1100" dirty="0" smtClean="0"/>
+              <a:t>Ts = time for serial version to execute</a:t>
+            </a:r>
+          </a:p>
+          <a:p>
+            <a:pPr lvl="2"/>
+            <a:r>
+              <a:rPr lang="en-US" sz="1100" dirty="0" smtClean="0"/>
+              <a:t>Tp = time for parallel version to execute</a:t>
+            </a:r>
+          </a:p>
+          <a:p>
+            <a:pPr lvl="2">
               <a:buNone/>
             </a:pPr>
-            <a:endParaRPr lang="en-US" sz="1700" dirty="0" smtClean="0"/>
-          </a:p>
-          <a:p>
-            <a:r>
-              <a:rPr lang="en-US" sz="1700" dirty="0" smtClean="0"/>
-              <a:t>Run PHOLD with the following variable settings</a:t>
-            </a:r>
+            <a:endParaRPr lang="en-US" sz="1100" dirty="0" smtClean="0"/>
           </a:p>
           <a:p>
             <a:pPr lvl="1"/>
             <a:r>
-              <a:rPr lang="en-US" sz="1300" dirty="0" smtClean="0"/>
-              <a:t>X = 512</a:t>
-            </a:r>
-          </a:p>
-          <a:p>
-            <a:pPr lvl="1"/>
-            <a:r>
-              <a:rPr lang="en-US" sz="1300" dirty="0" smtClean="0"/>
-              <a:t>Y = 512</a:t>
-            </a:r>
-          </a:p>
-          <a:p>
-            <a:pPr lvl="1"/>
-            <a:r>
-              <a:rPr lang="en-US" sz="1300" dirty="0" smtClean="0"/>
-              <a:t>N = 3</a:t>
-            </a:r>
-          </a:p>
-          <a:p>
-            <a:pPr lvl="1"/>
-            <a:r>
-              <a:rPr lang="en-US" sz="1300" dirty="0" smtClean="0"/>
-              <a:t>Delay = 10</a:t>
-            </a:r>
-          </a:p>
-          <a:p>
-            <a:pPr lvl="1"/>
-            <a:r>
-              <a:rPr lang="en-US" sz="1300" dirty="0" smtClean="0"/>
-              <a:t>Nodes = {1,2,4,8,16,32}</a:t>
-            </a:r>
-          </a:p>
-          <a:p>
-            <a:pPr lvl="1">
+              <a:rPr lang="en-US" sz="1200" b="1" dirty="0" smtClean="0"/>
+              <a:t>Speedup</a:t>
+            </a:r>
+          </a:p>
+          <a:p>
+            <a:pPr lvl="2"/>
+            <a:r>
+              <a:rPr lang="en-US" sz="1200" dirty="0" smtClean="0"/>
+              <a:t>Ts / Tp</a:t>
+            </a:r>
+          </a:p>
+          <a:p>
+            <a:pPr lvl="2">
               <a:buNone/>
             </a:pPr>
-            <a:endParaRPr lang="en-US" sz="1300" dirty="0" smtClean="0"/>
-          </a:p>
-          <a:p>
-            <a:r>
-              <a:rPr lang="en-US" sz="1700" dirty="0" smtClean="0"/>
-              <a:t>This setting is working with a little over a quarter of million agents</a:t>
-            </a:r>
+            <a:endParaRPr lang="en-US" sz="1000" dirty="0" smtClean="0"/>
           </a:p>
           <a:p>
             <a:pPr lvl="1"/>
             <a:r>
-              <a:rPr lang="en-US" sz="1300" dirty="0" smtClean="0"/>
-              <a:t>262,144 agents</a:t>
-            </a:r>
-          </a:p>
-          <a:p>
-            <a:pPr lvl="1">
+              <a:rPr lang="en-US" sz="1200" b="1" dirty="0" smtClean="0"/>
+              <a:t>Efficiency </a:t>
+            </a:r>
+          </a:p>
+          <a:p>
+            <a:pPr lvl="2"/>
+            <a:r>
+              <a:rPr lang="en-US" sz="1200" dirty="0" smtClean="0"/>
+              <a:t>Speedup </a:t>
+            </a:r>
+            <a:r>
+              <a:rPr lang="en-US" sz="1200" b="1" dirty="0" smtClean="0"/>
+              <a:t>/</a:t>
+            </a:r>
+            <a:r>
+              <a:rPr lang="en-US" sz="1200" dirty="0" smtClean="0"/>
+              <a:t> # of processing elements (compute nodes)</a:t>
+            </a:r>
+          </a:p>
+          <a:p>
+            <a:pPr lvl="2">
               <a:buNone/>
             </a:pPr>
-            <a:r>
-              <a:rPr lang="en-US" sz="1300" dirty="0" smtClean="0"/>
-              <a:t>	</a:t>
-            </a:r>
-          </a:p>
-          <a:p>
-            <a:pPr lvl="1">
-              <a:buNone/>
-            </a:pPr>
-            <a:endParaRPr lang="en-US" sz="1300" dirty="0" smtClean="0"/>
-          </a:p>
-          <a:p>
-            <a:r>
-              <a:rPr lang="en-US" sz="1700" dirty="0" smtClean="0"/>
-              <a:t>The simulation runs for 500 time steps.</a:t>
-            </a:r>
-          </a:p>
-          <a:p>
-            <a:pPr lvl="1">
-              <a:buNone/>
-            </a:pPr>
-            <a:endParaRPr lang="en-US" sz="1300" dirty="0" smtClean="0"/>
+            <a:endParaRPr lang="en-US" sz="1200" dirty="0" smtClean="0"/>
+          </a:p>
+          <a:p>
+            <a:pPr lvl="1"/>
+            <a:r>
+              <a:rPr lang="en-US" sz="1200" b="1" dirty="0" smtClean="0"/>
+              <a:t>Scalability</a:t>
+            </a:r>
+          </a:p>
+          <a:p>
+            <a:pPr lvl="2"/>
+            <a:r>
+              <a:rPr lang="en-US" sz="1200" dirty="0" smtClean="0"/>
+              <a:t>Determined from observing efficiency.</a:t>
+            </a:r>
+          </a:p>
+          <a:p>
+            <a:pPr lvl="2"/>
+            <a:r>
+              <a:rPr lang="en-US" sz="1200" dirty="0" smtClean="0"/>
+              <a:t>If a parallel program can maintain an efficiency rate of above .85 as the processing elements and work load increase, then the parallel program is considered efficient.</a:t>
+            </a:r>
           </a:p>
           <a:p>
             <a:pPr lvl="2">
@@ -8770,7 +9317,7 @@
             </a:r>
             <a:r>
               <a:rPr lang="en-US" sz="1800" dirty="0" smtClean="0"/>
-              <a:t>(4/11)</a:t>
+              <a:t>(3/12)</a:t>
             </a:r>
             <a:endParaRPr lang="en-US" dirty="0"/>
           </a:p>
@@ -8808,6 +9355,188 @@
           <a:chExt cx="0" cy="0"/>
         </a:xfrm>
       </p:grpSpPr>
+      <p:sp>
+        <p:nvSpPr>
+          <p:cNvPr id="2" name="Content Placeholder 1"/>
+          <p:cNvSpPr>
+            <a:spLocks noGrp="1"/>
+          </p:cNvSpPr>
+          <p:nvPr>
+            <p:ph idx="1"/>
+          </p:nvPr>
+        </p:nvSpPr>
+        <p:spPr/>
+        <p:txBody>
+          <a:bodyPr>
+            <a:normAutofit/>
+          </a:bodyPr>
+          <a:lstStyle/>
+          <a:p>
+            <a:r>
+              <a:rPr lang="en-US" sz="1700" dirty="0" smtClean="0"/>
+              <a:t>Empirically evaluated MUSE to see how well it scaled and the efficiency of the framework.</a:t>
+            </a:r>
+          </a:p>
+          <a:p>
+            <a:pPr>
+              <a:buNone/>
+            </a:pPr>
+            <a:endParaRPr lang="en-US" sz="1700" dirty="0" smtClean="0"/>
+          </a:p>
+          <a:p>
+            <a:r>
+              <a:rPr lang="en-US" sz="1700" dirty="0" smtClean="0"/>
+              <a:t>Run PHOLD with the following variable settings</a:t>
+            </a:r>
+          </a:p>
+          <a:p>
+            <a:pPr lvl="1"/>
+            <a:r>
+              <a:rPr lang="en-US" sz="1300" dirty="0" smtClean="0"/>
+              <a:t>X = 512</a:t>
+            </a:r>
+          </a:p>
+          <a:p>
+            <a:pPr lvl="1"/>
+            <a:r>
+              <a:rPr lang="en-US" sz="1300" dirty="0" smtClean="0"/>
+              <a:t>Y = 512</a:t>
+            </a:r>
+          </a:p>
+          <a:p>
+            <a:pPr lvl="1"/>
+            <a:r>
+              <a:rPr lang="en-US" sz="1300" dirty="0" smtClean="0"/>
+              <a:t>N = 3</a:t>
+            </a:r>
+          </a:p>
+          <a:p>
+            <a:pPr lvl="1"/>
+            <a:r>
+              <a:rPr lang="en-US" sz="1300" dirty="0" smtClean="0"/>
+              <a:t>Delay = 10</a:t>
+            </a:r>
+          </a:p>
+          <a:p>
+            <a:pPr lvl="1"/>
+            <a:r>
+              <a:rPr lang="en-US" sz="1300" dirty="0" smtClean="0"/>
+              <a:t>Nodes = {1,2,4,8,16,32}</a:t>
+            </a:r>
+          </a:p>
+          <a:p>
+            <a:pPr lvl="1">
+              <a:buNone/>
+            </a:pPr>
+            <a:endParaRPr lang="en-US" sz="1300" dirty="0" smtClean="0"/>
+          </a:p>
+          <a:p>
+            <a:r>
+              <a:rPr lang="en-US" sz="1700" dirty="0" smtClean="0"/>
+              <a:t>This setting is working with a little over a quarter of million agents</a:t>
+            </a:r>
+          </a:p>
+          <a:p>
+            <a:pPr lvl="1"/>
+            <a:r>
+              <a:rPr lang="en-US" sz="1300" dirty="0" smtClean="0"/>
+              <a:t>262,144 agents</a:t>
+            </a:r>
+          </a:p>
+          <a:p>
+            <a:pPr lvl="1">
+              <a:buNone/>
+            </a:pPr>
+            <a:r>
+              <a:rPr lang="en-US" sz="1300" dirty="0" smtClean="0"/>
+              <a:t>	</a:t>
+            </a:r>
+          </a:p>
+          <a:p>
+            <a:pPr lvl="1">
+              <a:buNone/>
+            </a:pPr>
+            <a:endParaRPr lang="en-US" sz="1300" dirty="0" smtClean="0"/>
+          </a:p>
+          <a:p>
+            <a:r>
+              <a:rPr lang="en-US" sz="1700" dirty="0" smtClean="0"/>
+              <a:t>The simulation runs for 500 time steps.</a:t>
+            </a:r>
+          </a:p>
+          <a:p>
+            <a:pPr lvl="1">
+              <a:buNone/>
+            </a:pPr>
+            <a:endParaRPr lang="en-US" sz="1300" dirty="0" smtClean="0"/>
+          </a:p>
+          <a:p>
+            <a:pPr lvl="2">
+              <a:buNone/>
+            </a:pPr>
+            <a:endParaRPr lang="en-US" sz="1200" dirty="0" smtClean="0"/>
+          </a:p>
+        </p:txBody>
+      </p:sp>
+      <p:sp>
+        <p:nvSpPr>
+          <p:cNvPr id="3" name="Title 2"/>
+          <p:cNvSpPr>
+            <a:spLocks noGrp="1"/>
+          </p:cNvSpPr>
+          <p:nvPr>
+            <p:ph type="title"/>
+          </p:nvPr>
+        </p:nvSpPr>
+        <p:spPr/>
+        <p:txBody>
+          <a:bodyPr/>
+          <a:lstStyle/>
+          <a:p>
+            <a:r>
+              <a:rPr lang="en-US" sz="3000" dirty="0" smtClean="0"/>
+              <a:t>Empirical Evaluation and Benchmarking</a:t>
+            </a:r>
+            <a:r>
+              <a:rPr lang="en-US" sz="1800" dirty="0" smtClean="0"/>
+              <a:t>(4/12)</a:t>
+            </a:r>
+            <a:endParaRPr lang="en-US" dirty="0"/>
+          </a:p>
+        </p:txBody>
+      </p:sp>
+    </p:spTree>
+  </p:cSld>
+  <p:clrMapOvr>
+    <a:masterClrMapping/>
+  </p:clrMapOvr>
+  <p:timing>
+    <p:tnLst>
+      <p:par>
+        <p:cTn id="1" dur="indefinite" restart="never" nodeType="tmRoot"/>
+      </p:par>
+    </p:tnLst>
+  </p:timing>
+</p:sld>
+</file>
+
+<file path=ppt/slides/slide14.xml><?xml version="1.0" encoding="utf-8"?>
+<p:sld xmlns:a="http://schemas.openxmlformats.org/drawingml/2006/main" xmlns:r="http://schemas.openxmlformats.org/officeDocument/2006/relationships" xmlns:p="http://schemas.openxmlformats.org/presentationml/2006/main">
+  <p:cSld>
+    <p:spTree>
+      <p:nvGrpSpPr>
+        <p:cNvPr id="1" name=""/>
+        <p:cNvGrpSpPr/>
+        <p:nvPr/>
+      </p:nvGrpSpPr>
+      <p:grpSpPr>
+        <a:xfrm>
+          <a:off x="0" y="0"/>
+          <a:ext cx="0" cy="0"/>
+          <a:chOff x="0" y="0"/>
+          <a:chExt cx="0" cy="0"/>
+        </a:xfrm>
+      </p:grpSpPr>
       <p:graphicFrame>
         <p:nvGraphicFramePr>
           <p:cNvPr id="4" name="Content Placeholder 3"/>
@@ -8820,7 +9549,7 @@
         </p:nvGraphicFramePr>
         <p:xfrm>
           <a:off x="533400" y="1371600"/>
-          <a:ext cx="6080760" cy="1964309"/>
+          <a:ext cx="6080760" cy="2194560"/>
         </p:xfrm>
         <a:graphic>
           <a:graphicData uri="http://schemas.openxmlformats.org/drawingml/2006/table">
@@ -11561,7 +12290,7 @@
             </a:r>
             <a:r>
               <a:rPr lang="en-US" sz="1800" dirty="0" smtClean="0"/>
-              <a:t>(5/11)</a:t>
+              <a:t>(5/12)</a:t>
             </a:r>
             <a:endParaRPr lang="en-US" dirty="0"/>
           </a:p>
@@ -11675,7 +12404,7 @@
 </p:sld>
 </file>
 
-<file path=ppt/slides/slide14.xml><?xml version="1.0" encoding="utf-8"?>
+<file path=ppt/slides/slide15.xml><?xml version="1.0" encoding="utf-8"?>
 <p:sld xmlns:a="http://schemas.openxmlformats.org/drawingml/2006/main" xmlns:r="http://schemas.openxmlformats.org/officeDocument/2006/relationships" xmlns:p="http://schemas.openxmlformats.org/presentationml/2006/main">
   <p:cSld>
     <p:spTree>
@@ -11718,7 +12447,7 @@
             </a:r>
             <a:r>
               <a:rPr lang="en-US" sz="1800" dirty="0" smtClean="0"/>
-              <a:t>(6/11)</a:t>
+              <a:t>(6/12)</a:t>
             </a:r>
             <a:endParaRPr lang="en-US" dirty="0"/>
           </a:p>
@@ -13935,7 +14664,7 @@
 </p:sld>
 </file>
 
-<file path=ppt/slides/slide15.xml><?xml version="1.0" encoding="utf-8"?>
+<file path=ppt/slides/slide16.xml><?xml version="1.0" encoding="utf-8"?>
 <p:sld xmlns:a="http://schemas.openxmlformats.org/drawingml/2006/main" xmlns:r="http://schemas.openxmlformats.org/officeDocument/2006/relationships" xmlns:p="http://schemas.openxmlformats.org/presentationml/2006/main">
   <p:cSld>
     <p:spTree>
@@ -13978,7 +14707,7 @@
             </a:r>
             <a:r>
               <a:rPr lang="en-US" sz="1800" dirty="0" smtClean="0"/>
-              <a:t>(7/11)</a:t>
+              <a:t>(7/12)</a:t>
             </a:r>
             <a:endParaRPr lang="en-US" dirty="0"/>
           </a:p>
@@ -13996,7 +14725,7 @@
         </p:nvGraphicFramePr>
         <p:xfrm>
           <a:off x="685800" y="1066800"/>
-          <a:ext cx="4800600" cy="1689989"/>
+          <a:ext cx="4800600" cy="1920240"/>
         </p:xfrm>
         <a:graphic>
           <a:graphicData uri="http://schemas.openxmlformats.org/drawingml/2006/table">
@@ -16846,254 +17575,6 @@
                 </a:schemeClr>
               </a:solidFill>
             </a:endParaRPr>
-          </a:p>
-        </p:txBody>
-      </p:sp>
-    </p:spTree>
-  </p:cSld>
-  <p:clrMapOvr>
-    <a:masterClrMapping/>
-  </p:clrMapOvr>
-  <p:timing>
-    <p:tnLst>
-      <p:par>
-        <p:cTn id="1" dur="indefinite" restart="never" nodeType="tmRoot"/>
-      </p:par>
-    </p:tnLst>
-  </p:timing>
-</p:sld>
-</file>
-
-<file path=ppt/slides/slide16.xml><?xml version="1.0" encoding="utf-8"?>
-<p:sld xmlns:a="http://schemas.openxmlformats.org/drawingml/2006/main" xmlns:r="http://schemas.openxmlformats.org/officeDocument/2006/relationships" xmlns:p="http://schemas.openxmlformats.org/presentationml/2006/main">
-  <p:cSld>
-    <p:spTree>
-      <p:nvGrpSpPr>
-        <p:cNvPr id="1" name=""/>
-        <p:cNvGrpSpPr/>
-        <p:nvPr/>
-      </p:nvGrpSpPr>
-      <p:grpSpPr>
-        <a:xfrm>
-          <a:off x="0" y="0"/>
-          <a:ext cx="0" cy="0"/>
-          <a:chOff x="0" y="0"/>
-          <a:chExt cx="0" cy="0"/>
-        </a:xfrm>
-      </p:grpSpPr>
-      <p:sp>
-        <p:nvSpPr>
-          <p:cNvPr id="3" name="Title 2"/>
-          <p:cNvSpPr>
-            <a:spLocks noGrp="1"/>
-          </p:cNvSpPr>
-          <p:nvPr>
-            <p:ph type="title"/>
-          </p:nvPr>
-        </p:nvSpPr>
-        <p:spPr>
-          <a:xfrm>
-            <a:off x="457200" y="274638"/>
-            <a:ext cx="8229600" cy="868362"/>
-          </a:xfrm>
-        </p:spPr>
-        <p:txBody>
-          <a:bodyPr/>
-          <a:lstStyle/>
-          <a:p>
-            <a:r>
-              <a:rPr lang="en-US" sz="3000" dirty="0" smtClean="0"/>
-              <a:t>Empirical Evaluation and Benchmarking</a:t>
-            </a:r>
-            <a:r>
-              <a:rPr lang="en-US" sz="1800" dirty="0" smtClean="0"/>
-              <a:t>(8/11)</a:t>
-            </a:r>
-            <a:endParaRPr lang="en-US" dirty="0"/>
-          </a:p>
-        </p:txBody>
-      </p:sp>
-      <p:sp>
-        <p:nvSpPr>
-          <p:cNvPr id="7" name="Content Placeholder 6"/>
-          <p:cNvSpPr>
-            <a:spLocks noGrp="1"/>
-          </p:cNvSpPr>
-          <p:nvPr>
-            <p:ph idx="1"/>
-          </p:nvPr>
-        </p:nvSpPr>
-        <p:spPr>
-          <a:xfrm>
-            <a:off x="381000" y="990600"/>
-            <a:ext cx="8229600" cy="4525963"/>
-          </a:xfrm>
-        </p:spPr>
-        <p:txBody>
-          <a:bodyPr>
-            <a:normAutofit fontScale="85000" lnSpcReduction="20000"/>
-          </a:bodyPr>
-          <a:lstStyle/>
-          <a:p>
-            <a:r>
-              <a:rPr lang="en-US" sz="1700" dirty="0" smtClean="0"/>
-              <a:t>The last two experiments showed that MUSE is very </a:t>
-            </a:r>
-            <a:r>
-              <a:rPr lang="en-US" sz="1700" u="sng" dirty="0" smtClean="0"/>
-              <a:t>efficient</a:t>
-            </a:r>
-            <a:r>
-              <a:rPr lang="en-US" sz="1700" dirty="0" smtClean="0"/>
-              <a:t> and </a:t>
-            </a:r>
-            <a:r>
-              <a:rPr lang="en-US" sz="1700" u="sng" dirty="0" smtClean="0"/>
-              <a:t>scalable!</a:t>
-            </a:r>
-            <a:r>
-              <a:rPr lang="en-US" sz="1700" dirty="0" smtClean="0"/>
-              <a:t> </a:t>
-            </a:r>
-          </a:p>
-          <a:p>
-            <a:endParaRPr lang="en-US" sz="1700" dirty="0" smtClean="0"/>
-          </a:p>
-          <a:p>
-            <a:r>
-              <a:rPr lang="en-US" sz="1700" dirty="0" smtClean="0"/>
-              <a:t>Next is to benchmark against two different frameworks. To see how well MUSE compares to other frameworks.</a:t>
-            </a:r>
-          </a:p>
-          <a:p>
-            <a:endParaRPr lang="en-US" sz="1700" dirty="0" smtClean="0"/>
-          </a:p>
-          <a:p>
-            <a:r>
-              <a:rPr lang="en-US" sz="1700" dirty="0" smtClean="0"/>
-              <a:t>WARPED</a:t>
-            </a:r>
-          </a:p>
-          <a:p>
-            <a:pPr lvl="1"/>
-            <a:r>
-              <a:rPr lang="en-US" sz="1300" dirty="0" smtClean="0"/>
-              <a:t>Parallel, but not agent-based.</a:t>
-            </a:r>
-          </a:p>
-          <a:p>
-            <a:pPr lvl="1"/>
-            <a:r>
-              <a:rPr lang="en-US" sz="1300" dirty="0" smtClean="0"/>
-              <a:t>Similar to MUSE</a:t>
-            </a:r>
-          </a:p>
-          <a:p>
-            <a:pPr lvl="2"/>
-            <a:r>
-              <a:rPr lang="en-US" sz="1100" dirty="0" smtClean="0"/>
-              <a:t>Uses Time Warp</a:t>
-            </a:r>
-          </a:p>
-          <a:p>
-            <a:pPr lvl="2"/>
-            <a:r>
-              <a:rPr lang="en-US" sz="1100" dirty="0" smtClean="0"/>
-              <a:t>Uses MPI </a:t>
-            </a:r>
-          </a:p>
-          <a:p>
-            <a:pPr lvl="2"/>
-            <a:r>
-              <a:rPr lang="en-US" sz="1100" dirty="0" smtClean="0"/>
-              <a:t>Development is done with C++</a:t>
-            </a:r>
-          </a:p>
-          <a:p>
-            <a:pPr lvl="1"/>
-            <a:r>
-              <a:rPr lang="en-US" sz="1300" dirty="0" smtClean="0"/>
-              <a:t>Only needed one experiment. A direct comparison on execution time for same workload with increasing compute nodes</a:t>
-            </a:r>
-          </a:p>
-          <a:p>
-            <a:pPr lvl="2">
-              <a:buNone/>
-            </a:pPr>
-            <a:endParaRPr lang="en-US" sz="1100" dirty="0" smtClean="0"/>
-          </a:p>
-          <a:p>
-            <a:r>
-              <a:rPr lang="en-US" sz="1700" dirty="0" smtClean="0"/>
-              <a:t>MASON</a:t>
-            </a:r>
-          </a:p>
-          <a:p>
-            <a:pPr lvl="1"/>
-            <a:r>
-              <a:rPr lang="en-US" sz="1300" dirty="0" smtClean="0"/>
-              <a:t>Non-parallel, but agent-based.</a:t>
-            </a:r>
-          </a:p>
-          <a:p>
-            <a:pPr lvl="1"/>
-            <a:r>
-              <a:rPr lang="en-US" sz="1300" dirty="0" smtClean="0"/>
-              <a:t>Very different from MUSE</a:t>
-            </a:r>
-          </a:p>
-          <a:p>
-            <a:pPr lvl="2"/>
-            <a:r>
-              <a:rPr lang="en-US" sz="1100" dirty="0" smtClean="0"/>
-              <a:t>No concept of “event”, agents talk to each by scheduling to ‘step’ on each other.</a:t>
-            </a:r>
-          </a:p>
-          <a:p>
-            <a:pPr lvl="2"/>
-            <a:r>
-              <a:rPr lang="en-US" sz="1100" dirty="0" smtClean="0"/>
-              <a:t>Agents have a pointer to the entire model when ‘stepped’</a:t>
-            </a:r>
-          </a:p>
-          <a:p>
-            <a:pPr lvl="2"/>
-            <a:r>
-              <a:rPr lang="en-US" sz="1100" dirty="0" smtClean="0"/>
-              <a:t>Agents have direct access to all other agents</a:t>
-            </a:r>
-          </a:p>
-          <a:p>
-            <a:pPr lvl="2"/>
-            <a:r>
-              <a:rPr lang="en-US" sz="1100" dirty="0" smtClean="0"/>
-              <a:t>Development is done with Java</a:t>
-            </a:r>
-          </a:p>
-          <a:p>
-            <a:pPr lvl="1"/>
-            <a:r>
-              <a:rPr lang="en-US" sz="1300" dirty="0" smtClean="0"/>
-              <a:t>Two experiments needed for a better analysis. </a:t>
-            </a:r>
-          </a:p>
-          <a:p>
-            <a:pPr lvl="2"/>
-            <a:r>
-              <a:rPr lang="en-US" sz="1100" dirty="0" smtClean="0"/>
-              <a:t>Tested both on using only one compute node with increasing workload. To see the overhead of MUSE against a true serial framework.</a:t>
-            </a:r>
-          </a:p>
-          <a:p>
-            <a:pPr lvl="2"/>
-            <a:r>
-              <a:rPr lang="en-US" sz="1100" dirty="0" smtClean="0"/>
-              <a:t>Using the best time from the first experiment, check how many compute nodes it takes for MUSE to over take MASON.</a:t>
-            </a:r>
-          </a:p>
-          <a:p>
-            <a:pPr lvl="1"/>
-            <a:endParaRPr lang="en-US" sz="1000" dirty="0"/>
           </a:p>
         </p:txBody>
       </p:sp>
@@ -17155,7 +17636,268 @@
             </a:r>
             <a:r>
               <a:rPr lang="en-US" sz="1800" dirty="0" smtClean="0"/>
-              <a:t>(9/11)</a:t>
+              <a:t>(8/12)</a:t>
+            </a:r>
+            <a:endParaRPr lang="en-US" dirty="0"/>
+          </a:p>
+        </p:txBody>
+      </p:sp>
+      <p:sp>
+        <p:nvSpPr>
+          <p:cNvPr id="7" name="Content Placeholder 6"/>
+          <p:cNvSpPr>
+            <a:spLocks noGrp="1"/>
+          </p:cNvSpPr>
+          <p:nvPr>
+            <p:ph idx="1"/>
+          </p:nvPr>
+        </p:nvSpPr>
+        <p:spPr>
+          <a:xfrm>
+            <a:off x="381000" y="990600"/>
+            <a:ext cx="8229600" cy="4525963"/>
+          </a:xfrm>
+        </p:spPr>
+        <p:txBody>
+          <a:bodyPr>
+            <a:normAutofit fontScale="85000" lnSpcReduction="20000"/>
+          </a:bodyPr>
+          <a:lstStyle/>
+          <a:p>
+            <a:r>
+              <a:rPr lang="en-US" sz="1700" dirty="0" smtClean="0"/>
+              <a:t>The last two experiments showed that MUSE is very </a:t>
+            </a:r>
+            <a:r>
+              <a:rPr lang="en-US" sz="1700" u="sng" dirty="0" smtClean="0"/>
+              <a:t>efficient</a:t>
+            </a:r>
+            <a:r>
+              <a:rPr lang="en-US" sz="1700" dirty="0" smtClean="0"/>
+              <a:t> and </a:t>
+            </a:r>
+            <a:r>
+              <a:rPr lang="en-US" sz="1700" u="sng" dirty="0" smtClean="0"/>
+              <a:t>scalable!</a:t>
+            </a:r>
+            <a:r>
+              <a:rPr lang="en-US" sz="1700" dirty="0" smtClean="0"/>
+              <a:t> </a:t>
+            </a:r>
+          </a:p>
+          <a:p>
+            <a:endParaRPr lang="en-US" sz="1700" dirty="0" smtClean="0"/>
+          </a:p>
+          <a:p>
+            <a:r>
+              <a:rPr lang="en-US" sz="1700" dirty="0" smtClean="0"/>
+              <a:t>Next is to benchmark against two different frameworks. To see how well MUSE compares to other frameworks.</a:t>
+            </a:r>
+          </a:p>
+          <a:p>
+            <a:endParaRPr lang="en-US" sz="1700" dirty="0" smtClean="0"/>
+          </a:p>
+          <a:p>
+            <a:r>
+              <a:rPr lang="en-US" sz="1700" dirty="0" smtClean="0"/>
+              <a:t>WARPED</a:t>
+            </a:r>
+          </a:p>
+          <a:p>
+            <a:pPr lvl="1"/>
+            <a:r>
+              <a:rPr lang="en-US" sz="1300" dirty="0" smtClean="0"/>
+              <a:t>Parallel, but not agent-based.</a:t>
+            </a:r>
+          </a:p>
+          <a:p>
+            <a:pPr lvl="1"/>
+            <a:r>
+              <a:rPr lang="en-US" sz="1300" dirty="0" smtClean="0"/>
+              <a:t>Similar to MUSE</a:t>
+            </a:r>
+          </a:p>
+          <a:p>
+            <a:pPr lvl="2"/>
+            <a:r>
+              <a:rPr lang="en-US" sz="1100" dirty="0" smtClean="0"/>
+              <a:t>Uses Time Warp</a:t>
+            </a:r>
+          </a:p>
+          <a:p>
+            <a:pPr lvl="2"/>
+            <a:r>
+              <a:rPr lang="en-US" sz="1100" dirty="0" smtClean="0"/>
+              <a:t>Uses MPI </a:t>
+            </a:r>
+          </a:p>
+          <a:p>
+            <a:pPr lvl="2"/>
+            <a:r>
+              <a:rPr lang="en-US" sz="1100" dirty="0" smtClean="0"/>
+              <a:t>Development is done with C++</a:t>
+            </a:r>
+          </a:p>
+          <a:p>
+            <a:pPr lvl="1"/>
+            <a:r>
+              <a:rPr lang="en-US" sz="1300" dirty="0" smtClean="0"/>
+              <a:t>Only needed one experiment. A direct comparison on execution time for same workload with increasing compute nodes</a:t>
+            </a:r>
+          </a:p>
+          <a:p>
+            <a:pPr lvl="2">
+              <a:buNone/>
+            </a:pPr>
+            <a:endParaRPr lang="en-US" sz="1100" dirty="0" smtClean="0"/>
+          </a:p>
+          <a:p>
+            <a:r>
+              <a:rPr lang="en-US" sz="1700" dirty="0" smtClean="0"/>
+              <a:t>MASON</a:t>
+            </a:r>
+          </a:p>
+          <a:p>
+            <a:pPr lvl="1"/>
+            <a:r>
+              <a:rPr lang="en-US" sz="1300" dirty="0" smtClean="0"/>
+              <a:t>Non-parallel, but agent-based.</a:t>
+            </a:r>
+          </a:p>
+          <a:p>
+            <a:pPr lvl="1"/>
+            <a:r>
+              <a:rPr lang="en-US" sz="1300" dirty="0" smtClean="0"/>
+              <a:t>Very different from MUSE</a:t>
+            </a:r>
+          </a:p>
+          <a:p>
+            <a:pPr lvl="2"/>
+            <a:r>
+              <a:rPr lang="en-US" sz="1100" dirty="0" smtClean="0"/>
+              <a:t>No concept of “event”, agents talk to each by scheduling to ‘step’ on each other.</a:t>
+            </a:r>
+          </a:p>
+          <a:p>
+            <a:pPr lvl="2"/>
+            <a:r>
+              <a:rPr lang="en-US" sz="1100" dirty="0" smtClean="0"/>
+              <a:t>Agents have a pointer to the entire model when ‘stepped’</a:t>
+            </a:r>
+          </a:p>
+          <a:p>
+            <a:pPr lvl="2"/>
+            <a:r>
+              <a:rPr lang="en-US" sz="1100" dirty="0" smtClean="0"/>
+              <a:t>Agents have direct access to all other agents</a:t>
+            </a:r>
+          </a:p>
+          <a:p>
+            <a:pPr lvl="2"/>
+            <a:r>
+              <a:rPr lang="en-US" sz="1100" dirty="0" smtClean="0"/>
+              <a:t>Development is done with Java</a:t>
+            </a:r>
+          </a:p>
+          <a:p>
+            <a:pPr lvl="1"/>
+            <a:r>
+              <a:rPr lang="en-US" sz="1300" dirty="0" smtClean="0"/>
+              <a:t>Two experiments needed for a better analysis. </a:t>
+            </a:r>
+          </a:p>
+          <a:p>
+            <a:pPr lvl="2"/>
+            <a:r>
+              <a:rPr lang="en-US" sz="1100" dirty="0" smtClean="0"/>
+              <a:t>Tested </a:t>
+            </a:r>
+            <a:r>
+              <a:rPr lang="en-US" sz="1100" dirty="0" smtClean="0"/>
+              <a:t>both </a:t>
+            </a:r>
+            <a:r>
+              <a:rPr lang="en-US" sz="1100" dirty="0" smtClean="0"/>
+              <a:t>using only one compute node with increasing workload. To see the overhead of MUSE against a true serial </a:t>
+            </a:r>
+            <a:r>
+              <a:rPr lang="en-US" sz="1100" dirty="0" smtClean="0"/>
+              <a:t>framework (MASON).</a:t>
+            </a:r>
+            <a:endParaRPr lang="en-US" sz="1100" dirty="0" smtClean="0"/>
+          </a:p>
+          <a:p>
+            <a:pPr lvl="2"/>
+            <a:r>
+              <a:rPr lang="en-US" sz="1100" dirty="0" smtClean="0"/>
+              <a:t>Using the best time from the first experiment, check how many compute nodes it takes for MUSE to over take MASON.</a:t>
+            </a:r>
+          </a:p>
+          <a:p>
+            <a:pPr lvl="1"/>
+            <a:endParaRPr lang="en-US" sz="1000" dirty="0"/>
+          </a:p>
+        </p:txBody>
+      </p:sp>
+    </p:spTree>
+  </p:cSld>
+  <p:clrMapOvr>
+    <a:masterClrMapping/>
+  </p:clrMapOvr>
+  <p:timing>
+    <p:tnLst>
+      <p:par>
+        <p:cTn id="1" dur="indefinite" restart="never" nodeType="tmRoot"/>
+      </p:par>
+    </p:tnLst>
+  </p:timing>
+</p:sld>
+</file>
+
+<file path=ppt/slides/slide18.xml><?xml version="1.0" encoding="utf-8"?>
+<p:sld xmlns:a="http://schemas.openxmlformats.org/drawingml/2006/main" xmlns:r="http://schemas.openxmlformats.org/officeDocument/2006/relationships" xmlns:p="http://schemas.openxmlformats.org/presentationml/2006/main">
+  <p:cSld>
+    <p:spTree>
+      <p:nvGrpSpPr>
+        <p:cNvPr id="1" name=""/>
+        <p:cNvGrpSpPr/>
+        <p:nvPr/>
+      </p:nvGrpSpPr>
+      <p:grpSpPr>
+        <a:xfrm>
+          <a:off x="0" y="0"/>
+          <a:ext cx="0" cy="0"/>
+          <a:chOff x="0" y="0"/>
+          <a:chExt cx="0" cy="0"/>
+        </a:xfrm>
+      </p:grpSpPr>
+      <p:sp>
+        <p:nvSpPr>
+          <p:cNvPr id="3" name="Title 2"/>
+          <p:cNvSpPr>
+            <a:spLocks noGrp="1"/>
+          </p:cNvSpPr>
+          <p:nvPr>
+            <p:ph type="title"/>
+          </p:nvPr>
+        </p:nvSpPr>
+        <p:spPr>
+          <a:xfrm>
+            <a:off x="457200" y="274638"/>
+            <a:ext cx="8229600" cy="868362"/>
+          </a:xfrm>
+        </p:spPr>
+        <p:txBody>
+          <a:bodyPr/>
+          <a:lstStyle/>
+          <a:p>
+            <a:r>
+              <a:rPr lang="en-US" sz="3000" dirty="0" smtClean="0"/>
+              <a:t>Empirical Evaluation and Benchmarking</a:t>
+            </a:r>
+            <a:r>
+              <a:rPr lang="en-US" sz="1800" dirty="0" smtClean="0"/>
+              <a:t>(9/12)</a:t>
             </a:r>
             <a:endParaRPr lang="en-US" dirty="0"/>
           </a:p>
@@ -17173,7 +17915,7 @@
         </p:nvGraphicFramePr>
         <p:xfrm>
           <a:off x="533400" y="990600"/>
-          <a:ext cx="6096000" cy="1757807"/>
+          <a:ext cx="6096000" cy="1955165"/>
         </p:xfrm>
         <a:graphic>
           <a:graphicData uri="http://schemas.openxmlformats.org/drawingml/2006/table">
@@ -20739,7 +21481,7 @@
 </p:sld>
 </file>
 
-<file path=ppt/slides/slide18.xml><?xml version="1.0" encoding="utf-8"?>
+<file path=ppt/slides/slide19.xml><?xml version="1.0" encoding="utf-8"?>
 <p:sld xmlns:a="http://schemas.openxmlformats.org/drawingml/2006/main" xmlns:r="http://schemas.openxmlformats.org/officeDocument/2006/relationships" xmlns:p="http://schemas.openxmlformats.org/presentationml/2006/main">
   <p:cSld>
     <p:spTree>
@@ -20784,7 +21526,7 @@
             </a:r>
             <a:r>
               <a:rPr lang="en-US" sz="1800" dirty="0" smtClean="0"/>
-              <a:t>(10/11)</a:t>
+              <a:t>(10/12)</a:t>
             </a:r>
             <a:endParaRPr lang="en-US" dirty="0"/>
           </a:p>
@@ -20833,7 +21575,7 @@
         </p:nvGraphicFramePr>
         <p:xfrm>
           <a:off x="609600" y="1295400"/>
-          <a:ext cx="6096000" cy="1757807"/>
+          <a:ext cx="6096000" cy="1955165"/>
         </p:xfrm>
         <a:graphic>
           <a:graphicData uri="http://schemas.openxmlformats.org/drawingml/2006/table">
@@ -24092,7 +24834,136 @@
 </p:sld>
 </file>
 
-<file path=ppt/slides/slide19.xml><?xml version="1.0" encoding="utf-8"?>
+<file path=ppt/slides/slide2.xml><?xml version="1.0" encoding="utf-8"?>
+<p:sld xmlns:a="http://schemas.openxmlformats.org/drawingml/2006/main" xmlns:r="http://schemas.openxmlformats.org/officeDocument/2006/relationships" xmlns:p="http://schemas.openxmlformats.org/presentationml/2006/main">
+  <p:cSld>
+    <p:spTree>
+      <p:nvGrpSpPr>
+        <p:cNvPr id="1" name=""/>
+        <p:cNvGrpSpPr/>
+        <p:nvPr/>
+      </p:nvGrpSpPr>
+      <p:grpSpPr>
+        <a:xfrm>
+          <a:off x="0" y="0"/>
+          <a:ext cx="0" cy="0"/>
+          <a:chOff x="0" y="0"/>
+          <a:chExt cx="0" cy="0"/>
+        </a:xfrm>
+      </p:grpSpPr>
+      <p:sp>
+        <p:nvSpPr>
+          <p:cNvPr id="3" name="Content Placeholder 2"/>
+          <p:cNvSpPr>
+            <a:spLocks noGrp="1"/>
+          </p:cNvSpPr>
+          <p:nvPr>
+            <p:ph idx="1"/>
+          </p:nvPr>
+        </p:nvSpPr>
+        <p:spPr/>
+        <p:txBody>
+          <a:bodyPr>
+            <a:normAutofit/>
+          </a:bodyPr>
+          <a:lstStyle/>
+          <a:p>
+            <a:r>
+              <a:rPr lang="en-US" sz="1700" dirty="0" smtClean="0"/>
+              <a:t>Motivation</a:t>
+            </a:r>
+          </a:p>
+          <a:p>
+            <a:endParaRPr lang="en-US" sz="1700" dirty="0" smtClean="0"/>
+          </a:p>
+          <a:p>
+            <a:r>
+              <a:rPr lang="en-US" sz="1700" dirty="0" smtClean="0"/>
+              <a:t>What is Agent-based modeling (ABM)</a:t>
+            </a:r>
+          </a:p>
+          <a:p>
+            <a:endParaRPr lang="en-US" sz="1700" dirty="0" smtClean="0"/>
+          </a:p>
+          <a:p>
+            <a:r>
+              <a:rPr lang="en-US" sz="1700" dirty="0" smtClean="0"/>
+              <a:t>Advantages of ABM</a:t>
+            </a:r>
+          </a:p>
+          <a:p>
+            <a:endParaRPr lang="en-US" sz="1700" dirty="0" smtClean="0"/>
+          </a:p>
+          <a:p>
+            <a:r>
+              <a:rPr lang="en-US" sz="1700" dirty="0" smtClean="0"/>
+              <a:t>Empirical Evaluation and Benchmarking results</a:t>
+            </a:r>
+          </a:p>
+          <a:p>
+            <a:endParaRPr lang="en-US" sz="1700" dirty="0" smtClean="0"/>
+          </a:p>
+          <a:p>
+            <a:r>
+              <a:rPr lang="en-US" sz="1700" dirty="0" smtClean="0"/>
+              <a:t>MUSE Public API</a:t>
+            </a:r>
+          </a:p>
+          <a:p>
+            <a:endParaRPr lang="en-US" sz="1700" dirty="0" smtClean="0"/>
+          </a:p>
+          <a:p>
+            <a:r>
+              <a:rPr lang="en-US" sz="1700" dirty="0" smtClean="0"/>
+              <a:t>Conclusion and Future Works</a:t>
+            </a:r>
+            <a:endParaRPr lang="en-US" sz="1700" dirty="0"/>
+          </a:p>
+        </p:txBody>
+      </p:sp>
+      <p:sp>
+        <p:nvSpPr>
+          <p:cNvPr id="2" name="Title 1"/>
+          <p:cNvSpPr>
+            <a:spLocks noGrp="1"/>
+          </p:cNvSpPr>
+          <p:nvPr>
+            <p:ph type="title"/>
+          </p:nvPr>
+        </p:nvSpPr>
+        <p:spPr/>
+        <p:txBody>
+          <a:bodyPr/>
+          <a:lstStyle/>
+          <a:p>
+            <a:r>
+              <a:rPr lang="en-US" sz="3000" dirty="0" smtClean="0"/>
+              <a:t>Outline</a:t>
+            </a:r>
+            <a:r>
+              <a:rPr lang="en-US" sz="1200" dirty="0" smtClean="0"/>
+              <a:t>(1/1)</a:t>
+            </a:r>
+            <a:endParaRPr lang="en-US" dirty="0"/>
+          </a:p>
+        </p:txBody>
+      </p:sp>
+    </p:spTree>
+  </p:cSld>
+  <p:clrMapOvr>
+    <a:masterClrMapping/>
+  </p:clrMapOvr>
+  <p:timing>
+    <p:tnLst>
+      <p:par>
+        <p:cTn id="1" dur="indefinite" restart="never" nodeType="tmRoot"/>
+      </p:par>
+    </p:tnLst>
+  </p:timing>
+</p:sld>
+</file>
+
+<file path=ppt/slides/slide20.xml><?xml version="1.0" encoding="utf-8"?>
 <p:sld xmlns:a="http://schemas.openxmlformats.org/drawingml/2006/main" xmlns:r="http://schemas.openxmlformats.org/officeDocument/2006/relationships" xmlns:p="http://schemas.openxmlformats.org/presentationml/2006/main">
   <p:cSld>
     <p:spTree>
@@ -24137,7 +25008,7 @@
             </a:r>
             <a:r>
               <a:rPr lang="en-US" sz="1800" dirty="0" smtClean="0"/>
-              <a:t>(11/11)</a:t>
+              <a:t>(11/12)</a:t>
             </a:r>
             <a:endParaRPr lang="en-US" dirty="0"/>
           </a:p>
@@ -24165,6 +25036,313 @@
           </a:bodyPr>
           <a:lstStyle/>
           <a:p>
+            <a:pPr>
+              <a:buNone/>
+            </a:pPr>
+            <a:r>
+              <a:rPr lang="en-US" sz="1400" dirty="0" smtClean="0"/>
+              <a:t>Time Warp Overhead</a:t>
+            </a:r>
+          </a:p>
+          <a:p>
+            <a:pPr>
+              <a:buNone/>
+            </a:pPr>
+            <a:r>
+              <a:rPr lang="en-US" sz="1400" dirty="0" smtClean="0"/>
+              <a:t>	Maintaining States in State queue</a:t>
+            </a:r>
+          </a:p>
+          <a:p>
+            <a:pPr>
+              <a:buNone/>
+            </a:pPr>
+            <a:r>
+              <a:rPr lang="en-US" sz="1400" dirty="0" smtClean="0"/>
+              <a:t>	Maintaining Events input/output Queue</a:t>
+            </a:r>
+          </a:p>
+          <a:p>
+            <a:pPr>
+              <a:buNone/>
+            </a:pPr>
+            <a:r>
+              <a:rPr lang="en-US" sz="1400" dirty="0" smtClean="0"/>
+              <a:t>	GVT calculation</a:t>
+            </a:r>
+          </a:p>
+          <a:p>
+            <a:pPr>
+              <a:buNone/>
+            </a:pPr>
+            <a:r>
+              <a:rPr lang="en-US" sz="1400" dirty="0" smtClean="0"/>
+              <a:t>	Garbage collection</a:t>
+            </a:r>
+          </a:p>
+          <a:p>
+            <a:pPr>
+              <a:buNone/>
+            </a:pPr>
+            <a:endParaRPr lang="en-US" sz="1400" dirty="0" smtClean="0"/>
+          </a:p>
+          <a:p>
+            <a:pPr>
+              <a:buNone/>
+            </a:pPr>
+            <a:endParaRPr lang="en-US" sz="1400" dirty="0" smtClean="0"/>
+          </a:p>
+          <a:p>
+            <a:pPr>
+              <a:buNone/>
+            </a:pPr>
+            <a:r>
+              <a:rPr lang="en-US" sz="1400" dirty="0" smtClean="0"/>
+              <a:t>	</a:t>
+            </a:r>
+            <a:endParaRPr lang="en-US" sz="1400" dirty="0"/>
+          </a:p>
+        </p:txBody>
+      </p:sp>
+      <p:pic>
+        <p:nvPicPr>
+          <p:cNvPr id="8" name="Picture 7"/>
+          <p:cNvPicPr/>
+          <p:nvPr/>
+        </p:nvPicPr>
+        <p:blipFill>
+          <a:blip r:embed="rId3"/>
+          <a:srcRect/>
+          <a:stretch>
+            <a:fillRect/>
+          </a:stretch>
+        </p:blipFill>
+        <p:spPr bwMode="auto">
+          <a:xfrm>
+            <a:off x="4495800" y="1143000"/>
+            <a:ext cx="4648200" cy="2133600"/>
+          </a:xfrm>
+          <a:prstGeom prst="rect">
+            <a:avLst/>
+          </a:prstGeom>
+          <a:noFill/>
+          <a:ln w="9525">
+            <a:noFill/>
+            <a:miter lim="800000"/>
+            <a:headEnd/>
+            <a:tailEnd/>
+          </a:ln>
+        </p:spPr>
+      </p:pic>
+      <p:sp>
+        <p:nvSpPr>
+          <p:cNvPr id="4097" name="Rectangle 1"/>
+          <p:cNvSpPr>
+            <a:spLocks noChangeArrowheads="1"/>
+          </p:cNvSpPr>
+          <p:nvPr/>
+        </p:nvSpPr>
+        <p:spPr bwMode="auto">
+          <a:xfrm>
+            <a:off x="4548768" y="3276600"/>
+            <a:ext cx="4595232" cy="276999"/>
+          </a:xfrm>
+          <a:prstGeom prst="rect">
+            <a:avLst/>
+          </a:prstGeom>
+          <a:noFill/>
+          <a:ln w="9525">
+            <a:noFill/>
+            <a:miter lim="800000"/>
+            <a:headEnd/>
+            <a:tailEnd/>
+          </a:ln>
+          <a:effectLst/>
+        </p:spPr>
+        <p:txBody>
+          <a:bodyPr vert="horz" wrap="none" lIns="91440" tIns="45720" rIns="91440" bIns="45720" numCol="1" anchor="ctr" anchorCtr="0" compatLnSpc="1">
+            <a:prstTxWarp prst="textNoShape">
+              <a:avLst/>
+            </a:prstTxWarp>
+            <a:spAutoFit/>
+          </a:bodyPr>
+          <a:lstStyle/>
+          <a:p>
+            <a:pPr marL="0" marR="0" lvl="0" indent="0" algn="ctr" defTabSz="914400" rtl="0" eaLnBrk="1" fontAlgn="base" latinLnBrk="0" hangingPunct="1">
+              <a:lnSpc>
+                <a:spcPct val="100000"/>
+              </a:lnSpc>
+              <a:spcBef>
+                <a:spcPct val="0"/>
+              </a:spcBef>
+              <a:spcAft>
+                <a:spcPct val="0"/>
+              </a:spcAft>
+              <a:buClrTx/>
+              <a:buSzTx/>
+              <a:buFontTx/>
+              <a:buNone/>
+              <a:tabLst/>
+            </a:pPr>
+            <a:r>
+              <a:rPr kumimoji="0" lang="en-US" sz="1200" b="1" i="0" u="none" strike="noStrike" cap="none" normalizeH="0" baseline="0" dirty="0" smtClean="0" bmk="_Toc229989807">
+                <a:ln>
+                  <a:noFill/>
+                </a:ln>
+                <a:solidFill>
+                  <a:srgbClr val="4F81BD"/>
+                </a:solidFill>
+                <a:effectLst/>
+                <a:latin typeface="Arial" pitchFamily="34" charset="0"/>
+                <a:ea typeface="Times New Roman" pitchFamily="18" charset="0"/>
+              </a:rPr>
+              <a:t>A logical process in a time warp simulation (</a:t>
+            </a:r>
+            <a:r>
+              <a:rPr kumimoji="0" lang="en-US" sz="1200" b="1" i="0" u="none" strike="noStrike" cap="none" normalizeH="0" baseline="0" dirty="0" err="1" smtClean="0" bmk="_Toc229989807">
+                <a:ln>
+                  <a:noFill/>
+                </a:ln>
+                <a:solidFill>
+                  <a:srgbClr val="4F81BD"/>
+                </a:solidFill>
+                <a:effectLst/>
+                <a:latin typeface="Arial" pitchFamily="34" charset="0"/>
+                <a:ea typeface="Times New Roman" pitchFamily="18" charset="0"/>
+              </a:rPr>
+              <a:t>Radhakrishnan</a:t>
+            </a:r>
+            <a:r>
+              <a:rPr kumimoji="0" lang="en-US" sz="1200" b="1" i="0" u="none" strike="noStrike" cap="none" normalizeH="0" baseline="0" dirty="0" smtClean="0" bmk="_Toc229989807">
+                <a:ln>
+                  <a:noFill/>
+                </a:ln>
+                <a:solidFill>
+                  <a:srgbClr val="4F81BD"/>
+                </a:solidFill>
+                <a:effectLst/>
+                <a:latin typeface="Arial" pitchFamily="34" charset="0"/>
+                <a:ea typeface="Times New Roman" pitchFamily="18" charset="0"/>
+              </a:rPr>
+              <a:t>)</a:t>
+            </a:r>
+            <a:endParaRPr kumimoji="0" lang="en-US" sz="1800" b="0" i="0" u="none" strike="noStrike" cap="none" normalizeH="0" baseline="0" dirty="0" smtClean="0">
+              <a:ln>
+                <a:noFill/>
+              </a:ln>
+              <a:solidFill>
+                <a:schemeClr val="tx1"/>
+              </a:solidFill>
+              <a:effectLst/>
+              <a:latin typeface="Arial" pitchFamily="34" charset="0"/>
+            </a:endParaRPr>
+          </a:p>
+        </p:txBody>
+      </p:sp>
+      <p:graphicFrame>
+        <p:nvGraphicFramePr>
+          <p:cNvPr id="9" name="Chart 8"/>
+          <p:cNvGraphicFramePr/>
+          <p:nvPr/>
+        </p:nvGraphicFramePr>
+        <p:xfrm>
+          <a:off x="914400" y="3352800"/>
+          <a:ext cx="7924800" cy="3200400"/>
+        </p:xfrm>
+        <a:graphic>
+          <a:graphicData uri="http://schemas.openxmlformats.org/drawingml/2006/chart">
+            <c:chart xmlns:c="http://schemas.openxmlformats.org/drawingml/2006/chart" xmlns:r="http://schemas.openxmlformats.org/officeDocument/2006/relationships" r:id="rId4"/>
+          </a:graphicData>
+        </a:graphic>
+      </p:graphicFrame>
+    </p:spTree>
+  </p:cSld>
+  <p:clrMapOvr>
+    <a:masterClrMapping/>
+  </p:clrMapOvr>
+  <p:timing>
+    <p:tnLst>
+      <p:par>
+        <p:cTn id="1" dur="indefinite" restart="never" nodeType="tmRoot"/>
+      </p:par>
+    </p:tnLst>
+  </p:timing>
+</p:sld>
+</file>
+
+<file path=ppt/slides/slide21.xml><?xml version="1.0" encoding="utf-8"?>
+<p:sld xmlns:a="http://schemas.openxmlformats.org/drawingml/2006/main" xmlns:r="http://schemas.openxmlformats.org/officeDocument/2006/relationships" xmlns:p="http://schemas.openxmlformats.org/presentationml/2006/main">
+  <p:cSld>
+    <p:spTree>
+      <p:nvGrpSpPr>
+        <p:cNvPr id="1" name=""/>
+        <p:cNvGrpSpPr/>
+        <p:nvPr/>
+      </p:nvGrpSpPr>
+      <p:grpSpPr>
+        <a:xfrm>
+          <a:off x="0" y="0"/>
+          <a:ext cx="0" cy="0"/>
+          <a:chOff x="0" y="0"/>
+          <a:chExt cx="0" cy="0"/>
+        </a:xfrm>
+      </p:grpSpPr>
+      <p:sp>
+        <p:nvSpPr>
+          <p:cNvPr id="3" name="Title 2"/>
+          <p:cNvSpPr>
+            <a:spLocks noGrp="1"/>
+          </p:cNvSpPr>
+          <p:nvPr>
+            <p:ph type="title"/>
+          </p:nvPr>
+        </p:nvSpPr>
+        <p:spPr>
+          <a:xfrm>
+            <a:off x="457200" y="274638"/>
+            <a:ext cx="8229600" cy="868362"/>
+          </a:xfrm>
+        </p:spPr>
+        <p:txBody>
+          <a:bodyPr>
+            <a:normAutofit fontScale="90000"/>
+          </a:bodyPr>
+          <a:lstStyle/>
+          <a:p>
+            <a:r>
+              <a:rPr lang="en-US" sz="3300" dirty="0" smtClean="0"/>
+              <a:t>Empirical Evaluation and Benchmarking</a:t>
+            </a:r>
+            <a:r>
+              <a:rPr lang="en-US" sz="1800" dirty="0" smtClean="0"/>
+              <a:t>(12/12)</a:t>
+            </a:r>
+            <a:endParaRPr lang="en-US" dirty="0"/>
+          </a:p>
+        </p:txBody>
+      </p:sp>
+      <p:sp>
+        <p:nvSpPr>
+          <p:cNvPr id="7" name="Content Placeholder 6"/>
+          <p:cNvSpPr>
+            <a:spLocks noGrp="1"/>
+          </p:cNvSpPr>
+          <p:nvPr>
+            <p:ph idx="1"/>
+          </p:nvPr>
+        </p:nvSpPr>
+        <p:spPr>
+          <a:xfrm>
+            <a:off x="381000" y="990600"/>
+            <a:ext cx="8229600" cy="4525963"/>
+          </a:xfrm>
+        </p:spPr>
+        <p:txBody>
+          <a:bodyPr>
+            <a:normAutofit/>
+          </a:bodyPr>
+          <a:lstStyle/>
+          <a:p>
             <a:r>
               <a:rPr lang="en-US" sz="1400" dirty="0" smtClean="0"/>
               <a:t>MUSE vs. MASON: Increasing compute nodes on MUSE… (part 2)</a:t>
@@ -24185,7 +25363,7 @@
         </p:nvGraphicFramePr>
         <p:xfrm>
           <a:off x="685800" y="1219200"/>
-          <a:ext cx="6080760" cy="1579626"/>
+          <a:ext cx="6080760" cy="1708150"/>
         </p:xfrm>
         <a:graphic>
           <a:graphicData uri="http://schemas.openxmlformats.org/drawingml/2006/table">
@@ -26838,136 +28016,7 @@
 </p:sld>
 </file>
 
-<file path=ppt/slides/slide2.xml><?xml version="1.0" encoding="utf-8"?>
-<p:sld xmlns:a="http://schemas.openxmlformats.org/drawingml/2006/main" xmlns:r="http://schemas.openxmlformats.org/officeDocument/2006/relationships" xmlns:p="http://schemas.openxmlformats.org/presentationml/2006/main">
-  <p:cSld>
-    <p:spTree>
-      <p:nvGrpSpPr>
-        <p:cNvPr id="1" name=""/>
-        <p:cNvGrpSpPr/>
-        <p:nvPr/>
-      </p:nvGrpSpPr>
-      <p:grpSpPr>
-        <a:xfrm>
-          <a:off x="0" y="0"/>
-          <a:ext cx="0" cy="0"/>
-          <a:chOff x="0" y="0"/>
-          <a:chExt cx="0" cy="0"/>
-        </a:xfrm>
-      </p:grpSpPr>
-      <p:sp>
-        <p:nvSpPr>
-          <p:cNvPr id="3" name="Content Placeholder 2"/>
-          <p:cNvSpPr>
-            <a:spLocks noGrp="1"/>
-          </p:cNvSpPr>
-          <p:nvPr>
-            <p:ph idx="1"/>
-          </p:nvPr>
-        </p:nvSpPr>
-        <p:spPr/>
-        <p:txBody>
-          <a:bodyPr>
-            <a:normAutofit/>
-          </a:bodyPr>
-          <a:lstStyle/>
-          <a:p>
-            <a:r>
-              <a:rPr lang="en-US" sz="1700" dirty="0" smtClean="0"/>
-              <a:t>Motivation</a:t>
-            </a:r>
-          </a:p>
-          <a:p>
-            <a:endParaRPr lang="en-US" sz="1700" dirty="0" smtClean="0"/>
-          </a:p>
-          <a:p>
-            <a:r>
-              <a:rPr lang="en-US" sz="1700" dirty="0" smtClean="0"/>
-              <a:t>What is Agent-based modeling (ABM)</a:t>
-            </a:r>
-          </a:p>
-          <a:p>
-            <a:endParaRPr lang="en-US" sz="1700" dirty="0" smtClean="0"/>
-          </a:p>
-          <a:p>
-            <a:r>
-              <a:rPr lang="en-US" sz="1700" dirty="0" smtClean="0"/>
-              <a:t>Advantages of ABM</a:t>
-            </a:r>
-          </a:p>
-          <a:p>
-            <a:endParaRPr lang="en-US" sz="1700" dirty="0" smtClean="0"/>
-          </a:p>
-          <a:p>
-            <a:r>
-              <a:rPr lang="en-US" sz="1700" dirty="0" smtClean="0"/>
-              <a:t>Empirical Evaluation and Benchmarking results</a:t>
-            </a:r>
-          </a:p>
-          <a:p>
-            <a:endParaRPr lang="en-US" sz="1700" dirty="0" smtClean="0"/>
-          </a:p>
-          <a:p>
-            <a:r>
-              <a:rPr lang="en-US" sz="1700" dirty="0" smtClean="0"/>
-              <a:t>MUSE Public API</a:t>
-            </a:r>
-          </a:p>
-          <a:p>
-            <a:endParaRPr lang="en-US" sz="1700" dirty="0" smtClean="0"/>
-          </a:p>
-          <a:p>
-            <a:r>
-              <a:rPr lang="en-US" sz="1700" dirty="0" smtClean="0"/>
-              <a:t>Conclusion and Future Works</a:t>
-            </a:r>
-            <a:endParaRPr lang="en-US" sz="1700" dirty="0"/>
-          </a:p>
-        </p:txBody>
-      </p:sp>
-      <p:sp>
-        <p:nvSpPr>
-          <p:cNvPr id="2" name="Title 1"/>
-          <p:cNvSpPr>
-            <a:spLocks noGrp="1"/>
-          </p:cNvSpPr>
-          <p:nvPr>
-            <p:ph type="title"/>
-          </p:nvPr>
-        </p:nvSpPr>
-        <p:spPr/>
-        <p:txBody>
-          <a:bodyPr/>
-          <a:lstStyle/>
-          <a:p>
-            <a:r>
-              <a:rPr lang="en-US" sz="3000" dirty="0" smtClean="0"/>
-              <a:t>Outline</a:t>
-            </a:r>
-            <a:r>
-              <a:rPr lang="en-US" sz="1200" dirty="0" smtClean="0"/>
-              <a:t>(1/1)</a:t>
-            </a:r>
-            <a:endParaRPr lang="en-US" dirty="0"/>
-          </a:p>
-        </p:txBody>
-      </p:sp>
-    </p:spTree>
-  </p:cSld>
-  <p:clrMapOvr>
-    <a:masterClrMapping/>
-  </p:clrMapOvr>
-  <p:timing>
-    <p:tnLst>
-      <p:par>
-        <p:cTn id="1" dur="indefinite" restart="never" nodeType="tmRoot"/>
-      </p:par>
-    </p:tnLst>
-  </p:timing>
-</p:sld>
-</file>
-
-<file path=ppt/slides/slide20.xml><?xml version="1.0" encoding="utf-8"?>
+<file path=ppt/slides/slide22.xml><?xml version="1.0" encoding="utf-8"?>
 <p:sld xmlns:a="http://schemas.openxmlformats.org/drawingml/2006/main" xmlns:r="http://schemas.openxmlformats.org/officeDocument/2006/relationships" xmlns:p="http://schemas.openxmlformats.org/presentationml/2006/main">
   <p:cSld>
     <p:spTree>
@@ -27033,11 +28082,15 @@
           <a:p>
             <a:r>
               <a:rPr lang="en-US" sz="3000" dirty="0" smtClean="0"/>
-              <a:t>MUSE Public API</a:t>
+              <a:t>MUSE Public </a:t>
+            </a:r>
+            <a:r>
+              <a:rPr lang="en-US" sz="3000" dirty="0" smtClean="0"/>
+              <a:t>API</a:t>
             </a:r>
             <a:r>
               <a:rPr lang="en-US" sz="1200" dirty="0" smtClean="0"/>
-              <a:t>(1/10)</a:t>
+              <a:t>(1/2)</a:t>
             </a:r>
             <a:endParaRPr lang="en-US" sz="3000" dirty="0"/>
           </a:p>
@@ -27088,7 +28141,7 @@
           <p:nvPr/>
         </p:nvPicPr>
         <p:blipFill>
-          <a:blip r:embed="rId2"/>
+          <a:blip r:embed="rId3"/>
           <a:srcRect/>
           <a:stretch>
             <a:fillRect/>
@@ -27111,280 +28164,6 @@
           </a:ln>
         </p:spPr>
       </p:pic>
-    </p:spTree>
-  </p:cSld>
-  <p:clrMapOvr>
-    <a:masterClrMapping/>
-  </p:clrMapOvr>
-  <p:timing>
-    <p:tnLst>
-      <p:par>
-        <p:cTn id="1" dur="indefinite" restart="never" nodeType="tmRoot"/>
-      </p:par>
-    </p:tnLst>
-  </p:timing>
-</p:sld>
-</file>
-
-<file path=ppt/slides/slide21.xml><?xml version="1.0" encoding="utf-8"?>
-<p:sld xmlns:a="http://schemas.openxmlformats.org/drawingml/2006/main" xmlns:r="http://schemas.openxmlformats.org/officeDocument/2006/relationships" xmlns:p="http://schemas.openxmlformats.org/presentationml/2006/main">
-  <p:cSld>
-    <p:spTree>
-      <p:nvGrpSpPr>
-        <p:cNvPr id="1" name=""/>
-        <p:cNvGrpSpPr/>
-        <p:nvPr/>
-      </p:nvGrpSpPr>
-      <p:grpSpPr>
-        <a:xfrm>
-          <a:off x="0" y="0"/>
-          <a:ext cx="0" cy="0"/>
-          <a:chOff x="0" y="0"/>
-          <a:chExt cx="0" cy="0"/>
-        </a:xfrm>
-      </p:grpSpPr>
-      <p:sp>
-        <p:nvSpPr>
-          <p:cNvPr id="2" name="Content Placeholder 1"/>
-          <p:cNvSpPr>
-            <a:spLocks noGrp="1"/>
-          </p:cNvSpPr>
-          <p:nvPr>
-            <p:ph idx="1"/>
-          </p:nvPr>
-        </p:nvSpPr>
-        <p:spPr/>
-        <p:txBody>
-          <a:bodyPr>
-            <a:normAutofit/>
-          </a:bodyPr>
-          <a:lstStyle/>
-          <a:p>
-            <a:r>
-              <a:rPr lang="en-US" sz="1700" dirty="0" smtClean="0"/>
-              <a:t>Agent Example.</a:t>
-            </a:r>
-            <a:endParaRPr lang="en-US" sz="1700" dirty="0"/>
-          </a:p>
-        </p:txBody>
-      </p:sp>
-      <p:sp>
-        <p:nvSpPr>
-          <p:cNvPr id="3" name="Title 2"/>
-          <p:cNvSpPr>
-            <a:spLocks noGrp="1"/>
-          </p:cNvSpPr>
-          <p:nvPr>
-            <p:ph type="title"/>
-          </p:nvPr>
-        </p:nvSpPr>
-        <p:spPr/>
-        <p:txBody>
-          <a:bodyPr>
-            <a:normAutofit/>
-          </a:bodyPr>
-          <a:lstStyle/>
-          <a:p>
-            <a:r>
-              <a:rPr lang="en-US" sz="3000" dirty="0" smtClean="0"/>
-              <a:t>MUSE Public API</a:t>
-            </a:r>
-            <a:r>
-              <a:rPr lang="en-US" sz="1200" dirty="0" smtClean="0"/>
-              <a:t>(1/10)</a:t>
-            </a:r>
-            <a:endParaRPr lang="en-US" sz="3000" dirty="0"/>
-          </a:p>
-        </p:txBody>
-      </p:sp>
-      <p:pic>
-        <p:nvPicPr>
-          <p:cNvPr id="4" name="Picture 3"/>
-          <p:cNvPicPr/>
-          <p:nvPr/>
-        </p:nvPicPr>
-        <p:blipFill>
-          <a:blip r:embed="rId2"/>
-          <a:srcRect/>
-          <a:stretch>
-            <a:fillRect/>
-          </a:stretch>
-        </p:blipFill>
-        <p:spPr bwMode="auto">
-          <a:xfrm>
-            <a:off x="2743200" y="1066800"/>
-            <a:ext cx="6096000" cy="5257800"/>
-          </a:xfrm>
-          <a:prstGeom prst="rect">
-            <a:avLst/>
-          </a:prstGeom>
-          <a:noFill/>
-          <a:ln w="9525">
-            <a:noFill/>
-            <a:miter lim="800000"/>
-            <a:headEnd/>
-            <a:tailEnd/>
-          </a:ln>
-        </p:spPr>
-      </p:pic>
-    </p:spTree>
-  </p:cSld>
-  <p:clrMapOvr>
-    <a:masterClrMapping/>
-  </p:clrMapOvr>
-  <p:timing>
-    <p:tnLst>
-      <p:par>
-        <p:cTn id="1" dur="indefinite" restart="never" nodeType="tmRoot"/>
-      </p:par>
-    </p:tnLst>
-  </p:timing>
-</p:sld>
-</file>
-
-<file path=ppt/slides/slide22.xml><?xml version="1.0" encoding="utf-8"?>
-<p:sld xmlns:a="http://schemas.openxmlformats.org/drawingml/2006/main" xmlns:r="http://schemas.openxmlformats.org/officeDocument/2006/relationships" xmlns:p="http://schemas.openxmlformats.org/presentationml/2006/main">
-  <p:cSld>
-    <p:spTree>
-      <p:nvGrpSpPr>
-        <p:cNvPr id="1" name=""/>
-        <p:cNvGrpSpPr/>
-        <p:nvPr/>
-      </p:nvGrpSpPr>
-      <p:grpSpPr>
-        <a:xfrm>
-          <a:off x="0" y="0"/>
-          <a:ext cx="0" cy="0"/>
-          <a:chOff x="0" y="0"/>
-          <a:chExt cx="0" cy="0"/>
-        </a:xfrm>
-      </p:grpSpPr>
-      <p:sp>
-        <p:nvSpPr>
-          <p:cNvPr id="2" name="Content Placeholder 1"/>
-          <p:cNvSpPr>
-            <a:spLocks noGrp="1"/>
-          </p:cNvSpPr>
-          <p:nvPr>
-            <p:ph idx="1"/>
-          </p:nvPr>
-        </p:nvSpPr>
-        <p:spPr/>
-        <p:txBody>
-          <a:bodyPr>
-            <a:normAutofit/>
-          </a:bodyPr>
-          <a:lstStyle/>
-          <a:p>
-            <a:endParaRPr lang="en-US" sz="1700" dirty="0" smtClean="0"/>
-          </a:p>
-          <a:p>
-            <a:r>
-              <a:rPr lang="en-US" sz="1700" dirty="0" smtClean="0"/>
-              <a:t>MUSE is an agent-based parallel simulation framework.</a:t>
-            </a:r>
-          </a:p>
-          <a:p>
-            <a:pPr lvl="1"/>
-            <a:r>
-              <a:rPr lang="en-US" sz="1300" dirty="0" smtClean="0"/>
-              <a:t>Uses Time Warp for parallel synchronization.</a:t>
-            </a:r>
-          </a:p>
-          <a:p>
-            <a:pPr lvl="1"/>
-            <a:r>
-              <a:rPr lang="en-US" sz="1300" dirty="0" smtClean="0"/>
-              <a:t>Uses MPI for parallel computing.</a:t>
-            </a:r>
-          </a:p>
-          <a:p>
-            <a:pPr lvl="1">
-              <a:buNone/>
-            </a:pPr>
-            <a:endParaRPr lang="en-US" sz="1300" dirty="0" smtClean="0"/>
-          </a:p>
-          <a:p>
-            <a:r>
-              <a:rPr lang="en-US" sz="1700" dirty="0" smtClean="0"/>
-              <a:t>Experiments indicate that MUSE is very scalable and efficient.</a:t>
-            </a:r>
-          </a:p>
-          <a:p>
-            <a:pPr>
-              <a:buNone/>
-            </a:pPr>
-            <a:endParaRPr lang="en-US" sz="1700" dirty="0" smtClean="0"/>
-          </a:p>
-          <a:p>
-            <a:r>
-              <a:rPr lang="en-US" sz="1700" dirty="0" smtClean="0"/>
-              <a:t>MUSE is very easy to work with and well documented.</a:t>
-            </a:r>
-            <a:endParaRPr lang="en-US" sz="1700" dirty="0" smtClean="0"/>
-          </a:p>
-          <a:p>
-            <a:pPr lvl="1"/>
-            <a:r>
-              <a:rPr lang="en-US" sz="1300" dirty="0" smtClean="0">
-                <a:hlinkClick r:id="rId2"/>
-              </a:rPr>
-              <a:t>www.musesimulation.org</a:t>
-            </a:r>
-            <a:endParaRPr lang="en-US" sz="1300" dirty="0" smtClean="0"/>
-          </a:p>
-          <a:p>
-            <a:pPr lvl="1"/>
-            <a:r>
-              <a:rPr lang="en-US" sz="1300" dirty="0" smtClean="0"/>
-              <a:t>The ping-pong example.</a:t>
-            </a:r>
-          </a:p>
-          <a:p>
-            <a:pPr lvl="1"/>
-            <a:r>
-              <a:rPr lang="en-US" sz="1300" dirty="0" smtClean="0"/>
-              <a:t>Finished up to Version 14 of BugLife example.</a:t>
-            </a:r>
-          </a:p>
-          <a:p>
-            <a:endParaRPr lang="en-US" sz="1700" dirty="0" smtClean="0"/>
-          </a:p>
-          <a:p>
-            <a:pPr>
-              <a:buNone/>
-            </a:pPr>
-            <a:endParaRPr lang="en-US" sz="1700" dirty="0" smtClean="0"/>
-          </a:p>
-        </p:txBody>
-      </p:sp>
-      <p:sp>
-        <p:nvSpPr>
-          <p:cNvPr id="3" name="Title 2"/>
-          <p:cNvSpPr>
-            <a:spLocks noGrp="1"/>
-          </p:cNvSpPr>
-          <p:nvPr>
-            <p:ph type="title"/>
-          </p:nvPr>
-        </p:nvSpPr>
-        <p:spPr/>
-        <p:txBody>
-          <a:bodyPr/>
-          <a:lstStyle/>
-          <a:p>
-            <a:r>
-              <a:rPr lang="en-US" sz="3000" dirty="0" smtClean="0"/>
-              <a:t>Conclusion and Future Works</a:t>
-            </a:r>
-            <a:r>
-              <a:rPr lang="en-US" sz="1800" dirty="0" smtClean="0"/>
-              <a:t>(1/3)</a:t>
-            </a:r>
-            <a:endParaRPr lang="en-US" dirty="0"/>
-          </a:p>
-        </p:txBody>
-      </p:sp>
     </p:spTree>
   </p:cSld>
   <p:clrMapOvr>
@@ -27434,6 +28213,161 @@
           </a:bodyPr>
           <a:lstStyle/>
           <a:p>
+            <a:r>
+              <a:rPr lang="en-US" sz="1700" dirty="0" smtClean="0"/>
+              <a:t>Agent Example.</a:t>
+            </a:r>
+            <a:endParaRPr lang="en-US" sz="1700" dirty="0"/>
+          </a:p>
+        </p:txBody>
+      </p:sp>
+      <p:sp>
+        <p:nvSpPr>
+          <p:cNvPr id="3" name="Title 2"/>
+          <p:cNvSpPr>
+            <a:spLocks noGrp="1"/>
+          </p:cNvSpPr>
+          <p:nvPr>
+            <p:ph type="title"/>
+          </p:nvPr>
+        </p:nvSpPr>
+        <p:spPr/>
+        <p:txBody>
+          <a:bodyPr>
+            <a:normAutofit/>
+          </a:bodyPr>
+          <a:lstStyle/>
+          <a:p>
+            <a:r>
+              <a:rPr lang="en-US" sz="3000" dirty="0" smtClean="0"/>
+              <a:t>MUSE Public </a:t>
+            </a:r>
+            <a:r>
+              <a:rPr lang="en-US" sz="3000" dirty="0" smtClean="0"/>
+              <a:t>API</a:t>
+            </a:r>
+            <a:r>
+              <a:rPr lang="en-US" sz="1200" dirty="0" smtClean="0"/>
+              <a:t>(2/2)</a:t>
+            </a:r>
+            <a:endParaRPr lang="en-US" sz="3000" dirty="0"/>
+          </a:p>
+        </p:txBody>
+      </p:sp>
+      <p:pic>
+        <p:nvPicPr>
+          <p:cNvPr id="4" name="Picture 3"/>
+          <p:cNvPicPr/>
+          <p:nvPr/>
+        </p:nvPicPr>
+        <p:blipFill>
+          <a:blip r:embed="rId2"/>
+          <a:srcRect/>
+          <a:stretch>
+            <a:fillRect/>
+          </a:stretch>
+        </p:blipFill>
+        <p:spPr bwMode="auto">
+          <a:xfrm>
+            <a:off x="2743200" y="1066800"/>
+            <a:ext cx="6096000" cy="5257800"/>
+          </a:xfrm>
+          <a:prstGeom prst="rect">
+            <a:avLst/>
+          </a:prstGeom>
+          <a:noFill/>
+          <a:ln w="9525">
+            <a:noFill/>
+            <a:miter lim="800000"/>
+            <a:headEnd/>
+            <a:tailEnd/>
+          </a:ln>
+        </p:spPr>
+      </p:pic>
+    </p:spTree>
+  </p:cSld>
+  <p:clrMapOvr>
+    <a:masterClrMapping/>
+  </p:clrMapOvr>
+  <p:timing>
+    <p:tnLst>
+      <p:par>
+        <p:cTn id="1" dur="indefinite" restart="never" nodeType="tmRoot"/>
+      </p:par>
+    </p:tnLst>
+  </p:timing>
+</p:sld>
+</file>
+
+<file path=ppt/slides/slide24.xml><?xml version="1.0" encoding="utf-8"?>
+<p:sld xmlns:a="http://schemas.openxmlformats.org/drawingml/2006/main" xmlns:r="http://schemas.openxmlformats.org/officeDocument/2006/relationships" xmlns:p="http://schemas.openxmlformats.org/presentationml/2006/main">
+  <p:cSld>
+    <p:spTree>
+      <p:nvGrpSpPr>
+        <p:cNvPr id="1" name=""/>
+        <p:cNvGrpSpPr/>
+        <p:nvPr/>
+      </p:nvGrpSpPr>
+      <p:grpSpPr>
+        <a:xfrm>
+          <a:off x="0" y="0"/>
+          <a:ext cx="0" cy="0"/>
+          <a:chOff x="0" y="0"/>
+          <a:chExt cx="0" cy="0"/>
+        </a:xfrm>
+      </p:grpSpPr>
+      <p:sp>
+        <p:nvSpPr>
+          <p:cNvPr id="2" name="Content Placeholder 1"/>
+          <p:cNvSpPr>
+            <a:spLocks noGrp="1"/>
+          </p:cNvSpPr>
+          <p:nvPr>
+            <p:ph idx="1"/>
+          </p:nvPr>
+        </p:nvSpPr>
+        <p:spPr/>
+        <p:txBody>
+          <a:bodyPr>
+            <a:normAutofit/>
+          </a:bodyPr>
+          <a:lstStyle/>
+          <a:p>
+            <a:endParaRPr lang="en-US" sz="1700" dirty="0" smtClean="0"/>
+          </a:p>
+          <a:p>
+            <a:r>
+              <a:rPr lang="en-US" sz="1700" dirty="0" smtClean="0"/>
+              <a:t>MUSE is an agent-based parallel simulation framework.</a:t>
+            </a:r>
+          </a:p>
+          <a:p>
+            <a:pPr lvl="1"/>
+            <a:r>
+              <a:rPr lang="en-US" sz="1300" dirty="0" smtClean="0"/>
+              <a:t>Uses Time Warp for parallel synchronization.</a:t>
+            </a:r>
+          </a:p>
+          <a:p>
+            <a:pPr lvl="1"/>
+            <a:r>
+              <a:rPr lang="en-US" sz="1300" dirty="0" smtClean="0"/>
+              <a:t>Uses MPI for parallel computing.</a:t>
+            </a:r>
+          </a:p>
+          <a:p>
+            <a:pPr lvl="1">
+              <a:buNone/>
+            </a:pPr>
+            <a:endParaRPr lang="en-US" sz="1300" dirty="0" smtClean="0"/>
+          </a:p>
+          <a:p>
+            <a:r>
+              <a:rPr lang="en-US" sz="1700" dirty="0" smtClean="0"/>
+              <a:t>Experiments indicate that MUSE is very scalable and efficient.</a:t>
+            </a:r>
+          </a:p>
+          <a:p>
             <a:pPr>
               <a:buNone/>
             </a:pPr>
@@ -27442,82 +28376,41 @@
           <a:p>
             <a:r>
               <a:rPr lang="en-US" sz="1700" dirty="0" smtClean="0"/>
-              <a:t>2D/3D </a:t>
-            </a:r>
-            <a:r>
-              <a:rPr lang="en-US" sz="1700" dirty="0" smtClean="0"/>
-              <a:t>Visualization API</a:t>
-            </a:r>
+              <a:t>MUSE is very easy to work with and well documented.</a:t>
+            </a:r>
+          </a:p>
+          <a:p>
+            <a:pPr lvl="1"/>
+            <a:r>
+              <a:rPr lang="en-US" sz="1300" dirty="0" smtClean="0">
+                <a:hlinkClick r:id="rId2"/>
+              </a:rPr>
+              <a:t>www.musesimulation.org</a:t>
+            </a:r>
+            <a:endParaRPr lang="en-US" sz="1300" dirty="0" smtClean="0"/>
+          </a:p>
+          <a:p>
+            <a:pPr lvl="1"/>
+            <a:r>
+              <a:rPr lang="en-US" sz="1300" dirty="0" smtClean="0"/>
+              <a:t>The ping-pong example.</a:t>
+            </a:r>
+          </a:p>
+          <a:p>
+            <a:pPr lvl="1"/>
+            <a:r>
+              <a:rPr lang="en-US" sz="1300" dirty="0" smtClean="0"/>
+              <a:t>Finished up to Version 14 of BugLife example.</a:t>
+            </a:r>
+          </a:p>
+          <a:p>
+            <a:endParaRPr lang="en-US" sz="1700" dirty="0" smtClean="0"/>
           </a:p>
           <a:p>
             <a:pPr>
               <a:buNone/>
             </a:pPr>
             <a:endParaRPr lang="en-US" sz="1700" dirty="0" smtClean="0"/>
-          </a:p>
-          <a:p>
-            <a:r>
-              <a:rPr lang="en-US" sz="1700" dirty="0" smtClean="0"/>
-              <a:t>Spatial aware Agents API</a:t>
-            </a:r>
-          </a:p>
-          <a:p>
-            <a:pPr>
-              <a:buNone/>
-            </a:pPr>
-            <a:endParaRPr lang="en-US" sz="1700" dirty="0" smtClean="0"/>
-          </a:p>
-          <a:p>
-            <a:r>
-              <a:rPr lang="en-US" sz="1700" dirty="0" smtClean="0"/>
-              <a:t>Adapt MUSE to take advantage of Cloud Computing.</a:t>
-            </a:r>
-          </a:p>
-          <a:p>
-            <a:pPr lvl="1"/>
-            <a:r>
-              <a:rPr lang="en-US" sz="1400" dirty="0" smtClean="0"/>
-              <a:t>We are currently looking into this possibility.</a:t>
-            </a:r>
-          </a:p>
-          <a:p>
-            <a:pPr lvl="1">
-              <a:buNone/>
-            </a:pPr>
-            <a:endParaRPr lang="en-US" sz="1300" dirty="0" smtClean="0"/>
-          </a:p>
-          <a:p>
-            <a:r>
-              <a:rPr lang="en-US" sz="1700" dirty="0" smtClean="0"/>
-              <a:t>Adapt MUSE to work with grid </a:t>
-            </a:r>
-            <a:r>
-              <a:rPr lang="en-US" sz="1700" dirty="0" smtClean="0"/>
-              <a:t>computing</a:t>
-            </a:r>
-            <a:r>
-              <a:rPr lang="en-US" sz="1700" dirty="0" smtClean="0"/>
-              <a:t>. </a:t>
-            </a:r>
-            <a:endParaRPr lang="en-US" sz="1700" dirty="0" smtClean="0"/>
-          </a:p>
-          <a:p>
-            <a:endParaRPr lang="en-US" sz="1700" dirty="0" smtClean="0"/>
-          </a:p>
-          <a:p>
-            <a:r>
-              <a:rPr lang="en-US" sz="1700" dirty="0" smtClean="0"/>
-              <a:t>More optimization to MUSE</a:t>
-            </a:r>
-          </a:p>
-          <a:p>
-            <a:endParaRPr lang="en-US" sz="1700" dirty="0" smtClean="0"/>
-          </a:p>
-          <a:p>
-            <a:pPr>
-              <a:buNone/>
-            </a:pPr>
-            <a:endParaRPr lang="en-US" sz="1700" dirty="0"/>
           </a:p>
         </p:txBody>
       </p:sp>
@@ -27538,11 +28431,15 @@
           <a:p>
             <a:r>
               <a:rPr lang="en-US" sz="3000" dirty="0" smtClean="0"/>
-              <a:t>Conclusion and Future Works</a:t>
+              <a:t>Conclusion and Future </a:t>
+            </a:r>
+            <a:r>
+              <a:rPr lang="en-US" sz="3000" dirty="0" smtClean="0"/>
+              <a:t>Works</a:t>
             </a:r>
             <a:r>
               <a:rPr lang="en-US" sz="1800" dirty="0" smtClean="0"/>
-              <a:t>(1/3)</a:t>
+              <a:t>(1/2)</a:t>
             </a:r>
             <a:endParaRPr lang="en-US" dirty="0"/>
           </a:p>
@@ -27563,7 +28460,161 @@
 </p:sld>
 </file>
 
-<file path=ppt/slides/slide24.xml><?xml version="1.0" encoding="utf-8"?>
+<file path=ppt/slides/slide25.xml><?xml version="1.0" encoding="utf-8"?>
+<p:sld xmlns:a="http://schemas.openxmlformats.org/drawingml/2006/main" xmlns:r="http://schemas.openxmlformats.org/officeDocument/2006/relationships" xmlns:p="http://schemas.openxmlformats.org/presentationml/2006/main">
+  <p:cSld>
+    <p:spTree>
+      <p:nvGrpSpPr>
+        <p:cNvPr id="1" name=""/>
+        <p:cNvGrpSpPr/>
+        <p:nvPr/>
+      </p:nvGrpSpPr>
+      <p:grpSpPr>
+        <a:xfrm>
+          <a:off x="0" y="0"/>
+          <a:ext cx="0" cy="0"/>
+          <a:chOff x="0" y="0"/>
+          <a:chExt cx="0" cy="0"/>
+        </a:xfrm>
+      </p:grpSpPr>
+      <p:sp>
+        <p:nvSpPr>
+          <p:cNvPr id="2" name="Content Placeholder 1"/>
+          <p:cNvSpPr>
+            <a:spLocks noGrp="1"/>
+          </p:cNvSpPr>
+          <p:nvPr>
+            <p:ph idx="1"/>
+          </p:nvPr>
+        </p:nvSpPr>
+        <p:spPr/>
+        <p:txBody>
+          <a:bodyPr>
+            <a:normAutofit/>
+          </a:bodyPr>
+          <a:lstStyle/>
+          <a:p>
+            <a:pPr>
+              <a:buNone/>
+            </a:pPr>
+            <a:endParaRPr lang="en-US" sz="1700" dirty="0" smtClean="0"/>
+          </a:p>
+          <a:p>
+            <a:r>
+              <a:rPr lang="en-US" sz="1700" dirty="0" smtClean="0"/>
+              <a:t>2D/3D Visualization API</a:t>
+            </a:r>
+          </a:p>
+          <a:p>
+            <a:pPr>
+              <a:buNone/>
+            </a:pPr>
+            <a:endParaRPr lang="en-US" sz="1700" dirty="0" smtClean="0"/>
+          </a:p>
+          <a:p>
+            <a:r>
+              <a:rPr lang="en-US" sz="1700" dirty="0" smtClean="0"/>
+              <a:t>Spatial aware Agents API</a:t>
+            </a:r>
+          </a:p>
+          <a:p>
+            <a:pPr>
+              <a:buNone/>
+            </a:pPr>
+            <a:endParaRPr lang="en-US" sz="1700" dirty="0" smtClean="0"/>
+          </a:p>
+          <a:p>
+            <a:r>
+              <a:rPr lang="en-US" sz="1700" dirty="0" smtClean="0"/>
+              <a:t>Adapt MUSE to take advantage of Cloud Computing.</a:t>
+            </a:r>
+          </a:p>
+          <a:p>
+            <a:pPr lvl="1"/>
+            <a:r>
+              <a:rPr lang="en-US" sz="1400" dirty="0" smtClean="0"/>
+              <a:t>We are currently looking into this possibility.</a:t>
+            </a:r>
+          </a:p>
+          <a:p>
+            <a:pPr lvl="1">
+              <a:buNone/>
+            </a:pPr>
+            <a:endParaRPr lang="en-US" sz="1300" dirty="0" smtClean="0"/>
+          </a:p>
+          <a:p>
+            <a:r>
+              <a:rPr lang="en-US" sz="1700" dirty="0" smtClean="0"/>
+              <a:t>Adapt MUSE to work with grid computing. </a:t>
+            </a:r>
+          </a:p>
+          <a:p>
+            <a:endParaRPr lang="en-US" sz="1700" dirty="0" smtClean="0"/>
+          </a:p>
+          <a:p>
+            <a:r>
+              <a:rPr lang="en-US" sz="1700" dirty="0" smtClean="0"/>
+              <a:t>More optimization to MUSE</a:t>
+            </a:r>
+          </a:p>
+          <a:p>
+            <a:endParaRPr lang="en-US" sz="1700" dirty="0" smtClean="0"/>
+          </a:p>
+          <a:p>
+            <a:pPr>
+              <a:buNone/>
+            </a:pPr>
+            <a:endParaRPr lang="en-US" sz="1700" dirty="0"/>
+          </a:p>
+        </p:txBody>
+      </p:sp>
+      <p:sp>
+        <p:nvSpPr>
+          <p:cNvPr id="3" name="Title 2"/>
+          <p:cNvSpPr>
+            <a:spLocks noGrp="1"/>
+          </p:cNvSpPr>
+          <p:nvPr>
+            <p:ph type="title"/>
+          </p:nvPr>
+        </p:nvSpPr>
+        <p:spPr/>
+        <p:txBody>
+          <a:bodyPr/>
+          <a:lstStyle/>
+          <a:p>
+            <a:r>
+              <a:rPr lang="en-US" sz="3000" dirty="0" smtClean="0"/>
+              <a:t>Conclusion and Future </a:t>
+            </a:r>
+            <a:r>
+              <a:rPr lang="en-US" sz="3000" dirty="0" smtClean="0"/>
+              <a:t>Works</a:t>
+            </a:r>
+            <a:r>
+              <a:rPr lang="en-US" sz="1800" dirty="0" smtClean="0"/>
+              <a:t>(2/2)</a:t>
+            </a:r>
+            <a:endParaRPr lang="en-US" dirty="0"/>
+          </a:p>
+        </p:txBody>
+      </p:sp>
+    </p:spTree>
+  </p:cSld>
+  <p:clrMapOvr>
+    <a:masterClrMapping/>
+  </p:clrMapOvr>
+  <p:timing>
+    <p:tnLst>
+      <p:par>
+        <p:cTn id="1" dur="indefinite" restart="never" nodeType="tmRoot"/>
+      </p:par>
+    </p:tnLst>
+  </p:timing>
+</p:sld>
+</file>
+
+<file path=ppt/slides/slide26.xml><?xml version="1.0" encoding="utf-8"?>
 <p:sld xmlns:a="http://schemas.openxmlformats.org/drawingml/2006/main" xmlns:r="http://schemas.openxmlformats.org/officeDocument/2006/relationships" xmlns:p="http://schemas.openxmlformats.org/presentationml/2006/main">
   <p:cSld>
     <p:spTree>
@@ -27710,7 +28761,15 @@
           <a:p>
             <a:r>
               <a:rPr lang="en-US" sz="1700" dirty="0" smtClean="0"/>
-              <a:t>A decision of what to do if a bio-warfare every breaks out or how to correctly allocate energy resources in the dangers of global warming are good examples of these systems of study.</a:t>
+              <a:t>A decision of what to do if a bio-warfare </a:t>
+            </a:r>
+            <a:r>
+              <a:rPr lang="en-US" sz="1700" dirty="0" smtClean="0"/>
+              <a:t>ever </a:t>
+            </a:r>
+            <a:r>
+              <a:rPr lang="en-US" sz="1700" dirty="0" smtClean="0"/>
+              <a:t>breaks out or how to correctly allocate energy resources in the dangers of global warming are good examples of these systems of study.</a:t>
             </a:r>
           </a:p>
           <a:p>
@@ -27739,7 +28798,7 @@
             </a:r>
             <a:r>
               <a:rPr lang="en-US" sz="1200" dirty="0" smtClean="0"/>
-              <a:t>(1/3)</a:t>
+              <a:t>(1/4)</a:t>
             </a:r>
             <a:endParaRPr lang="en-US" sz="1200" dirty="0"/>
           </a:p>
@@ -27796,7 +28855,15 @@
           <a:p>
             <a:r>
               <a:rPr lang="en-US" sz="1700" dirty="0" smtClean="0"/>
-              <a:t>Usually the studies of systems like bio-ware scenarios or global warming are unrealistic without the help of modern technology.</a:t>
+              <a:t>Usually the studies of systems like </a:t>
+            </a:r>
+            <a:r>
+              <a:rPr lang="en-US" sz="1700" dirty="0" smtClean="0"/>
+              <a:t>bio-warfare </a:t>
+            </a:r>
+            <a:r>
+              <a:rPr lang="en-US" sz="1700" dirty="0" smtClean="0"/>
+              <a:t>scenarios or global warming are unrealistic without the help of modern technology.</a:t>
             </a:r>
           </a:p>
           <a:p>
@@ -27825,18 +28892,6 @@
           </a:p>
           <a:p>
             <a:endParaRPr lang="en-US" sz="1600" dirty="0" smtClean="0"/>
-          </a:p>
-          <a:p>
-            <a:endParaRPr lang="en-US" sz="1600" dirty="0" smtClean="0"/>
-          </a:p>
-          <a:p>
-            <a:r>
-              <a:rPr lang="en-US" sz="1600" dirty="0" smtClean="0"/>
-              <a:t>This is the main motivation behind the need to advance technology in computer-based simulations.</a:t>
-            </a:r>
-          </a:p>
-          <a:p>
-            <a:endParaRPr lang="en-US" dirty="0"/>
           </a:p>
         </p:txBody>
       </p:sp>
@@ -27861,7 +28916,7 @@
             </a:r>
             <a:r>
               <a:rPr lang="en-US" sz="1200" dirty="0" smtClean="0"/>
-              <a:t>(2/3)</a:t>
+              <a:t>(2/4)</a:t>
             </a:r>
             <a:endParaRPr lang="en-US" dirty="0"/>
           </a:p>
@@ -27911,68 +28966,12 @@
         </p:nvSpPr>
         <p:spPr/>
         <p:txBody>
-          <a:bodyPr/>
+          <a:bodyPr>
+            <a:normAutofit/>
+          </a:bodyPr>
           <a:lstStyle/>
           <a:p>
-            <a:r>
-              <a:rPr lang="en-US" dirty="0" smtClean="0"/>
-              <a:t>MUSE</a:t>
-            </a:r>
-          </a:p>
-          <a:p>
-            <a:pPr lvl="1"/>
-            <a:r>
-              <a:rPr lang="en-US" b="1" u="sng" dirty="0" smtClean="0"/>
-              <a:t>M</a:t>
-            </a:r>
-            <a:r>
-              <a:rPr lang="en-US" dirty="0" smtClean="0"/>
-              <a:t>iami </a:t>
-            </a:r>
-            <a:r>
-              <a:rPr lang="en-US" b="1" u="sng" dirty="0" smtClean="0"/>
-              <a:t>U</a:t>
-            </a:r>
-            <a:r>
-              <a:rPr lang="en-US" dirty="0" smtClean="0"/>
-              <a:t>niversity </a:t>
-            </a:r>
-            <a:r>
-              <a:rPr lang="en-US" b="1" u="sng" dirty="0" smtClean="0"/>
-              <a:t>S</a:t>
-            </a:r>
-            <a:r>
-              <a:rPr lang="en-US" dirty="0" smtClean="0"/>
-              <a:t>imulation </a:t>
-            </a:r>
-            <a:r>
-              <a:rPr lang="en-US" b="1" u="sng" dirty="0" smtClean="0"/>
-              <a:t>E</a:t>
-            </a:r>
-            <a:r>
-              <a:rPr lang="en-US" dirty="0" smtClean="0"/>
-              <a:t>nvironment.</a:t>
-            </a:r>
-          </a:p>
-          <a:p>
-            <a:pPr lvl="1"/>
-            <a:r>
-              <a:rPr lang="en-US" dirty="0" smtClean="0"/>
-              <a:t>MUSE (verb): to become absorbed in thought.</a:t>
-            </a:r>
-          </a:p>
-          <a:p>
-            <a:pPr lvl="1"/>
-            <a:r>
-              <a:rPr lang="en-US" dirty="0" smtClean="0"/>
-              <a:t>An Agent-based Simulation Environment.</a:t>
-            </a:r>
-          </a:p>
-          <a:p>
-            <a:pPr lvl="1">
-              <a:buNone/>
-            </a:pPr>
-            <a:endParaRPr lang="en-US" dirty="0" smtClean="0"/>
+            <a:endParaRPr lang="en-US" dirty="0"/>
           </a:p>
         </p:txBody>
       </p:sp>
@@ -27997,12 +28996,40 @@
             </a:r>
             <a:r>
               <a:rPr lang="en-US" sz="1200" dirty="0" smtClean="0"/>
-              <a:t>(3/3)</a:t>
+              <a:t>(3/4)</a:t>
             </a:r>
             <a:endParaRPr lang="en-US" dirty="0"/>
           </a:p>
         </p:txBody>
       </p:sp>
+      <p:pic>
+        <p:nvPicPr>
+          <p:cNvPr id="1026" name="Picture 2" descr="C:\Documents and Settings\gebremr\Desktop\motivationPPT.jpg">
+            <a:hlinkClick r:id="rId2"/>
+          </p:cNvPr>
+          <p:cNvPicPr>
+            <a:picLocks noChangeAspect="1" noChangeArrowheads="1"/>
+          </p:cNvPicPr>
+          <p:nvPr/>
+        </p:nvPicPr>
+        <p:blipFill>
+          <a:blip r:embed="rId3"/>
+          <a:srcRect/>
+          <a:stretch>
+            <a:fillRect/>
+          </a:stretch>
+        </p:blipFill>
+        <p:spPr bwMode="auto">
+          <a:xfrm>
+            <a:off x="0" y="1143000"/>
+            <a:ext cx="9144000" cy="5715000"/>
+          </a:xfrm>
+          <a:prstGeom prst="rect">
+            <a:avLst/>
+          </a:prstGeom>
+          <a:noFill/>
+        </p:spPr>
+      </p:pic>
     </p:spTree>
   </p:cSld>
   <p:clrMapOvr>
@@ -28051,43 +29078,64 @@
           <a:lstStyle/>
           <a:p>
             <a:r>
-              <a:rPr lang="en-US" sz="1700" dirty="0" smtClean="0"/>
-              <a:t>Simulation in a nutshell is mimicking a system…</a:t>
-            </a:r>
-          </a:p>
-          <a:p>
-            <a:endParaRPr lang="en-US" sz="1700" dirty="0" smtClean="0"/>
-          </a:p>
-          <a:p>
-            <a:r>
-              <a:rPr lang="en-US" sz="1700" dirty="0" smtClean="0"/>
-              <a:t>In agent-based modeling (ABM), a system is modeled as a collection of independent decision-making entities called agents (Bonabeau). </a:t>
-            </a:r>
-          </a:p>
-          <a:p>
-            <a:endParaRPr lang="en-US" sz="1700" dirty="0" smtClean="0"/>
-          </a:p>
-          <a:p>
-            <a:r>
-              <a:rPr lang="en-US" sz="1800" dirty="0" smtClean="0"/>
-              <a:t>Typically the agent has a set of rules to follow and based on these rules the agent can make decisions. </a:t>
+              <a:rPr lang="en-US" dirty="0" smtClean="0"/>
+              <a:t>MUSE</a:t>
             </a:r>
           </a:p>
           <a:p>
             <a:pPr lvl="1"/>
             <a:r>
-              <a:rPr lang="en-US" sz="1300" dirty="0" smtClean="0"/>
-              <a:t>These rules are data that we collect and input into the model.</a:t>
-            </a:r>
-          </a:p>
-          <a:p>
-            <a:endParaRPr lang="en-US" sz="1700" dirty="0" smtClean="0"/>
-          </a:p>
-          <a:p>
-            <a:endParaRPr lang="en-US" sz="1700" dirty="0" smtClean="0"/>
-          </a:p>
-          <a:p>
-            <a:endParaRPr lang="en-US" dirty="0"/>
+              <a:rPr lang="en-US" b="1" u="sng" dirty="0" smtClean="0"/>
+              <a:t>M</a:t>
+            </a:r>
+            <a:r>
+              <a:rPr lang="en-US" dirty="0" smtClean="0"/>
+              <a:t>iami </a:t>
+            </a:r>
+            <a:r>
+              <a:rPr lang="en-US" b="1" u="sng" dirty="0" smtClean="0"/>
+              <a:t>U</a:t>
+            </a:r>
+            <a:r>
+              <a:rPr lang="en-US" dirty="0" smtClean="0"/>
+              <a:t>niversity </a:t>
+            </a:r>
+            <a:r>
+              <a:rPr lang="en-US" b="1" u="sng" dirty="0" smtClean="0"/>
+              <a:t>S</a:t>
+            </a:r>
+            <a:r>
+              <a:rPr lang="en-US" dirty="0" smtClean="0"/>
+              <a:t>imulation </a:t>
+            </a:r>
+            <a:r>
+              <a:rPr lang="en-US" b="1" u="sng" dirty="0" smtClean="0"/>
+              <a:t>E</a:t>
+            </a:r>
+            <a:r>
+              <a:rPr lang="en-US" dirty="0" smtClean="0"/>
+              <a:t>nvironment.</a:t>
+            </a:r>
+          </a:p>
+          <a:p>
+            <a:pPr lvl="1"/>
+            <a:r>
+              <a:rPr lang="en-US" dirty="0" smtClean="0"/>
+              <a:t>MUSE (verb): to become absorbed in thought.</a:t>
+            </a:r>
+          </a:p>
+          <a:p>
+            <a:pPr lvl="1"/>
+            <a:r>
+              <a:rPr lang="en-US" dirty="0" smtClean="0"/>
+              <a:t>An Agent-based Simulation Environment.</a:t>
+            </a:r>
+          </a:p>
+          <a:p>
+            <a:pPr lvl="1">
+              <a:buNone/>
+            </a:pPr>
+            <a:endParaRPr lang="en-US" dirty="0" smtClean="0"/>
           </a:p>
         </p:txBody>
       </p:sp>
@@ -28103,20 +29151,18 @@
         </p:nvSpPr>
         <p:spPr/>
         <p:txBody>
-          <a:bodyPr>
-            <a:normAutofit/>
-          </a:bodyPr>
+          <a:bodyPr/>
           <a:lstStyle/>
           <a:p>
             <a:r>
               <a:rPr lang="en-US" sz="3000" dirty="0" smtClean="0"/>
-              <a:t>Agent-based Modeling</a:t>
+              <a:t>Motivation</a:t>
             </a:r>
             <a:r>
               <a:rPr lang="en-US" sz="1200" dirty="0" smtClean="0"/>
-              <a:t>(1/1)</a:t>
-            </a:r>
-            <a:endParaRPr lang="en-US" sz="1200" dirty="0"/>
+              <a:t>(4/4)</a:t>
+            </a:r>
+            <a:endParaRPr lang="en-US" dirty="0"/>
           </a:p>
         </p:txBody>
       </p:sp>
@@ -28169,80 +29215,52 @@
           <a:p>
             <a:r>
               <a:rPr lang="en-US" sz="1700" dirty="0" smtClean="0"/>
-              <a:t>The most important being ABM can capture emergent phenomena (Bonabeau). </a:t>
-            </a:r>
-          </a:p>
-          <a:p>
-            <a:pPr>
-              <a:buNone/>
-            </a:pPr>
+              <a:t>Simulation in a nutshell is mimicking a system.</a:t>
+            </a:r>
+          </a:p>
+          <a:p>
             <a:endParaRPr lang="en-US" sz="1700" dirty="0" smtClean="0"/>
           </a:p>
           <a:p>
             <a:r>
               <a:rPr lang="en-US" sz="1700" dirty="0" smtClean="0"/>
-              <a:t>How  can phenomena be captured?</a:t>
+              <a:t>In agent-based modeling (ABM), a system is modeled as a collection of independent decision-making entities called agents (Bonabeau). </a:t>
+            </a:r>
+          </a:p>
+          <a:p>
+            <a:endParaRPr lang="en-US" sz="1700" dirty="0" smtClean="0"/>
+          </a:p>
+          <a:p>
+            <a:r>
+              <a:rPr lang="en-US" sz="1800" dirty="0" smtClean="0"/>
+              <a:t>Typically the agent has a set of rules to follow and based on these rules the agent can make decisions. </a:t>
             </a:r>
           </a:p>
           <a:p>
             <a:pPr lvl="1"/>
             <a:r>
               <a:rPr lang="en-US" sz="1300" dirty="0" smtClean="0"/>
-              <a:t>Nothing is constant in this universe except change.</a:t>
+              <a:t>These rules are data that we collect and input into the model.</a:t>
+            </a:r>
+          </a:p>
+          <a:p>
+            <a:endParaRPr lang="en-US" sz="1700" dirty="0" smtClean="0"/>
+          </a:p>
+          <a:p>
+            <a:r>
+              <a:rPr lang="en-US" sz="1700" dirty="0" smtClean="0"/>
+              <a:t>ABM is more a way of thinking about the model.</a:t>
             </a:r>
           </a:p>
           <a:p>
             <a:pPr lvl="1"/>
             <a:r>
               <a:rPr lang="en-US" sz="1300" dirty="0" smtClean="0"/>
-              <a:t>All entities are always changing is some way.</a:t>
-            </a:r>
-          </a:p>
-          <a:p>
-            <a:pPr lvl="1"/>
-            <a:r>
-              <a:rPr lang="en-US" sz="1300" dirty="0" smtClean="0"/>
-              <a:t>More rules for entities, yields better simulation (closer to real life outcomes) results</a:t>
-            </a:r>
-          </a:p>
-          <a:p>
-            <a:endParaRPr lang="en-US" sz="1700" dirty="0" smtClean="0"/>
-          </a:p>
-          <a:p>
-            <a:r>
-              <a:rPr lang="en-US" sz="1800" dirty="0" smtClean="0"/>
-              <a:t>“the whole is more than the sum of its part because of the interactions between the parts” (Bonabeau). </a:t>
-            </a:r>
-            <a:endParaRPr lang="en-US" sz="1700" dirty="0" smtClean="0"/>
-          </a:p>
-          <a:p>
-            <a:pPr lvl="1"/>
-            <a:endParaRPr lang="en-US" dirty="0" smtClean="0"/>
-          </a:p>
-          <a:p>
-            <a:r>
-              <a:rPr lang="en-US" sz="1700" dirty="0" smtClean="0"/>
-              <a:t>ABM is also flexible and more natural to work with </a:t>
-            </a:r>
-            <a:r>
-              <a:rPr lang="en-US" sz="1600" dirty="0" smtClean="0"/>
-              <a:t>(Bonabeau). </a:t>
-            </a:r>
-          </a:p>
-          <a:p>
-            <a:pPr lvl="1"/>
-            <a:r>
-              <a:rPr lang="en-US" sz="1300" dirty="0" smtClean="0"/>
-              <a:t>We can easily collect more data and add it to the model, making it flexible.</a:t>
-            </a:r>
-          </a:p>
-          <a:p>
-            <a:pPr lvl="1"/>
-            <a:r>
-              <a:rPr lang="en-US" sz="1300" dirty="0" smtClean="0"/>
-              <a:t>Easy to think of modeling as interaction between entities.</a:t>
-            </a:r>
-            <a:endParaRPr lang="en-US" sz="1300" dirty="0"/>
+              <a:t>So what is the Advantages to ABM?</a:t>
+            </a:r>
+          </a:p>
+          <a:p>
+            <a:endParaRPr lang="en-US" dirty="0"/>
           </a:p>
         </p:txBody>
       </p:sp>
@@ -28258,18 +29276,20 @@
         </p:nvSpPr>
         <p:spPr/>
         <p:txBody>
-          <a:bodyPr/>
+          <a:bodyPr>
+            <a:normAutofit/>
+          </a:bodyPr>
           <a:lstStyle/>
           <a:p>
             <a:r>
               <a:rPr lang="en-US" sz="3000" dirty="0" smtClean="0"/>
-              <a:t>Advantages to ABM</a:t>
-            </a:r>
-            <a:r>
-              <a:rPr lang="en-US" sz="1800" dirty="0" smtClean="0"/>
+              <a:t>Agent-based Modeling</a:t>
+            </a:r>
+            <a:r>
+              <a:rPr lang="en-US" sz="1200" dirty="0" smtClean="0"/>
               <a:t>(1/1)</a:t>
             </a:r>
-            <a:endParaRPr lang="en-US" dirty="0"/>
+            <a:endParaRPr lang="en-US" sz="1200" dirty="0"/>
           </a:p>
         </p:txBody>
       </p:sp>
@@ -28321,8 +29341,79 @@
           <a:lstStyle/>
           <a:p>
             <a:r>
+              <a:rPr lang="en-US" sz="1700" dirty="0" smtClean="0"/>
+              <a:t>The most important being ABM can capture emergent phenomena (Bonabeau). </a:t>
+            </a:r>
+          </a:p>
+          <a:p>
+            <a:pPr>
+              <a:buNone/>
+            </a:pPr>
+            <a:endParaRPr lang="en-US" sz="1700" dirty="0" smtClean="0"/>
+          </a:p>
+          <a:p>
+            <a:r>
+              <a:rPr lang="en-US" sz="1700" dirty="0" smtClean="0"/>
+              <a:t>How  can phenomena be captured?</a:t>
+            </a:r>
+          </a:p>
+          <a:p>
+            <a:pPr lvl="1"/>
+            <a:r>
               <a:rPr lang="en-US" sz="1300" dirty="0" smtClean="0"/>
-              <a:t>Next we present results from the experiments before discussing the API details.</a:t>
+              <a:t>Nothing is constant in this universe except change.</a:t>
+            </a:r>
+          </a:p>
+          <a:p>
+            <a:pPr lvl="1"/>
+            <a:r>
+              <a:rPr lang="en-US" sz="1300" dirty="0" smtClean="0"/>
+              <a:t>All entities are always changing is some way.</a:t>
+            </a:r>
+          </a:p>
+          <a:p>
+            <a:pPr lvl="1"/>
+            <a:r>
+              <a:rPr lang="en-US" sz="1300" dirty="0" smtClean="0"/>
+              <a:t>More rules for entities, yields better simulation (closer to real life outcomes) results</a:t>
+            </a:r>
+          </a:p>
+          <a:p>
+            <a:endParaRPr lang="en-US" sz="1700" dirty="0" smtClean="0"/>
+          </a:p>
+          <a:p>
+            <a:r>
+              <a:rPr lang="en-US" sz="1800" dirty="0" smtClean="0"/>
+              <a:t>“the whole is more than the sum of its part because of the interactions between the parts” (Bonabeau). </a:t>
+            </a:r>
+            <a:endParaRPr lang="en-US" sz="1700" dirty="0" smtClean="0"/>
+          </a:p>
+          <a:p>
+            <a:pPr lvl="1"/>
+            <a:endParaRPr lang="en-US" dirty="0" smtClean="0"/>
+          </a:p>
+          <a:p>
+            <a:r>
+              <a:rPr lang="en-US" sz="1700" dirty="0" smtClean="0"/>
+              <a:t>ABM is also flexible and more natural to work with </a:t>
+            </a:r>
+            <a:r>
+              <a:rPr lang="en-US" sz="1600" dirty="0" smtClean="0"/>
+              <a:t>(Bonabeau). </a:t>
+            </a:r>
+          </a:p>
+          <a:p>
+            <a:pPr lvl="1"/>
+            <a:r>
+              <a:rPr lang="en-US" sz="1300" dirty="0" smtClean="0"/>
+              <a:t>We can easily collect more data and add it to the model, making it flexible.</a:t>
+            </a:r>
+          </a:p>
+          <a:p>
+            <a:pPr lvl="1"/>
+            <a:r>
+              <a:rPr lang="en-US" sz="1300" dirty="0" smtClean="0"/>
+              <a:t>Easy to think of modeling as interaction between entities.</a:t>
             </a:r>
             <a:endParaRPr lang="en-US" sz="1300" dirty="0"/>
           </a:p>
@@ -28344,8 +29435,12 @@
           <a:lstStyle/>
           <a:p>
             <a:r>
-              <a:rPr lang="en-US" dirty="0" smtClean="0"/>
-              <a:t>Quick Note</a:t>
+              <a:rPr lang="en-US" sz="3000" dirty="0" smtClean="0"/>
+              <a:t>Advantages to ABM</a:t>
+            </a:r>
+            <a:r>
+              <a:rPr lang="en-US" sz="1800" dirty="0" smtClean="0"/>
+              <a:t>(1/1)</a:t>
             </a:r>
             <a:endParaRPr lang="en-US" dirty="0"/>
           </a:p>
@@ -28395,78 +29490,12 @@
         </p:nvSpPr>
         <p:spPr/>
         <p:txBody>
-          <a:bodyPr>
-            <a:normAutofit/>
-          </a:bodyPr>
+          <a:bodyPr/>
           <a:lstStyle/>
           <a:p>
             <a:r>
-              <a:rPr lang="en-US" sz="1700" dirty="0" smtClean="0"/>
-              <a:t>For the experiments, implementation and testing is done with PHOLD (Fujimoto). </a:t>
-            </a:r>
-          </a:p>
-          <a:p>
-            <a:endParaRPr lang="en-US" sz="1700" dirty="0" smtClean="0"/>
-          </a:p>
-          <a:p>
-            <a:r>
-              <a:rPr lang="en-US" sz="1700" dirty="0" smtClean="0"/>
-              <a:t>PHOLD variables used to scale and fine tune a simulation workload.</a:t>
-            </a:r>
-          </a:p>
-          <a:p>
-            <a:pPr lvl="1"/>
-            <a:r>
-              <a:rPr lang="en-US" sz="1300" i="1" dirty="0" smtClean="0"/>
-              <a:t>X</a:t>
-            </a:r>
-            <a:r>
               <a:rPr lang="en-US" sz="1300" dirty="0" smtClean="0"/>
-              <a:t>, this is the number of columns to have in the PHOLD grid</a:t>
-            </a:r>
-          </a:p>
-          <a:p>
-            <a:pPr lvl="1"/>
-            <a:r>
-              <a:rPr lang="en-US" sz="1300" i="1" dirty="0" smtClean="0"/>
-              <a:t>Y</a:t>
-            </a:r>
-            <a:r>
-              <a:rPr lang="en-US" sz="1300" dirty="0" smtClean="0"/>
-              <a:t>, this is the number of rows to have in the PHOLD grid</a:t>
-            </a:r>
-          </a:p>
-          <a:p>
-            <a:pPr lvl="1"/>
-            <a:r>
-              <a:rPr lang="en-US" sz="1300" i="1" dirty="0" smtClean="0"/>
-              <a:t>N</a:t>
-            </a:r>
-            <a:r>
-              <a:rPr lang="en-US" sz="1300" dirty="0" smtClean="0"/>
-              <a:t>, the number of events each agent sends every time.</a:t>
-            </a:r>
-          </a:p>
-          <a:p>
-            <a:pPr lvl="1"/>
-            <a:r>
-              <a:rPr lang="en-US" sz="1300" i="1" dirty="0" smtClean="0"/>
-              <a:t>Delay</a:t>
-            </a:r>
-            <a:r>
-              <a:rPr lang="en-US" sz="1300" dirty="0" smtClean="0"/>
-              <a:t>, the maximum receive time that an agent can schedule an event for.</a:t>
-            </a:r>
-          </a:p>
-          <a:p>
-            <a:pPr lvl="1"/>
-            <a:r>
-              <a:rPr lang="en-US" sz="1300" i="1" dirty="0" smtClean="0"/>
-              <a:t>Nodes</a:t>
-            </a:r>
-            <a:r>
-              <a:rPr lang="en-US" sz="1300" dirty="0" smtClean="0"/>
-              <a:t>, the number of compute nodes to use for the PHOLD simulation.</a:t>
+              <a:t>Next I present results from the experiments before discussing the API details.</a:t>
             </a:r>
             <a:endParaRPr lang="en-US" sz="1300" dirty="0"/>
           </a:p>
@@ -28488,121 +29517,10 @@
           <a:lstStyle/>
           <a:p>
             <a:r>
-              <a:rPr lang="en-US" sz="3000" dirty="0" smtClean="0"/>
-              <a:t>Empirical Evaluation and Benchmarking</a:t>
-            </a:r>
-            <a:r>
-              <a:rPr lang="en-US" sz="1800" dirty="0" smtClean="0"/>
-              <a:t>(1/11)</a:t>
+              <a:rPr lang="en-US" dirty="0" smtClean="0"/>
+              <a:t>Quick Note</a:t>
             </a:r>
             <a:endParaRPr lang="en-US" dirty="0"/>
-          </a:p>
-        </p:txBody>
-      </p:sp>
-      <p:pic>
-        <p:nvPicPr>
-          <p:cNvPr id="4" name="Picture 3"/>
-          <p:cNvPicPr/>
-          <p:nvPr/>
-        </p:nvPicPr>
-        <p:blipFill>
-          <a:blip r:embed="rId2"/>
-          <a:srcRect/>
-          <a:stretch>
-            <a:fillRect/>
-          </a:stretch>
-        </p:blipFill>
-        <p:spPr bwMode="auto">
-          <a:xfrm>
-            <a:off x="3048000" y="4038600"/>
-            <a:ext cx="4902574" cy="2190750"/>
-          </a:xfrm>
-          <a:prstGeom prst="rect">
-            <a:avLst/>
-          </a:prstGeom>
-          <a:noFill/>
-          <a:ln w="9525">
-            <a:noFill/>
-            <a:miter lim="800000"/>
-            <a:headEnd/>
-            <a:tailEnd/>
-          </a:ln>
-        </p:spPr>
-      </p:pic>
-      <p:sp>
-        <p:nvSpPr>
-          <p:cNvPr id="6145" name="Rectangle 1"/>
-          <p:cNvSpPr>
-            <a:spLocks noChangeArrowheads="1"/>
-          </p:cNvSpPr>
-          <p:nvPr/>
-        </p:nvSpPr>
-        <p:spPr bwMode="auto">
-          <a:xfrm>
-            <a:off x="3352800" y="6248400"/>
-            <a:ext cx="4648200" cy="261610"/>
-          </a:xfrm>
-          <a:prstGeom prst="rect">
-            <a:avLst/>
-          </a:prstGeom>
-          <a:noFill/>
-          <a:ln w="9525">
-            <a:noFill/>
-            <a:miter lim="800000"/>
-            <a:headEnd/>
-            <a:tailEnd/>
-          </a:ln>
-          <a:effectLst/>
-        </p:spPr>
-        <p:txBody>
-          <a:bodyPr vert="horz" wrap="square" lIns="91440" tIns="45720" rIns="91440" bIns="45720" numCol="1" anchor="ctr" anchorCtr="0" compatLnSpc="1">
-            <a:prstTxWarp prst="textNoShape">
-              <a:avLst/>
-            </a:prstTxWarp>
-            <a:spAutoFit/>
-          </a:bodyPr>
-          <a:lstStyle/>
-          <a:p>
-            <a:pPr marL="0" marR="0" lvl="0" indent="0" defTabSz="914400" rtl="0" eaLnBrk="1" fontAlgn="base" latinLnBrk="0" hangingPunct="1">
-              <a:lnSpc>
-                <a:spcPct val="100000"/>
-              </a:lnSpc>
-              <a:spcBef>
-                <a:spcPct val="0"/>
-              </a:spcBef>
-              <a:spcAft>
-                <a:spcPct val="0"/>
-              </a:spcAft>
-              <a:buClrTx/>
-              <a:buSzTx/>
-              <a:buFontTx/>
-              <a:buNone/>
-              <a:tabLst/>
-            </a:pPr>
-            <a:r>
-              <a:rPr kumimoji="0" lang="en-US" sz="1100" b="1" i="0" u="none" strike="noStrike" cap="none" normalizeH="0" baseline="0" dirty="0" smtClean="0" bmk="_Toc229989871">
-                <a:ln>
-                  <a:noFill/>
-                </a:ln>
-                <a:solidFill>
-                  <a:srgbClr val="4F81BD"/>
-                </a:solidFill>
-                <a:effectLst/>
-                <a:latin typeface="Arial" pitchFamily="34" charset="0"/>
-                <a:ea typeface="Times New Roman" pitchFamily="18" charset="0"/>
-              </a:rPr>
-              <a:t> 3 x 3 PHOLD simulations on three compute nodes</a:t>
-            </a:r>
-            <a:endParaRPr kumimoji="0" lang="en-US" sz="1800" b="0" i="0" u="none" strike="noStrike" cap="none" normalizeH="0" baseline="0" dirty="0" smtClean="0">
-              <a:ln>
-                <a:noFill/>
-              </a:ln>
-              <a:solidFill>
-                <a:schemeClr val="tx1"/>
-              </a:solidFill>
-              <a:effectLst/>
-              <a:latin typeface="Arial" pitchFamily="34" charset="0"/>
-            </a:endParaRPr>
           </a:p>
         </p:txBody>
       </p:sp>
